--- a/Chapter12-SummaryAndOutlook/Chapter12.pptx
+++ b/Chapter12-SummaryAndOutlook/Chapter12.pptx
@@ -4,8 +4,29 @@
   <p:sldMasterIdLst>
     <p:sldMasterId id="2147483648" r:id="rId1"/>
   </p:sldMasterIdLst>
+  <p:notesMasterIdLst>
+    <p:notesMasterId r:id="rId21"/>
+  </p:notesMasterIdLst>
   <p:sldIdLst>
     <p:sldId id="256" r:id="rId2"/>
+    <p:sldId id="257" r:id="rId3"/>
+    <p:sldId id="258" r:id="rId4"/>
+    <p:sldId id="259" r:id="rId5"/>
+    <p:sldId id="260" r:id="rId6"/>
+    <p:sldId id="261" r:id="rId7"/>
+    <p:sldId id="262" r:id="rId8"/>
+    <p:sldId id="263" r:id="rId9"/>
+    <p:sldId id="264" r:id="rId10"/>
+    <p:sldId id="265" r:id="rId11"/>
+    <p:sldId id="266" r:id="rId12"/>
+    <p:sldId id="267" r:id="rId13"/>
+    <p:sldId id="268" r:id="rId14"/>
+    <p:sldId id="269" r:id="rId15"/>
+    <p:sldId id="270" r:id="rId16"/>
+    <p:sldId id="271" r:id="rId17"/>
+    <p:sldId id="272" r:id="rId18"/>
+    <p:sldId id="273" r:id="rId19"/>
+    <p:sldId id="274" r:id="rId20"/>
   </p:sldIdLst>
   <p:sldSz cx="12192000" cy="6858000"/>
   <p:notesSz cx="6858000" cy="9144000"/>
@@ -104,7 +125,448 @@
       </a:defRPr>
     </a:lvl9pPr>
   </p:defaultTextStyle>
+  <p:extLst>
+    <p:ext uri="{EFAFB233-063F-42B5-8137-9DF3F51BA10A}">
+      <p15:sldGuideLst xmlns:p15="http://schemas.microsoft.com/office/powerpoint/2012/main"/>
+    </p:ext>
+  </p:extLst>
 </p:presentation>
+</file>
+
+<file path=ppt/notesMasters/notesMaster1.xml><?xml version="1.0" encoding="utf-8"?>
+<p:notesMaster xmlns:a="http://schemas.openxmlformats.org/drawingml/2006/main" xmlns:r="http://schemas.openxmlformats.org/officeDocument/2006/relationships" xmlns:p="http://schemas.openxmlformats.org/presentationml/2006/main">
+  <p:cSld>
+    <p:bg>
+      <p:bgRef idx="1001">
+        <a:schemeClr val="bg1"/>
+      </p:bgRef>
+    </p:bg>
+    <p:spTree>
+      <p:nvGrpSpPr>
+        <p:cNvPr id="1" name=""/>
+        <p:cNvGrpSpPr/>
+        <p:nvPr/>
+      </p:nvGrpSpPr>
+      <p:grpSpPr>
+        <a:xfrm>
+          <a:off x="0" y="0"/>
+          <a:ext cx="0" cy="0"/>
+          <a:chOff x="0" y="0"/>
+          <a:chExt cx="0" cy="0"/>
+        </a:xfrm>
+      </p:grpSpPr>
+      <p:sp>
+        <p:nvSpPr>
+          <p:cNvPr id="2" name="Header Placeholder 1"/>
+          <p:cNvSpPr>
+            <a:spLocks noGrp="1"/>
+          </p:cNvSpPr>
+          <p:nvPr>
+            <p:ph type="hdr" sz="quarter"/>
+          </p:nvPr>
+        </p:nvSpPr>
+        <p:spPr>
+          <a:xfrm>
+            <a:off x="0" y="0"/>
+            <a:ext cx="2971800" cy="458788"/>
+          </a:xfrm>
+          <a:prstGeom prst="rect">
+            <a:avLst/>
+          </a:prstGeom>
+        </p:spPr>
+        <p:txBody>
+          <a:bodyPr vert="horz" lIns="91440" tIns="45720" rIns="91440" bIns="45720" rtlCol="0"/>
+          <a:lstStyle>
+            <a:lvl1pPr algn="l">
+              <a:defRPr sz="1200"/>
+            </a:lvl1pPr>
+          </a:lstStyle>
+          <a:p>
+            <a:endParaRPr lang="en-US"/>
+          </a:p>
+        </p:txBody>
+      </p:sp>
+      <p:sp>
+        <p:nvSpPr>
+          <p:cNvPr id="3" name="Date Placeholder 2"/>
+          <p:cNvSpPr>
+            <a:spLocks noGrp="1"/>
+          </p:cNvSpPr>
+          <p:nvPr>
+            <p:ph type="dt" idx="1"/>
+          </p:nvPr>
+        </p:nvSpPr>
+        <p:spPr>
+          <a:xfrm>
+            <a:off x="3884613" y="0"/>
+            <a:ext cx="2971800" cy="458788"/>
+          </a:xfrm>
+          <a:prstGeom prst="rect">
+            <a:avLst/>
+          </a:prstGeom>
+        </p:spPr>
+        <p:txBody>
+          <a:bodyPr vert="horz" lIns="91440" tIns="45720" rIns="91440" bIns="45720" rtlCol="0"/>
+          <a:lstStyle>
+            <a:lvl1pPr algn="r">
+              <a:defRPr sz="1200"/>
+            </a:lvl1pPr>
+          </a:lstStyle>
+          <a:p>
+            <a:fld id="{BAB81967-2BF6-464C-8467-CAF335A27FF0}" type="datetimeFigureOut">
+              <a:rPr lang="en-US" smtClean="0"/>
+              <a:t>7/21/18</a:t>
+            </a:fld>
+            <a:endParaRPr lang="en-US"/>
+          </a:p>
+        </p:txBody>
+      </p:sp>
+      <p:sp>
+        <p:nvSpPr>
+          <p:cNvPr id="4" name="Slide Image Placeholder 3"/>
+          <p:cNvSpPr>
+            <a:spLocks noGrp="1" noRot="1" noChangeAspect="1"/>
+          </p:cNvSpPr>
+          <p:nvPr>
+            <p:ph type="sldImg" idx="2"/>
+          </p:nvPr>
+        </p:nvSpPr>
+        <p:spPr>
+          <a:xfrm>
+            <a:off x="685800" y="1143000"/>
+            <a:ext cx="5486400" cy="3086100"/>
+          </a:xfrm>
+          <a:prstGeom prst="rect">
+            <a:avLst/>
+          </a:prstGeom>
+          <a:noFill/>
+          <a:ln w="12700">
+            <a:solidFill>
+              <a:prstClr val="black"/>
+            </a:solidFill>
+          </a:ln>
+        </p:spPr>
+        <p:txBody>
+          <a:bodyPr vert="horz" lIns="91440" tIns="45720" rIns="91440" bIns="45720" rtlCol="0" anchor="ctr"/>
+          <a:lstStyle/>
+          <a:p>
+            <a:endParaRPr lang="en-US"/>
+          </a:p>
+        </p:txBody>
+      </p:sp>
+      <p:sp>
+        <p:nvSpPr>
+          <p:cNvPr id="5" name="Notes Placeholder 4"/>
+          <p:cNvSpPr>
+            <a:spLocks noGrp="1"/>
+          </p:cNvSpPr>
+          <p:nvPr>
+            <p:ph type="body" sz="quarter" idx="3"/>
+          </p:nvPr>
+        </p:nvSpPr>
+        <p:spPr>
+          <a:xfrm>
+            <a:off x="685800" y="4400550"/>
+            <a:ext cx="5486400" cy="3600450"/>
+          </a:xfrm>
+          <a:prstGeom prst="rect">
+            <a:avLst/>
+          </a:prstGeom>
+        </p:spPr>
+        <p:txBody>
+          <a:bodyPr vert="horz" lIns="91440" tIns="45720" rIns="91440" bIns="45720" rtlCol="0"/>
+          <a:lstStyle/>
+          <a:p>
+            <a:pPr lvl="0"/>
+            <a:r>
+              <a:rPr lang="en-US"/>
+              <a:t>Edit Master text styles</a:t>
+            </a:r>
+          </a:p>
+          <a:p>
+            <a:pPr lvl="1"/>
+            <a:r>
+              <a:rPr lang="en-US"/>
+              <a:t>Second level</a:t>
+            </a:r>
+          </a:p>
+          <a:p>
+            <a:pPr lvl="2"/>
+            <a:r>
+              <a:rPr lang="en-US"/>
+              <a:t>Third level</a:t>
+            </a:r>
+          </a:p>
+          <a:p>
+            <a:pPr lvl="3"/>
+            <a:r>
+              <a:rPr lang="en-US"/>
+              <a:t>Fourth level</a:t>
+            </a:r>
+          </a:p>
+          <a:p>
+            <a:pPr lvl="4"/>
+            <a:r>
+              <a:rPr lang="en-US"/>
+              <a:t>Fifth level</a:t>
+            </a:r>
+          </a:p>
+        </p:txBody>
+      </p:sp>
+      <p:sp>
+        <p:nvSpPr>
+          <p:cNvPr id="6" name="Footer Placeholder 5"/>
+          <p:cNvSpPr>
+            <a:spLocks noGrp="1"/>
+          </p:cNvSpPr>
+          <p:nvPr>
+            <p:ph type="ftr" sz="quarter" idx="4"/>
+          </p:nvPr>
+        </p:nvSpPr>
+        <p:spPr>
+          <a:xfrm>
+            <a:off x="0" y="8685213"/>
+            <a:ext cx="2971800" cy="458787"/>
+          </a:xfrm>
+          <a:prstGeom prst="rect">
+            <a:avLst/>
+          </a:prstGeom>
+        </p:spPr>
+        <p:txBody>
+          <a:bodyPr vert="horz" lIns="91440" tIns="45720" rIns="91440" bIns="45720" rtlCol="0" anchor="b"/>
+          <a:lstStyle>
+            <a:lvl1pPr algn="l">
+              <a:defRPr sz="1200"/>
+            </a:lvl1pPr>
+          </a:lstStyle>
+          <a:p>
+            <a:endParaRPr lang="en-US"/>
+          </a:p>
+        </p:txBody>
+      </p:sp>
+      <p:sp>
+        <p:nvSpPr>
+          <p:cNvPr id="7" name="Slide Number Placeholder 6"/>
+          <p:cNvSpPr>
+            <a:spLocks noGrp="1"/>
+          </p:cNvSpPr>
+          <p:nvPr>
+            <p:ph type="sldNum" sz="quarter" idx="5"/>
+          </p:nvPr>
+        </p:nvSpPr>
+        <p:spPr>
+          <a:xfrm>
+            <a:off x="3884613" y="8685213"/>
+            <a:ext cx="2971800" cy="458787"/>
+          </a:xfrm>
+          <a:prstGeom prst="rect">
+            <a:avLst/>
+          </a:prstGeom>
+        </p:spPr>
+        <p:txBody>
+          <a:bodyPr vert="horz" lIns="91440" tIns="45720" rIns="91440" bIns="45720" rtlCol="0" anchor="b"/>
+          <a:lstStyle>
+            <a:lvl1pPr algn="r">
+              <a:defRPr sz="1200"/>
+            </a:lvl1pPr>
+          </a:lstStyle>
+          <a:p>
+            <a:fld id="{6830BF4D-E4EB-C347-9F92-6FA2DBDD4CE5}" type="slidenum">
+              <a:rPr lang="en-US" smtClean="0"/>
+              <a:t>‹#›</a:t>
+            </a:fld>
+            <a:endParaRPr lang="en-US"/>
+          </a:p>
+        </p:txBody>
+      </p:sp>
+    </p:spTree>
+    <p:extLst>
+      <p:ext uri="{BB962C8B-B14F-4D97-AF65-F5344CB8AC3E}">
+        <p14:creationId xmlns:p14="http://schemas.microsoft.com/office/powerpoint/2010/main" val="2318063892"/>
+      </p:ext>
+    </p:extLst>
+  </p:cSld>
+  <p:clrMap bg1="lt1" tx1="dk1" bg2="lt2" tx2="dk2" accent1="accent1" accent2="accent2" accent3="accent3" accent4="accent4" accent5="accent5" accent6="accent6" hlink="hlink" folHlink="folHlink"/>
+  <p:notesStyle>
+    <a:lvl1pPr marL="0" algn="l" defTabSz="914400" rtl="0" eaLnBrk="1" latinLnBrk="0" hangingPunct="1">
+      <a:defRPr sz="1200" kern="1200">
+        <a:solidFill>
+          <a:schemeClr val="tx1"/>
+        </a:solidFill>
+        <a:latin typeface="+mn-lt"/>
+        <a:ea typeface="+mn-ea"/>
+        <a:cs typeface="+mn-cs"/>
+      </a:defRPr>
+    </a:lvl1pPr>
+    <a:lvl2pPr marL="457200" algn="l" defTabSz="914400" rtl="0" eaLnBrk="1" latinLnBrk="0" hangingPunct="1">
+      <a:defRPr sz="1200" kern="1200">
+        <a:solidFill>
+          <a:schemeClr val="tx1"/>
+        </a:solidFill>
+        <a:latin typeface="+mn-lt"/>
+        <a:ea typeface="+mn-ea"/>
+        <a:cs typeface="+mn-cs"/>
+      </a:defRPr>
+    </a:lvl2pPr>
+    <a:lvl3pPr marL="914400" algn="l" defTabSz="914400" rtl="0" eaLnBrk="1" latinLnBrk="0" hangingPunct="1">
+      <a:defRPr sz="1200" kern="1200">
+        <a:solidFill>
+          <a:schemeClr val="tx1"/>
+        </a:solidFill>
+        <a:latin typeface="+mn-lt"/>
+        <a:ea typeface="+mn-ea"/>
+        <a:cs typeface="+mn-cs"/>
+      </a:defRPr>
+    </a:lvl3pPr>
+    <a:lvl4pPr marL="1371600" algn="l" defTabSz="914400" rtl="0" eaLnBrk="1" latinLnBrk="0" hangingPunct="1">
+      <a:defRPr sz="1200" kern="1200">
+        <a:solidFill>
+          <a:schemeClr val="tx1"/>
+        </a:solidFill>
+        <a:latin typeface="+mn-lt"/>
+        <a:ea typeface="+mn-ea"/>
+        <a:cs typeface="+mn-cs"/>
+      </a:defRPr>
+    </a:lvl4pPr>
+    <a:lvl5pPr marL="1828800" algn="l" defTabSz="914400" rtl="0" eaLnBrk="1" latinLnBrk="0" hangingPunct="1">
+      <a:defRPr sz="1200" kern="1200">
+        <a:solidFill>
+          <a:schemeClr val="tx1"/>
+        </a:solidFill>
+        <a:latin typeface="+mn-lt"/>
+        <a:ea typeface="+mn-ea"/>
+        <a:cs typeface="+mn-cs"/>
+      </a:defRPr>
+    </a:lvl5pPr>
+    <a:lvl6pPr marL="2286000" algn="l" defTabSz="914400" rtl="0" eaLnBrk="1" latinLnBrk="0" hangingPunct="1">
+      <a:defRPr sz="1200" kern="1200">
+        <a:solidFill>
+          <a:schemeClr val="tx1"/>
+        </a:solidFill>
+        <a:latin typeface="+mn-lt"/>
+        <a:ea typeface="+mn-ea"/>
+        <a:cs typeface="+mn-cs"/>
+      </a:defRPr>
+    </a:lvl6pPr>
+    <a:lvl7pPr marL="2743200" algn="l" defTabSz="914400" rtl="0" eaLnBrk="1" latinLnBrk="0" hangingPunct="1">
+      <a:defRPr sz="1200" kern="1200">
+        <a:solidFill>
+          <a:schemeClr val="tx1"/>
+        </a:solidFill>
+        <a:latin typeface="+mn-lt"/>
+        <a:ea typeface="+mn-ea"/>
+        <a:cs typeface="+mn-cs"/>
+      </a:defRPr>
+    </a:lvl7pPr>
+    <a:lvl8pPr marL="3200400" algn="l" defTabSz="914400" rtl="0" eaLnBrk="1" latinLnBrk="0" hangingPunct="1">
+      <a:defRPr sz="1200" kern="1200">
+        <a:solidFill>
+          <a:schemeClr val="tx1"/>
+        </a:solidFill>
+        <a:latin typeface="+mn-lt"/>
+        <a:ea typeface="+mn-ea"/>
+        <a:cs typeface="+mn-cs"/>
+      </a:defRPr>
+    </a:lvl8pPr>
+    <a:lvl9pPr marL="3657600" algn="l" defTabSz="914400" rtl="0" eaLnBrk="1" latinLnBrk="0" hangingPunct="1">
+      <a:defRPr sz="1200" kern="1200">
+        <a:solidFill>
+          <a:schemeClr val="tx1"/>
+        </a:solidFill>
+        <a:latin typeface="+mn-lt"/>
+        <a:ea typeface="+mn-ea"/>
+        <a:cs typeface="+mn-cs"/>
+      </a:defRPr>
+    </a:lvl9pPr>
+  </p:notesStyle>
+</p:notesMaster>
+</file>
+
+<file path=ppt/notesSlides/notesSlide1.xml><?xml version="1.0" encoding="utf-8"?>
+<p:notes xmlns:a="http://schemas.openxmlformats.org/drawingml/2006/main" xmlns:r="http://schemas.openxmlformats.org/officeDocument/2006/relationships" xmlns:p="http://schemas.openxmlformats.org/presentationml/2006/main">
+  <p:cSld>
+    <p:spTree>
+      <p:nvGrpSpPr>
+        <p:cNvPr id="1" name=""/>
+        <p:cNvGrpSpPr/>
+        <p:nvPr/>
+      </p:nvGrpSpPr>
+      <p:grpSpPr>
+        <a:xfrm>
+          <a:off x="0" y="0"/>
+          <a:ext cx="0" cy="0"/>
+          <a:chOff x="0" y="0"/>
+          <a:chExt cx="0" cy="0"/>
+        </a:xfrm>
+      </p:grpSpPr>
+      <p:sp>
+        <p:nvSpPr>
+          <p:cNvPr id="2" name="Slide Image Placeholder 1"/>
+          <p:cNvSpPr>
+            <a:spLocks noGrp="1" noRot="1" noChangeAspect="1"/>
+          </p:cNvSpPr>
+          <p:nvPr>
+            <p:ph type="sldImg"/>
+          </p:nvPr>
+        </p:nvSpPr>
+        <p:spPr/>
+      </p:sp>
+      <p:sp>
+        <p:nvSpPr>
+          <p:cNvPr id="3" name="Notes Placeholder 2"/>
+          <p:cNvSpPr>
+            <a:spLocks noGrp="1"/>
+          </p:cNvSpPr>
+          <p:nvPr>
+            <p:ph type="body" idx="1"/>
+          </p:nvPr>
+        </p:nvSpPr>
+        <p:spPr/>
+        <p:txBody>
+          <a:bodyPr/>
+          <a:lstStyle/>
+          <a:p>
+            <a:r>
+              <a:rPr lang="en-US" dirty="0"/>
+              <a:t>This chapter reflects on the current state of the art of agent-based models and factors that may shape the future of this discipline. Specifically we will discuss the key challenges for developing robust agent-based models of geographical systems as well as potential solutions. We argue that we need to make progress on these challenges if these models are to be used to offer insight into key societal challenges, for example climate change, urban growth and migration.</a:t>
+            </a:r>
+          </a:p>
+        </p:txBody>
+      </p:sp>
+      <p:sp>
+        <p:nvSpPr>
+          <p:cNvPr id="4" name="Slide Number Placeholder 3"/>
+          <p:cNvSpPr>
+            <a:spLocks noGrp="1"/>
+          </p:cNvSpPr>
+          <p:nvPr>
+            <p:ph type="sldNum" sz="quarter" idx="10"/>
+          </p:nvPr>
+        </p:nvSpPr>
+        <p:spPr/>
+        <p:txBody>
+          <a:bodyPr/>
+          <a:lstStyle/>
+          <a:p>
+            <a:fld id="{6830BF4D-E4EB-C347-9F92-6FA2DBDD4CE5}" type="slidenum">
+              <a:rPr lang="en-US" smtClean="0"/>
+              <a:t>1</a:t>
+            </a:fld>
+            <a:endParaRPr lang="en-US"/>
+          </a:p>
+        </p:txBody>
+      </p:sp>
+    </p:spTree>
+    <p:extLst>
+      <p:ext uri="{BB962C8B-B14F-4D97-AF65-F5344CB8AC3E}">
+        <p14:creationId xmlns:p14="http://schemas.microsoft.com/office/powerpoint/2010/main" val="1553331616"/>
+      </p:ext>
+    </p:extLst>
+  </p:cSld>
+  <p:clrMapOvr>
+    <a:masterClrMapping/>
+  </p:clrMapOvr>
+</p:notes>
 </file>
 
 <file path=ppt/slideLayouts/slideLayout1.xml><?xml version="1.0" encoding="utf-8"?>
@@ -254,7 +716,7 @@
           <a:p>
             <a:fld id="{53326AB7-C146-8643-AC32-1D896C71A7F3}" type="datetimeFigureOut">
               <a:rPr lang="en-US" smtClean="0"/>
-              <a:t>7/16/18</a:t>
+              <a:t>7/21/18</a:t>
             </a:fld>
             <a:endParaRPr lang="en-US"/>
           </a:p>
@@ -452,7 +914,7 @@
           <a:p>
             <a:fld id="{53326AB7-C146-8643-AC32-1D896C71A7F3}" type="datetimeFigureOut">
               <a:rPr lang="en-US" smtClean="0"/>
-              <a:t>7/16/18</a:t>
+              <a:t>7/21/18</a:t>
             </a:fld>
             <a:endParaRPr lang="en-US"/>
           </a:p>
@@ -660,7 +1122,7 @@
           <a:p>
             <a:fld id="{53326AB7-C146-8643-AC32-1D896C71A7F3}" type="datetimeFigureOut">
               <a:rPr lang="en-US" smtClean="0"/>
-              <a:t>7/16/18</a:t>
+              <a:t>7/21/18</a:t>
             </a:fld>
             <a:endParaRPr lang="en-US"/>
           </a:p>
@@ -858,7 +1320,7 @@
           <a:p>
             <a:fld id="{53326AB7-C146-8643-AC32-1D896C71A7F3}" type="datetimeFigureOut">
               <a:rPr lang="en-US" smtClean="0"/>
-              <a:t>7/16/18</a:t>
+              <a:t>7/21/18</a:t>
             </a:fld>
             <a:endParaRPr lang="en-US"/>
           </a:p>
@@ -1133,7 +1595,7 @@
           <a:p>
             <a:fld id="{53326AB7-C146-8643-AC32-1D896C71A7F3}" type="datetimeFigureOut">
               <a:rPr lang="en-US" smtClean="0"/>
-              <a:t>7/16/18</a:t>
+              <a:t>7/21/18</a:t>
             </a:fld>
             <a:endParaRPr lang="en-US"/>
           </a:p>
@@ -1398,7 +1860,7 @@
           <a:p>
             <a:fld id="{53326AB7-C146-8643-AC32-1D896C71A7F3}" type="datetimeFigureOut">
               <a:rPr lang="en-US" smtClean="0"/>
-              <a:t>7/16/18</a:t>
+              <a:t>7/21/18</a:t>
             </a:fld>
             <a:endParaRPr lang="en-US"/>
           </a:p>
@@ -1810,7 +2272,7 @@
           <a:p>
             <a:fld id="{53326AB7-C146-8643-AC32-1D896C71A7F3}" type="datetimeFigureOut">
               <a:rPr lang="en-US" smtClean="0"/>
-              <a:t>7/16/18</a:t>
+              <a:t>7/21/18</a:t>
             </a:fld>
             <a:endParaRPr lang="en-US"/>
           </a:p>
@@ -1951,7 +2413,7 @@
           <a:p>
             <a:fld id="{53326AB7-C146-8643-AC32-1D896C71A7F3}" type="datetimeFigureOut">
               <a:rPr lang="en-US" smtClean="0"/>
-              <a:t>7/16/18</a:t>
+              <a:t>7/21/18</a:t>
             </a:fld>
             <a:endParaRPr lang="en-US"/>
           </a:p>
@@ -2064,7 +2526,7 @@
           <a:p>
             <a:fld id="{53326AB7-C146-8643-AC32-1D896C71A7F3}" type="datetimeFigureOut">
               <a:rPr lang="en-US" smtClean="0"/>
-              <a:t>7/16/18</a:t>
+              <a:t>7/21/18</a:t>
             </a:fld>
             <a:endParaRPr lang="en-US"/>
           </a:p>
@@ -2375,7 +2837,7 @@
           <a:p>
             <a:fld id="{53326AB7-C146-8643-AC32-1D896C71A7F3}" type="datetimeFigureOut">
               <a:rPr lang="en-US" smtClean="0"/>
-              <a:t>7/16/18</a:t>
+              <a:t>7/21/18</a:t>
             </a:fld>
             <a:endParaRPr lang="en-US"/>
           </a:p>
@@ -2663,7 +3125,7 @@
           <a:p>
             <a:fld id="{53326AB7-C146-8643-AC32-1D896C71A7F3}" type="datetimeFigureOut">
               <a:rPr lang="en-US" smtClean="0"/>
-              <a:t>7/16/18</a:t>
+              <a:t>7/21/18</a:t>
             </a:fld>
             <a:endParaRPr lang="en-US"/>
           </a:p>
@@ -2904,7 +3366,7 @@
           <a:p>
             <a:fld id="{53326AB7-C146-8643-AC32-1D896C71A7F3}" type="datetimeFigureOut">
               <a:rPr lang="en-US" smtClean="0"/>
-              <a:t>7/16/18</a:t>
+              <a:t>7/21/18</a:t>
             </a:fld>
             <a:endParaRPr lang="en-US"/>
           </a:p>
@@ -3342,7 +3804,10 @@
           <a:bodyPr/>
           <a:lstStyle/>
           <a:p>
-            <a:endParaRPr lang="en-US"/>
+            <a:r>
+              <a:rPr lang="en-US" dirty="0"/>
+              <a:t>Chapter 12</a:t>
+            </a:r>
           </a:p>
         </p:txBody>
       </p:sp>
@@ -3367,7 +3832,10 @@
           <a:bodyPr/>
           <a:lstStyle/>
           <a:p>
-            <a:endParaRPr lang="en-US"/>
+            <a:r>
+              <a:rPr lang="en-US" dirty="0"/>
+              <a:t>Summary and Outlook</a:t>
+            </a:r>
           </a:p>
         </p:txBody>
       </p:sp>
@@ -3375,6 +3843,1601 @@
     <p:extLst>
       <p:ext uri="{BB962C8B-B14F-4D97-AF65-F5344CB8AC3E}">
         <p14:creationId xmlns:p14="http://schemas.microsoft.com/office/powerpoint/2010/main" val="27190754"/>
+      </p:ext>
+    </p:extLst>
+  </p:cSld>
+  <p:clrMapOvr>
+    <a:masterClrMapping/>
+  </p:clrMapOvr>
+</p:sld>
+</file>
+
+<file path=ppt/slides/slide10.xml><?xml version="1.0" encoding="utf-8"?>
+<p:sld xmlns:a="http://schemas.openxmlformats.org/drawingml/2006/main" xmlns:r="http://schemas.openxmlformats.org/officeDocument/2006/relationships" xmlns:p="http://schemas.openxmlformats.org/presentationml/2006/main">
+  <p:cSld>
+    <p:spTree>
+      <p:nvGrpSpPr>
+        <p:cNvPr id="1" name=""/>
+        <p:cNvGrpSpPr/>
+        <p:nvPr/>
+      </p:nvGrpSpPr>
+      <p:grpSpPr>
+        <a:xfrm>
+          <a:off x="0" y="0"/>
+          <a:ext cx="0" cy="0"/>
+          <a:chOff x="0" y="0"/>
+          <a:chExt cx="0" cy="0"/>
+        </a:xfrm>
+      </p:grpSpPr>
+      <p:sp>
+        <p:nvSpPr>
+          <p:cNvPr id="2" name="Title 1">
+            <a:extLst>
+              <a:ext uri="{FF2B5EF4-FFF2-40B4-BE49-F238E27FC236}">
+                <a16:creationId xmlns:a16="http://schemas.microsoft.com/office/drawing/2014/main" id="{535FFA71-5FB4-4246-A39E-44B498304118}"/>
+              </a:ext>
+            </a:extLst>
+          </p:cNvPr>
+          <p:cNvSpPr>
+            <a:spLocks noGrp="1"/>
+          </p:cNvSpPr>
+          <p:nvPr>
+            <p:ph type="title"/>
+          </p:nvPr>
+        </p:nvSpPr>
+        <p:spPr/>
+        <p:txBody>
+          <a:bodyPr/>
+          <a:lstStyle/>
+          <a:p>
+            <a:r>
+              <a:rPr lang="en-US" dirty="0"/>
+              <a:t>Challenge 7: </a:t>
+            </a:r>
+            <a:r>
+              <a:rPr lang="en-US" dirty="0" err="1"/>
+              <a:t>Behaviour</a:t>
+            </a:r>
+            <a:endParaRPr lang="en-US" dirty="0"/>
+          </a:p>
+        </p:txBody>
+      </p:sp>
+      <p:sp>
+        <p:nvSpPr>
+          <p:cNvPr id="3" name="Content Placeholder 2">
+            <a:extLst>
+              <a:ext uri="{FF2B5EF4-FFF2-40B4-BE49-F238E27FC236}">
+                <a16:creationId xmlns:a16="http://schemas.microsoft.com/office/drawing/2014/main" id="{706E6302-E2AD-8F4C-BF7B-D6A29BBAF44D}"/>
+              </a:ext>
+            </a:extLst>
+          </p:cNvPr>
+          <p:cNvSpPr>
+            <a:spLocks noGrp="1"/>
+          </p:cNvSpPr>
+          <p:nvPr>
+            <p:ph idx="1"/>
+          </p:nvPr>
+        </p:nvSpPr>
+        <p:spPr/>
+        <p:txBody>
+          <a:bodyPr/>
+          <a:lstStyle/>
+          <a:p>
+            <a:endParaRPr lang="en-US"/>
+          </a:p>
+        </p:txBody>
+      </p:sp>
+    </p:spTree>
+    <p:extLst>
+      <p:ext uri="{BB962C8B-B14F-4D97-AF65-F5344CB8AC3E}">
+        <p14:creationId xmlns:p14="http://schemas.microsoft.com/office/powerpoint/2010/main" val="2610913197"/>
+      </p:ext>
+    </p:extLst>
+  </p:cSld>
+  <p:clrMapOvr>
+    <a:masterClrMapping/>
+  </p:clrMapOvr>
+</p:sld>
+</file>
+
+<file path=ppt/slides/slide11.xml><?xml version="1.0" encoding="utf-8"?>
+<p:sld xmlns:a="http://schemas.openxmlformats.org/drawingml/2006/main" xmlns:r="http://schemas.openxmlformats.org/officeDocument/2006/relationships" xmlns:p="http://schemas.openxmlformats.org/presentationml/2006/main">
+  <p:cSld>
+    <p:spTree>
+      <p:nvGrpSpPr>
+        <p:cNvPr id="1" name=""/>
+        <p:cNvGrpSpPr/>
+        <p:nvPr/>
+      </p:nvGrpSpPr>
+      <p:grpSpPr>
+        <a:xfrm>
+          <a:off x="0" y="0"/>
+          <a:ext cx="0" cy="0"/>
+          <a:chOff x="0" y="0"/>
+          <a:chExt cx="0" cy="0"/>
+        </a:xfrm>
+      </p:grpSpPr>
+      <p:sp>
+        <p:nvSpPr>
+          <p:cNvPr id="2" name="Title 1">
+            <a:extLst>
+              <a:ext uri="{FF2B5EF4-FFF2-40B4-BE49-F238E27FC236}">
+                <a16:creationId xmlns:a16="http://schemas.microsoft.com/office/drawing/2014/main" id="{B781CB42-1E4C-8D46-B6C3-676B166BDFE0}"/>
+              </a:ext>
+            </a:extLst>
+          </p:cNvPr>
+          <p:cNvSpPr>
+            <a:spLocks noGrp="1"/>
+          </p:cNvSpPr>
+          <p:nvPr>
+            <p:ph type="title"/>
+          </p:nvPr>
+        </p:nvSpPr>
+        <p:spPr/>
+        <p:txBody>
+          <a:bodyPr/>
+          <a:lstStyle/>
+          <a:p>
+            <a:r>
+              <a:rPr lang="en-US" dirty="0"/>
+              <a:t>Challenge 8: Sharing and Dissemination of the Model</a:t>
+            </a:r>
+          </a:p>
+        </p:txBody>
+      </p:sp>
+      <p:sp>
+        <p:nvSpPr>
+          <p:cNvPr id="3" name="Content Placeholder 2">
+            <a:extLst>
+              <a:ext uri="{FF2B5EF4-FFF2-40B4-BE49-F238E27FC236}">
+                <a16:creationId xmlns:a16="http://schemas.microsoft.com/office/drawing/2014/main" id="{EA12B0CD-0244-144C-B0DC-FB67706B48B4}"/>
+              </a:ext>
+            </a:extLst>
+          </p:cNvPr>
+          <p:cNvSpPr>
+            <a:spLocks noGrp="1"/>
+          </p:cNvSpPr>
+          <p:nvPr>
+            <p:ph idx="1"/>
+          </p:nvPr>
+        </p:nvSpPr>
+        <p:spPr/>
+        <p:txBody>
+          <a:bodyPr/>
+          <a:lstStyle/>
+          <a:p>
+            <a:endParaRPr lang="en-US"/>
+          </a:p>
+        </p:txBody>
+      </p:sp>
+    </p:spTree>
+    <p:extLst>
+      <p:ext uri="{BB962C8B-B14F-4D97-AF65-F5344CB8AC3E}">
+        <p14:creationId xmlns:p14="http://schemas.microsoft.com/office/powerpoint/2010/main" val="905451236"/>
+      </p:ext>
+    </p:extLst>
+  </p:cSld>
+  <p:clrMapOvr>
+    <a:masterClrMapping/>
+  </p:clrMapOvr>
+</p:sld>
+</file>
+
+<file path=ppt/slides/slide12.xml><?xml version="1.0" encoding="utf-8"?>
+<p:sld xmlns:a="http://schemas.openxmlformats.org/drawingml/2006/main" xmlns:r="http://schemas.openxmlformats.org/officeDocument/2006/relationships" xmlns:p="http://schemas.openxmlformats.org/presentationml/2006/main">
+  <p:cSld>
+    <p:spTree>
+      <p:nvGrpSpPr>
+        <p:cNvPr id="1" name=""/>
+        <p:cNvGrpSpPr/>
+        <p:nvPr/>
+      </p:nvGrpSpPr>
+      <p:grpSpPr>
+        <a:xfrm>
+          <a:off x="0" y="0"/>
+          <a:ext cx="0" cy="0"/>
+          <a:chOff x="0" y="0"/>
+          <a:chExt cx="0" cy="0"/>
+        </a:xfrm>
+      </p:grpSpPr>
+      <p:sp>
+        <p:nvSpPr>
+          <p:cNvPr id="2" name="Title 1">
+            <a:extLst>
+              <a:ext uri="{FF2B5EF4-FFF2-40B4-BE49-F238E27FC236}">
+                <a16:creationId xmlns:a16="http://schemas.microsoft.com/office/drawing/2014/main" id="{4D374CB7-9640-8342-A700-967A338C72DA}"/>
+              </a:ext>
+            </a:extLst>
+          </p:cNvPr>
+          <p:cNvSpPr>
+            <a:spLocks noGrp="1"/>
+          </p:cNvSpPr>
+          <p:nvPr>
+            <p:ph type="title"/>
+          </p:nvPr>
+        </p:nvSpPr>
+        <p:spPr/>
+        <p:txBody>
+          <a:bodyPr/>
+          <a:lstStyle/>
+          <a:p>
+            <a:r>
+              <a:rPr lang="en-US" dirty="0"/>
+              <a:t>Challenge 9: Data Challenges</a:t>
+            </a:r>
+          </a:p>
+        </p:txBody>
+      </p:sp>
+      <p:sp>
+        <p:nvSpPr>
+          <p:cNvPr id="3" name="Content Placeholder 2">
+            <a:extLst>
+              <a:ext uri="{FF2B5EF4-FFF2-40B4-BE49-F238E27FC236}">
+                <a16:creationId xmlns:a16="http://schemas.microsoft.com/office/drawing/2014/main" id="{E34A3B59-BE53-9244-81E0-1C96C975B2FB}"/>
+              </a:ext>
+            </a:extLst>
+          </p:cNvPr>
+          <p:cNvSpPr>
+            <a:spLocks noGrp="1"/>
+          </p:cNvSpPr>
+          <p:nvPr>
+            <p:ph idx="1"/>
+          </p:nvPr>
+        </p:nvSpPr>
+        <p:spPr/>
+        <p:txBody>
+          <a:bodyPr/>
+          <a:lstStyle/>
+          <a:p>
+            <a:endParaRPr lang="en-US"/>
+          </a:p>
+        </p:txBody>
+      </p:sp>
+    </p:spTree>
+    <p:extLst>
+      <p:ext uri="{BB962C8B-B14F-4D97-AF65-F5344CB8AC3E}">
+        <p14:creationId xmlns:p14="http://schemas.microsoft.com/office/powerpoint/2010/main" val="1387924027"/>
+      </p:ext>
+    </p:extLst>
+  </p:cSld>
+  <p:clrMapOvr>
+    <a:masterClrMapping/>
+  </p:clrMapOvr>
+</p:sld>
+</file>
+
+<file path=ppt/slides/slide13.xml><?xml version="1.0" encoding="utf-8"?>
+<p:sld xmlns:a="http://schemas.openxmlformats.org/drawingml/2006/main" xmlns:r="http://schemas.openxmlformats.org/officeDocument/2006/relationships" xmlns:p="http://schemas.openxmlformats.org/presentationml/2006/main">
+  <p:cSld>
+    <p:spTree>
+      <p:nvGrpSpPr>
+        <p:cNvPr id="1" name=""/>
+        <p:cNvGrpSpPr/>
+        <p:nvPr/>
+      </p:nvGrpSpPr>
+      <p:grpSpPr>
+        <a:xfrm>
+          <a:off x="0" y="0"/>
+          <a:ext cx="0" cy="0"/>
+          <a:chOff x="0" y="0"/>
+          <a:chExt cx="0" cy="0"/>
+        </a:xfrm>
+      </p:grpSpPr>
+      <p:sp>
+        <p:nvSpPr>
+          <p:cNvPr id="2" name="Title 1">
+            <a:extLst>
+              <a:ext uri="{FF2B5EF4-FFF2-40B4-BE49-F238E27FC236}">
+                <a16:creationId xmlns:a16="http://schemas.microsoft.com/office/drawing/2014/main" id="{3B6FB491-2463-A94A-9845-C923192BE747}"/>
+              </a:ext>
+            </a:extLst>
+          </p:cNvPr>
+          <p:cNvSpPr>
+            <a:spLocks noGrp="1"/>
+          </p:cNvSpPr>
+          <p:nvPr>
+            <p:ph type="title"/>
+          </p:nvPr>
+        </p:nvSpPr>
+        <p:spPr/>
+        <p:txBody>
+          <a:bodyPr/>
+          <a:lstStyle/>
+          <a:p>
+            <a:r>
+              <a:rPr lang="en-US" dirty="0"/>
+              <a:t>Looking Ahead</a:t>
+            </a:r>
+          </a:p>
+        </p:txBody>
+      </p:sp>
+      <p:sp>
+        <p:nvSpPr>
+          <p:cNvPr id="3" name="Content Placeholder 2">
+            <a:extLst>
+              <a:ext uri="{FF2B5EF4-FFF2-40B4-BE49-F238E27FC236}">
+                <a16:creationId xmlns:a16="http://schemas.microsoft.com/office/drawing/2014/main" id="{27C47869-29FF-1241-81C2-C6F3BA221C7E}"/>
+              </a:ext>
+            </a:extLst>
+          </p:cNvPr>
+          <p:cNvSpPr>
+            <a:spLocks noGrp="1"/>
+          </p:cNvSpPr>
+          <p:nvPr>
+            <p:ph idx="1"/>
+          </p:nvPr>
+        </p:nvSpPr>
+        <p:spPr/>
+        <p:txBody>
+          <a:bodyPr/>
+          <a:lstStyle/>
+          <a:p>
+            <a:endParaRPr lang="en-US"/>
+          </a:p>
+        </p:txBody>
+      </p:sp>
+    </p:spTree>
+    <p:extLst>
+      <p:ext uri="{BB962C8B-B14F-4D97-AF65-F5344CB8AC3E}">
+        <p14:creationId xmlns:p14="http://schemas.microsoft.com/office/powerpoint/2010/main" val="3147759455"/>
+      </p:ext>
+    </p:extLst>
+  </p:cSld>
+  <p:clrMapOvr>
+    <a:masterClrMapping/>
+  </p:clrMapOvr>
+</p:sld>
+</file>
+
+<file path=ppt/slides/slide14.xml><?xml version="1.0" encoding="utf-8"?>
+<p:sld xmlns:a="http://schemas.openxmlformats.org/drawingml/2006/main" xmlns:r="http://schemas.openxmlformats.org/officeDocument/2006/relationships" xmlns:p="http://schemas.openxmlformats.org/presentationml/2006/main">
+  <p:cSld>
+    <p:spTree>
+      <p:nvGrpSpPr>
+        <p:cNvPr id="1" name=""/>
+        <p:cNvGrpSpPr/>
+        <p:nvPr/>
+      </p:nvGrpSpPr>
+      <p:grpSpPr>
+        <a:xfrm>
+          <a:off x="0" y="0"/>
+          <a:ext cx="0" cy="0"/>
+          <a:chOff x="0" y="0"/>
+          <a:chExt cx="0" cy="0"/>
+        </a:xfrm>
+      </p:grpSpPr>
+      <p:sp>
+        <p:nvSpPr>
+          <p:cNvPr id="2" name="Title 1">
+            <a:extLst>
+              <a:ext uri="{FF2B5EF4-FFF2-40B4-BE49-F238E27FC236}">
+                <a16:creationId xmlns:a16="http://schemas.microsoft.com/office/drawing/2014/main" id="{550BACBA-795A-5C41-B126-BD849A7F7D94}"/>
+              </a:ext>
+            </a:extLst>
+          </p:cNvPr>
+          <p:cNvSpPr>
+            <a:spLocks noGrp="1"/>
+          </p:cNvSpPr>
+          <p:nvPr>
+            <p:ph type="title"/>
+          </p:nvPr>
+        </p:nvSpPr>
+        <p:spPr/>
+        <p:txBody>
+          <a:bodyPr/>
+          <a:lstStyle/>
+          <a:p>
+            <a:r>
+              <a:rPr lang="en-US" dirty="0"/>
+              <a:t>Big Data and Agent-based Modeling</a:t>
+            </a:r>
+          </a:p>
+        </p:txBody>
+      </p:sp>
+      <p:sp>
+        <p:nvSpPr>
+          <p:cNvPr id="3" name="Content Placeholder 2">
+            <a:extLst>
+              <a:ext uri="{FF2B5EF4-FFF2-40B4-BE49-F238E27FC236}">
+                <a16:creationId xmlns:a16="http://schemas.microsoft.com/office/drawing/2014/main" id="{732372C1-521D-D047-91FA-AF19C08CC078}"/>
+              </a:ext>
+            </a:extLst>
+          </p:cNvPr>
+          <p:cNvSpPr>
+            <a:spLocks noGrp="1"/>
+          </p:cNvSpPr>
+          <p:nvPr>
+            <p:ph idx="1"/>
+          </p:nvPr>
+        </p:nvSpPr>
+        <p:spPr/>
+        <p:txBody>
+          <a:bodyPr/>
+          <a:lstStyle/>
+          <a:p>
+            <a:endParaRPr lang="en-US"/>
+          </a:p>
+        </p:txBody>
+      </p:sp>
+    </p:spTree>
+    <p:extLst>
+      <p:ext uri="{BB962C8B-B14F-4D97-AF65-F5344CB8AC3E}">
+        <p14:creationId xmlns:p14="http://schemas.microsoft.com/office/powerpoint/2010/main" val="2897667738"/>
+      </p:ext>
+    </p:extLst>
+  </p:cSld>
+  <p:clrMapOvr>
+    <a:masterClrMapping/>
+  </p:clrMapOvr>
+</p:sld>
+</file>
+
+<file path=ppt/slides/slide15.xml><?xml version="1.0" encoding="utf-8"?>
+<p:sld xmlns:a="http://schemas.openxmlformats.org/drawingml/2006/main" xmlns:r="http://schemas.openxmlformats.org/officeDocument/2006/relationships" xmlns:p="http://schemas.openxmlformats.org/presentationml/2006/main">
+  <p:cSld>
+    <p:spTree>
+      <p:nvGrpSpPr>
+        <p:cNvPr id="1" name=""/>
+        <p:cNvGrpSpPr/>
+        <p:nvPr/>
+      </p:nvGrpSpPr>
+      <p:grpSpPr>
+        <a:xfrm>
+          <a:off x="0" y="0"/>
+          <a:ext cx="0" cy="0"/>
+          <a:chOff x="0" y="0"/>
+          <a:chExt cx="0" cy="0"/>
+        </a:xfrm>
+      </p:grpSpPr>
+      <p:sp>
+        <p:nvSpPr>
+          <p:cNvPr id="2" name="Title 1">
+            <a:extLst>
+              <a:ext uri="{FF2B5EF4-FFF2-40B4-BE49-F238E27FC236}">
+                <a16:creationId xmlns:a16="http://schemas.microsoft.com/office/drawing/2014/main" id="{88445378-6602-684C-AEE7-F4A914E7A9A0}"/>
+              </a:ext>
+            </a:extLst>
+          </p:cNvPr>
+          <p:cNvSpPr>
+            <a:spLocks noGrp="1"/>
+          </p:cNvSpPr>
+          <p:nvPr>
+            <p:ph type="title"/>
+          </p:nvPr>
+        </p:nvSpPr>
+        <p:spPr/>
+        <p:txBody>
+          <a:bodyPr/>
+          <a:lstStyle/>
+          <a:p>
+            <a:r>
+              <a:rPr lang="en-US" dirty="0"/>
+              <a:t>Model Integration</a:t>
+            </a:r>
+          </a:p>
+        </p:txBody>
+      </p:sp>
+      <p:sp>
+        <p:nvSpPr>
+          <p:cNvPr id="3" name="Content Placeholder 2">
+            <a:extLst>
+              <a:ext uri="{FF2B5EF4-FFF2-40B4-BE49-F238E27FC236}">
+                <a16:creationId xmlns:a16="http://schemas.microsoft.com/office/drawing/2014/main" id="{B0E4E81F-D225-4942-A598-ADCA4A6F31FD}"/>
+              </a:ext>
+            </a:extLst>
+          </p:cNvPr>
+          <p:cNvSpPr>
+            <a:spLocks noGrp="1"/>
+          </p:cNvSpPr>
+          <p:nvPr>
+            <p:ph idx="1"/>
+          </p:nvPr>
+        </p:nvSpPr>
+        <p:spPr/>
+        <p:txBody>
+          <a:bodyPr/>
+          <a:lstStyle/>
+          <a:p>
+            <a:endParaRPr lang="en-US"/>
+          </a:p>
+        </p:txBody>
+      </p:sp>
+    </p:spTree>
+    <p:extLst>
+      <p:ext uri="{BB962C8B-B14F-4D97-AF65-F5344CB8AC3E}">
+        <p14:creationId xmlns:p14="http://schemas.microsoft.com/office/powerpoint/2010/main" val="2609098259"/>
+      </p:ext>
+    </p:extLst>
+  </p:cSld>
+  <p:clrMapOvr>
+    <a:masterClrMapping/>
+  </p:clrMapOvr>
+</p:sld>
+</file>
+
+<file path=ppt/slides/slide16.xml><?xml version="1.0" encoding="utf-8"?>
+<p:sld xmlns:a="http://schemas.openxmlformats.org/drawingml/2006/main" xmlns:r="http://schemas.openxmlformats.org/officeDocument/2006/relationships" xmlns:p="http://schemas.openxmlformats.org/presentationml/2006/main">
+  <p:cSld>
+    <p:spTree>
+      <p:nvGrpSpPr>
+        <p:cNvPr id="1" name=""/>
+        <p:cNvGrpSpPr/>
+        <p:nvPr/>
+      </p:nvGrpSpPr>
+      <p:grpSpPr>
+        <a:xfrm>
+          <a:off x="0" y="0"/>
+          <a:ext cx="0" cy="0"/>
+          <a:chOff x="0" y="0"/>
+          <a:chExt cx="0" cy="0"/>
+        </a:xfrm>
+      </p:grpSpPr>
+      <p:sp>
+        <p:nvSpPr>
+          <p:cNvPr id="2" name="Title 1">
+            <a:extLst>
+              <a:ext uri="{FF2B5EF4-FFF2-40B4-BE49-F238E27FC236}">
+                <a16:creationId xmlns:a16="http://schemas.microsoft.com/office/drawing/2014/main" id="{9BC6B821-F8B2-2449-8D1B-67BC78F01AFE}"/>
+              </a:ext>
+            </a:extLst>
+          </p:cNvPr>
+          <p:cNvSpPr>
+            <a:spLocks noGrp="1"/>
+          </p:cNvSpPr>
+          <p:nvPr>
+            <p:ph type="title"/>
+          </p:nvPr>
+        </p:nvSpPr>
+        <p:spPr/>
+        <p:txBody>
+          <a:bodyPr/>
+          <a:lstStyle/>
+          <a:p>
+            <a:r>
+              <a:rPr lang="en-US" dirty="0"/>
+              <a:t>Uncertainty and Ensembles</a:t>
+            </a:r>
+          </a:p>
+        </p:txBody>
+      </p:sp>
+      <p:sp>
+        <p:nvSpPr>
+          <p:cNvPr id="3" name="Content Placeholder 2">
+            <a:extLst>
+              <a:ext uri="{FF2B5EF4-FFF2-40B4-BE49-F238E27FC236}">
+                <a16:creationId xmlns:a16="http://schemas.microsoft.com/office/drawing/2014/main" id="{D34980B3-7B0F-A643-9F9A-1BEC2967BE77}"/>
+              </a:ext>
+            </a:extLst>
+          </p:cNvPr>
+          <p:cNvSpPr>
+            <a:spLocks noGrp="1"/>
+          </p:cNvSpPr>
+          <p:nvPr>
+            <p:ph idx="1"/>
+          </p:nvPr>
+        </p:nvSpPr>
+        <p:spPr/>
+        <p:txBody>
+          <a:bodyPr/>
+          <a:lstStyle/>
+          <a:p>
+            <a:endParaRPr lang="en-US"/>
+          </a:p>
+        </p:txBody>
+      </p:sp>
+    </p:spTree>
+    <p:extLst>
+      <p:ext uri="{BB962C8B-B14F-4D97-AF65-F5344CB8AC3E}">
+        <p14:creationId xmlns:p14="http://schemas.microsoft.com/office/powerpoint/2010/main" val="605014832"/>
+      </p:ext>
+    </p:extLst>
+  </p:cSld>
+  <p:clrMapOvr>
+    <a:masterClrMapping/>
+  </p:clrMapOvr>
+</p:sld>
+</file>
+
+<file path=ppt/slides/slide17.xml><?xml version="1.0" encoding="utf-8"?>
+<p:sld xmlns:a="http://schemas.openxmlformats.org/drawingml/2006/main" xmlns:r="http://schemas.openxmlformats.org/officeDocument/2006/relationships" xmlns:p="http://schemas.openxmlformats.org/presentationml/2006/main">
+  <p:cSld>
+    <p:spTree>
+      <p:nvGrpSpPr>
+        <p:cNvPr id="1" name=""/>
+        <p:cNvGrpSpPr/>
+        <p:nvPr/>
+      </p:nvGrpSpPr>
+      <p:grpSpPr>
+        <a:xfrm>
+          <a:off x="0" y="0"/>
+          <a:ext cx="0" cy="0"/>
+          <a:chOff x="0" y="0"/>
+          <a:chExt cx="0" cy="0"/>
+        </a:xfrm>
+      </p:grpSpPr>
+      <p:sp>
+        <p:nvSpPr>
+          <p:cNvPr id="2" name="Title 1">
+            <a:extLst>
+              <a:ext uri="{FF2B5EF4-FFF2-40B4-BE49-F238E27FC236}">
+                <a16:creationId xmlns:a16="http://schemas.microsoft.com/office/drawing/2014/main" id="{C8639F1D-E10E-514A-8F4E-6C48392D4059}"/>
+              </a:ext>
+            </a:extLst>
+          </p:cNvPr>
+          <p:cNvSpPr>
+            <a:spLocks noGrp="1"/>
+          </p:cNvSpPr>
+          <p:nvPr>
+            <p:ph type="title"/>
+          </p:nvPr>
+        </p:nvSpPr>
+        <p:spPr/>
+        <p:txBody>
+          <a:bodyPr/>
+          <a:lstStyle/>
+          <a:p>
+            <a:r>
+              <a:rPr lang="en-US" dirty="0"/>
+              <a:t>Data Assimilation</a:t>
+            </a:r>
+          </a:p>
+        </p:txBody>
+      </p:sp>
+      <p:sp>
+        <p:nvSpPr>
+          <p:cNvPr id="3" name="Content Placeholder 2">
+            <a:extLst>
+              <a:ext uri="{FF2B5EF4-FFF2-40B4-BE49-F238E27FC236}">
+                <a16:creationId xmlns:a16="http://schemas.microsoft.com/office/drawing/2014/main" id="{78380259-3225-804F-B43E-F53A44181634}"/>
+              </a:ext>
+            </a:extLst>
+          </p:cNvPr>
+          <p:cNvSpPr>
+            <a:spLocks noGrp="1"/>
+          </p:cNvSpPr>
+          <p:nvPr>
+            <p:ph idx="1"/>
+          </p:nvPr>
+        </p:nvSpPr>
+        <p:spPr/>
+        <p:txBody>
+          <a:bodyPr/>
+          <a:lstStyle/>
+          <a:p>
+            <a:endParaRPr lang="en-US"/>
+          </a:p>
+        </p:txBody>
+      </p:sp>
+    </p:spTree>
+    <p:extLst>
+      <p:ext uri="{BB962C8B-B14F-4D97-AF65-F5344CB8AC3E}">
+        <p14:creationId xmlns:p14="http://schemas.microsoft.com/office/powerpoint/2010/main" val="514800841"/>
+      </p:ext>
+    </p:extLst>
+  </p:cSld>
+  <p:clrMapOvr>
+    <a:masterClrMapping/>
+  </p:clrMapOvr>
+</p:sld>
+</file>
+
+<file path=ppt/slides/slide18.xml><?xml version="1.0" encoding="utf-8"?>
+<p:sld xmlns:a="http://schemas.openxmlformats.org/drawingml/2006/main" xmlns:r="http://schemas.openxmlformats.org/officeDocument/2006/relationships" xmlns:p="http://schemas.openxmlformats.org/presentationml/2006/main">
+  <p:cSld>
+    <p:spTree>
+      <p:nvGrpSpPr>
+        <p:cNvPr id="1" name=""/>
+        <p:cNvGrpSpPr/>
+        <p:nvPr/>
+      </p:nvGrpSpPr>
+      <p:grpSpPr>
+        <a:xfrm>
+          <a:off x="0" y="0"/>
+          <a:ext cx="0" cy="0"/>
+          <a:chOff x="0" y="0"/>
+          <a:chExt cx="0" cy="0"/>
+        </a:xfrm>
+      </p:grpSpPr>
+      <p:sp>
+        <p:nvSpPr>
+          <p:cNvPr id="2" name="Title 1">
+            <a:extLst>
+              <a:ext uri="{FF2B5EF4-FFF2-40B4-BE49-F238E27FC236}">
+                <a16:creationId xmlns:a16="http://schemas.microsoft.com/office/drawing/2014/main" id="{F638CB2D-065B-DF46-9097-9C81411E31EC}"/>
+              </a:ext>
+            </a:extLst>
+          </p:cNvPr>
+          <p:cNvSpPr>
+            <a:spLocks noGrp="1"/>
+          </p:cNvSpPr>
+          <p:nvPr>
+            <p:ph type="title"/>
+          </p:nvPr>
+        </p:nvSpPr>
+        <p:spPr/>
+        <p:txBody>
+          <a:bodyPr/>
+          <a:lstStyle/>
+          <a:p>
+            <a:r>
+              <a:rPr lang="en-US" dirty="0"/>
+              <a:t>Spatially Learning Agents</a:t>
+            </a:r>
+          </a:p>
+        </p:txBody>
+      </p:sp>
+      <p:sp>
+        <p:nvSpPr>
+          <p:cNvPr id="3" name="Content Placeholder 2">
+            <a:extLst>
+              <a:ext uri="{FF2B5EF4-FFF2-40B4-BE49-F238E27FC236}">
+                <a16:creationId xmlns:a16="http://schemas.microsoft.com/office/drawing/2014/main" id="{EE42CD08-9EE2-3C42-80C0-7410C882DE21}"/>
+              </a:ext>
+            </a:extLst>
+          </p:cNvPr>
+          <p:cNvSpPr>
+            <a:spLocks noGrp="1"/>
+          </p:cNvSpPr>
+          <p:nvPr>
+            <p:ph idx="1"/>
+          </p:nvPr>
+        </p:nvSpPr>
+        <p:spPr/>
+        <p:txBody>
+          <a:bodyPr/>
+          <a:lstStyle/>
+          <a:p>
+            <a:endParaRPr lang="en-US"/>
+          </a:p>
+        </p:txBody>
+      </p:sp>
+    </p:spTree>
+    <p:extLst>
+      <p:ext uri="{BB962C8B-B14F-4D97-AF65-F5344CB8AC3E}">
+        <p14:creationId xmlns:p14="http://schemas.microsoft.com/office/powerpoint/2010/main" val="2988943065"/>
+      </p:ext>
+    </p:extLst>
+  </p:cSld>
+  <p:clrMapOvr>
+    <a:masterClrMapping/>
+  </p:clrMapOvr>
+</p:sld>
+</file>
+
+<file path=ppt/slides/slide19.xml><?xml version="1.0" encoding="utf-8"?>
+<p:sld xmlns:a="http://schemas.openxmlformats.org/drawingml/2006/main" xmlns:r="http://schemas.openxmlformats.org/officeDocument/2006/relationships" xmlns:p="http://schemas.openxmlformats.org/presentationml/2006/main">
+  <p:cSld>
+    <p:spTree>
+      <p:nvGrpSpPr>
+        <p:cNvPr id="1" name=""/>
+        <p:cNvGrpSpPr/>
+        <p:nvPr/>
+      </p:nvGrpSpPr>
+      <p:grpSpPr>
+        <a:xfrm>
+          <a:off x="0" y="0"/>
+          <a:ext cx="0" cy="0"/>
+          <a:chOff x="0" y="0"/>
+          <a:chExt cx="0" cy="0"/>
+        </a:xfrm>
+      </p:grpSpPr>
+      <p:sp>
+        <p:nvSpPr>
+          <p:cNvPr id="2" name="Title 1">
+            <a:extLst>
+              <a:ext uri="{FF2B5EF4-FFF2-40B4-BE49-F238E27FC236}">
+                <a16:creationId xmlns:a16="http://schemas.microsoft.com/office/drawing/2014/main" id="{459E2436-94CC-C443-9152-6F6DE33B4114}"/>
+              </a:ext>
+            </a:extLst>
+          </p:cNvPr>
+          <p:cNvSpPr>
+            <a:spLocks noGrp="1"/>
+          </p:cNvSpPr>
+          <p:nvPr>
+            <p:ph type="title"/>
+          </p:nvPr>
+        </p:nvSpPr>
+        <p:spPr/>
+        <p:txBody>
+          <a:bodyPr/>
+          <a:lstStyle/>
+          <a:p>
+            <a:r>
+              <a:rPr lang="en-US" dirty="0"/>
+              <a:t>Discussion</a:t>
+            </a:r>
+          </a:p>
+        </p:txBody>
+      </p:sp>
+      <p:sp>
+        <p:nvSpPr>
+          <p:cNvPr id="3" name="Content Placeholder 2">
+            <a:extLst>
+              <a:ext uri="{FF2B5EF4-FFF2-40B4-BE49-F238E27FC236}">
+                <a16:creationId xmlns:a16="http://schemas.microsoft.com/office/drawing/2014/main" id="{6732DB61-1356-1C45-8C07-189446489C2D}"/>
+              </a:ext>
+            </a:extLst>
+          </p:cNvPr>
+          <p:cNvSpPr>
+            <a:spLocks noGrp="1"/>
+          </p:cNvSpPr>
+          <p:nvPr>
+            <p:ph idx="1"/>
+          </p:nvPr>
+        </p:nvSpPr>
+        <p:spPr/>
+        <p:txBody>
+          <a:bodyPr/>
+          <a:lstStyle/>
+          <a:p>
+            <a:endParaRPr lang="en-US"/>
+          </a:p>
+        </p:txBody>
+      </p:sp>
+    </p:spTree>
+    <p:extLst>
+      <p:ext uri="{BB962C8B-B14F-4D97-AF65-F5344CB8AC3E}">
+        <p14:creationId xmlns:p14="http://schemas.microsoft.com/office/powerpoint/2010/main" val="715580124"/>
+      </p:ext>
+    </p:extLst>
+  </p:cSld>
+  <p:clrMapOvr>
+    <a:masterClrMapping/>
+  </p:clrMapOvr>
+</p:sld>
+</file>
+
+<file path=ppt/slides/slide2.xml><?xml version="1.0" encoding="utf-8"?>
+<p:sld xmlns:a="http://schemas.openxmlformats.org/drawingml/2006/main" xmlns:r="http://schemas.openxmlformats.org/officeDocument/2006/relationships" xmlns:p="http://schemas.openxmlformats.org/presentationml/2006/main">
+  <p:cSld>
+    <p:spTree>
+      <p:nvGrpSpPr>
+        <p:cNvPr id="1" name=""/>
+        <p:cNvGrpSpPr/>
+        <p:nvPr/>
+      </p:nvGrpSpPr>
+      <p:grpSpPr>
+        <a:xfrm>
+          <a:off x="0" y="0"/>
+          <a:ext cx="0" cy="0"/>
+          <a:chOff x="0" y="0"/>
+          <a:chExt cx="0" cy="0"/>
+        </a:xfrm>
+      </p:grpSpPr>
+      <p:sp>
+        <p:nvSpPr>
+          <p:cNvPr id="2" name="Title 1">
+            <a:extLst>
+              <a:ext uri="{FF2B5EF4-FFF2-40B4-BE49-F238E27FC236}">
+                <a16:creationId xmlns:a16="http://schemas.microsoft.com/office/drawing/2014/main" id="{404A1B66-96D8-EA45-B67C-FDB1A263E5A0}"/>
+              </a:ext>
+            </a:extLst>
+          </p:cNvPr>
+          <p:cNvSpPr>
+            <a:spLocks noGrp="1"/>
+          </p:cNvSpPr>
+          <p:nvPr>
+            <p:ph type="title"/>
+          </p:nvPr>
+        </p:nvSpPr>
+        <p:spPr/>
+        <p:txBody>
+          <a:bodyPr/>
+          <a:lstStyle/>
+          <a:p>
+            <a:r>
+              <a:rPr lang="en-US" dirty="0"/>
+              <a:t>Introduction</a:t>
+            </a:r>
+          </a:p>
+        </p:txBody>
+      </p:sp>
+      <p:sp>
+        <p:nvSpPr>
+          <p:cNvPr id="3" name="Content Placeholder 2">
+            <a:extLst>
+              <a:ext uri="{FF2B5EF4-FFF2-40B4-BE49-F238E27FC236}">
+                <a16:creationId xmlns:a16="http://schemas.microsoft.com/office/drawing/2014/main" id="{EB10B424-7C98-3541-A7F1-47B2D8C2AA98}"/>
+              </a:ext>
+            </a:extLst>
+          </p:cNvPr>
+          <p:cNvSpPr>
+            <a:spLocks noGrp="1"/>
+          </p:cNvSpPr>
+          <p:nvPr>
+            <p:ph idx="1"/>
+          </p:nvPr>
+        </p:nvSpPr>
+        <p:spPr/>
+        <p:txBody>
+          <a:bodyPr/>
+          <a:lstStyle/>
+          <a:p>
+            <a:endParaRPr lang="en-US"/>
+          </a:p>
+        </p:txBody>
+      </p:sp>
+    </p:spTree>
+    <p:extLst>
+      <p:ext uri="{BB962C8B-B14F-4D97-AF65-F5344CB8AC3E}">
+        <p14:creationId xmlns:p14="http://schemas.microsoft.com/office/powerpoint/2010/main" val="544573137"/>
+      </p:ext>
+    </p:extLst>
+  </p:cSld>
+  <p:clrMapOvr>
+    <a:masterClrMapping/>
+  </p:clrMapOvr>
+</p:sld>
+</file>
+
+<file path=ppt/slides/slide3.xml><?xml version="1.0" encoding="utf-8"?>
+<p:sld xmlns:a="http://schemas.openxmlformats.org/drawingml/2006/main" xmlns:r="http://schemas.openxmlformats.org/officeDocument/2006/relationships" xmlns:p="http://schemas.openxmlformats.org/presentationml/2006/main">
+  <p:cSld>
+    <p:spTree>
+      <p:nvGrpSpPr>
+        <p:cNvPr id="1" name=""/>
+        <p:cNvGrpSpPr/>
+        <p:nvPr/>
+      </p:nvGrpSpPr>
+      <p:grpSpPr>
+        <a:xfrm>
+          <a:off x="0" y="0"/>
+          <a:ext cx="0" cy="0"/>
+          <a:chOff x="0" y="0"/>
+          <a:chExt cx="0" cy="0"/>
+        </a:xfrm>
+      </p:grpSpPr>
+      <p:sp>
+        <p:nvSpPr>
+          <p:cNvPr id="2" name="Title 1">
+            <a:extLst>
+              <a:ext uri="{FF2B5EF4-FFF2-40B4-BE49-F238E27FC236}">
+                <a16:creationId xmlns:a16="http://schemas.microsoft.com/office/drawing/2014/main" id="{3C91DBFC-01FE-864A-A8C8-B2B8B908D637}"/>
+              </a:ext>
+            </a:extLst>
+          </p:cNvPr>
+          <p:cNvSpPr>
+            <a:spLocks noGrp="1"/>
+          </p:cNvSpPr>
+          <p:nvPr>
+            <p:ph type="title"/>
+          </p:nvPr>
+        </p:nvSpPr>
+        <p:spPr/>
+        <p:txBody>
+          <a:bodyPr/>
+          <a:lstStyle/>
+          <a:p>
+            <a:r>
+              <a:rPr lang="en-US" dirty="0"/>
+              <a:t>Remaining Challenges</a:t>
+            </a:r>
+          </a:p>
+        </p:txBody>
+      </p:sp>
+      <p:sp>
+        <p:nvSpPr>
+          <p:cNvPr id="3" name="Content Placeholder 2">
+            <a:extLst>
+              <a:ext uri="{FF2B5EF4-FFF2-40B4-BE49-F238E27FC236}">
+                <a16:creationId xmlns:a16="http://schemas.microsoft.com/office/drawing/2014/main" id="{61C60749-684E-8A48-875F-A41ABAA8C9EE}"/>
+              </a:ext>
+            </a:extLst>
+          </p:cNvPr>
+          <p:cNvSpPr>
+            <a:spLocks noGrp="1"/>
+          </p:cNvSpPr>
+          <p:nvPr>
+            <p:ph idx="1"/>
+          </p:nvPr>
+        </p:nvSpPr>
+        <p:spPr/>
+        <p:txBody>
+          <a:bodyPr>
+            <a:normAutofit/>
+          </a:bodyPr>
+          <a:lstStyle/>
+          <a:p>
+            <a:r>
+              <a:rPr lang="en-US" dirty="0"/>
+              <a:t>The challenges include:</a:t>
+            </a:r>
+          </a:p>
+          <a:p>
+            <a:pPr marL="914400" lvl="1" indent="-457200">
+              <a:buFont typeface="+mj-lt"/>
+              <a:buAutoNum type="arabicPeriod"/>
+            </a:pPr>
+            <a:r>
+              <a:rPr lang="en-US" dirty="0"/>
+              <a:t>Reasons for Modelling</a:t>
+            </a:r>
+          </a:p>
+          <a:p>
+            <a:pPr marL="914400" lvl="1" indent="-457200">
+              <a:buFont typeface="+mj-lt"/>
+              <a:buAutoNum type="arabicPeriod"/>
+            </a:pPr>
+            <a:r>
+              <a:rPr lang="en-US" dirty="0"/>
+              <a:t>Theory and Models</a:t>
+            </a:r>
+          </a:p>
+          <a:p>
+            <a:pPr marL="914400" lvl="1" indent="-457200">
+              <a:buFont typeface="+mj-lt"/>
+              <a:buAutoNum type="arabicPeriod"/>
+            </a:pPr>
+            <a:r>
+              <a:rPr lang="en-US" dirty="0"/>
+              <a:t>Inter-Model Comparison</a:t>
+            </a:r>
+          </a:p>
+          <a:p>
+            <a:pPr marL="914400" lvl="1" indent="-457200">
+              <a:buFont typeface="+mj-lt"/>
+              <a:buAutoNum type="arabicPeriod"/>
+            </a:pPr>
+            <a:r>
+              <a:rPr lang="en-US" dirty="0"/>
+              <a:t>Replication and Experiment</a:t>
+            </a:r>
+          </a:p>
+          <a:p>
+            <a:pPr marL="914400" lvl="1" indent="-457200">
+              <a:buFont typeface="+mj-lt"/>
+              <a:buAutoNum type="arabicPeriod"/>
+            </a:pPr>
+            <a:r>
+              <a:rPr lang="en-US" dirty="0"/>
+              <a:t>Verification and Validation</a:t>
+            </a:r>
+          </a:p>
+          <a:p>
+            <a:pPr marL="914400" lvl="1" indent="-457200">
+              <a:buFont typeface="+mj-lt"/>
+              <a:buAutoNum type="arabicPeriod"/>
+            </a:pPr>
+            <a:r>
+              <a:rPr lang="en-US" dirty="0"/>
+              <a:t>Agent Representation, Aggregation and Dynamics</a:t>
+            </a:r>
+          </a:p>
+          <a:p>
+            <a:pPr marL="914400" lvl="1" indent="-457200">
+              <a:buFont typeface="+mj-lt"/>
+              <a:buAutoNum type="arabicPeriod"/>
+            </a:pPr>
+            <a:r>
+              <a:rPr lang="en-US" dirty="0" err="1"/>
+              <a:t>Behaviour</a:t>
+            </a:r>
+            <a:endParaRPr lang="en-US" dirty="0"/>
+          </a:p>
+          <a:p>
+            <a:pPr marL="914400" lvl="1" indent="-457200">
+              <a:buFont typeface="+mj-lt"/>
+              <a:buAutoNum type="arabicPeriod"/>
+            </a:pPr>
+            <a:r>
+              <a:rPr lang="en-US" dirty="0"/>
+              <a:t>Sharing and Dissemination of the Model</a:t>
+            </a:r>
+          </a:p>
+          <a:p>
+            <a:pPr marL="914400" lvl="1" indent="-457200">
+              <a:buFont typeface="+mj-lt"/>
+              <a:buAutoNum type="arabicPeriod"/>
+            </a:pPr>
+            <a:r>
+              <a:rPr lang="en-US" dirty="0"/>
+              <a:t>Data Challenges</a:t>
+            </a:r>
+          </a:p>
+        </p:txBody>
+      </p:sp>
+    </p:spTree>
+    <p:extLst>
+      <p:ext uri="{BB962C8B-B14F-4D97-AF65-F5344CB8AC3E}">
+        <p14:creationId xmlns:p14="http://schemas.microsoft.com/office/powerpoint/2010/main" val="230089619"/>
+      </p:ext>
+    </p:extLst>
+  </p:cSld>
+  <p:clrMapOvr>
+    <a:masterClrMapping/>
+  </p:clrMapOvr>
+</p:sld>
+</file>
+
+<file path=ppt/slides/slide4.xml><?xml version="1.0" encoding="utf-8"?>
+<p:sld xmlns:a="http://schemas.openxmlformats.org/drawingml/2006/main" xmlns:r="http://schemas.openxmlformats.org/officeDocument/2006/relationships" xmlns:p="http://schemas.openxmlformats.org/presentationml/2006/main">
+  <p:cSld>
+    <p:spTree>
+      <p:nvGrpSpPr>
+        <p:cNvPr id="1" name=""/>
+        <p:cNvGrpSpPr/>
+        <p:nvPr/>
+      </p:nvGrpSpPr>
+      <p:grpSpPr>
+        <a:xfrm>
+          <a:off x="0" y="0"/>
+          <a:ext cx="0" cy="0"/>
+          <a:chOff x="0" y="0"/>
+          <a:chExt cx="0" cy="0"/>
+        </a:xfrm>
+      </p:grpSpPr>
+      <p:sp>
+        <p:nvSpPr>
+          <p:cNvPr id="2" name="Title 1">
+            <a:extLst>
+              <a:ext uri="{FF2B5EF4-FFF2-40B4-BE49-F238E27FC236}">
+                <a16:creationId xmlns:a16="http://schemas.microsoft.com/office/drawing/2014/main" id="{49EBDC5A-74EA-4B44-A3A7-A31DB5060F22}"/>
+              </a:ext>
+            </a:extLst>
+          </p:cNvPr>
+          <p:cNvSpPr>
+            <a:spLocks noGrp="1"/>
+          </p:cNvSpPr>
+          <p:nvPr>
+            <p:ph type="title"/>
+          </p:nvPr>
+        </p:nvSpPr>
+        <p:spPr/>
+        <p:txBody>
+          <a:bodyPr/>
+          <a:lstStyle/>
+          <a:p>
+            <a:r>
+              <a:rPr lang="en-US" dirty="0"/>
+              <a:t>Challenge 1: Reasons for Modelling</a:t>
+            </a:r>
+          </a:p>
+        </p:txBody>
+      </p:sp>
+      <p:sp>
+        <p:nvSpPr>
+          <p:cNvPr id="3" name="Content Placeholder 2">
+            <a:extLst>
+              <a:ext uri="{FF2B5EF4-FFF2-40B4-BE49-F238E27FC236}">
+                <a16:creationId xmlns:a16="http://schemas.microsoft.com/office/drawing/2014/main" id="{D13EDF9F-63CE-D341-8C74-01954003B1FF}"/>
+              </a:ext>
+            </a:extLst>
+          </p:cNvPr>
+          <p:cNvSpPr>
+            <a:spLocks noGrp="1"/>
+          </p:cNvSpPr>
+          <p:nvPr>
+            <p:ph idx="1"/>
+          </p:nvPr>
+        </p:nvSpPr>
+        <p:spPr/>
+        <p:txBody>
+          <a:bodyPr/>
+          <a:lstStyle/>
+          <a:p>
+            <a:endParaRPr lang="en-US"/>
+          </a:p>
+        </p:txBody>
+      </p:sp>
+    </p:spTree>
+    <p:extLst>
+      <p:ext uri="{BB962C8B-B14F-4D97-AF65-F5344CB8AC3E}">
+        <p14:creationId xmlns:p14="http://schemas.microsoft.com/office/powerpoint/2010/main" val="388616134"/>
+      </p:ext>
+    </p:extLst>
+  </p:cSld>
+  <p:clrMapOvr>
+    <a:masterClrMapping/>
+  </p:clrMapOvr>
+</p:sld>
+</file>
+
+<file path=ppt/slides/slide5.xml><?xml version="1.0" encoding="utf-8"?>
+<p:sld xmlns:a="http://schemas.openxmlformats.org/drawingml/2006/main" xmlns:r="http://schemas.openxmlformats.org/officeDocument/2006/relationships" xmlns:p="http://schemas.openxmlformats.org/presentationml/2006/main">
+  <p:cSld>
+    <p:spTree>
+      <p:nvGrpSpPr>
+        <p:cNvPr id="1" name=""/>
+        <p:cNvGrpSpPr/>
+        <p:nvPr/>
+      </p:nvGrpSpPr>
+      <p:grpSpPr>
+        <a:xfrm>
+          <a:off x="0" y="0"/>
+          <a:ext cx="0" cy="0"/>
+          <a:chOff x="0" y="0"/>
+          <a:chExt cx="0" cy="0"/>
+        </a:xfrm>
+      </p:grpSpPr>
+      <p:sp>
+        <p:nvSpPr>
+          <p:cNvPr id="2" name="Title 1">
+            <a:extLst>
+              <a:ext uri="{FF2B5EF4-FFF2-40B4-BE49-F238E27FC236}">
+                <a16:creationId xmlns:a16="http://schemas.microsoft.com/office/drawing/2014/main" id="{8976D55C-B1E3-F940-B740-F1838AC8DC2A}"/>
+              </a:ext>
+            </a:extLst>
+          </p:cNvPr>
+          <p:cNvSpPr>
+            <a:spLocks noGrp="1"/>
+          </p:cNvSpPr>
+          <p:nvPr>
+            <p:ph type="title"/>
+          </p:nvPr>
+        </p:nvSpPr>
+        <p:spPr/>
+        <p:txBody>
+          <a:bodyPr/>
+          <a:lstStyle/>
+          <a:p>
+            <a:r>
+              <a:rPr lang="en-US" dirty="0"/>
+              <a:t>Challenge 2: Theory and Models</a:t>
+            </a:r>
+          </a:p>
+        </p:txBody>
+      </p:sp>
+      <p:sp>
+        <p:nvSpPr>
+          <p:cNvPr id="3" name="Content Placeholder 2">
+            <a:extLst>
+              <a:ext uri="{FF2B5EF4-FFF2-40B4-BE49-F238E27FC236}">
+                <a16:creationId xmlns:a16="http://schemas.microsoft.com/office/drawing/2014/main" id="{22A06037-2088-1B49-9DFD-4B2592E7C37E}"/>
+              </a:ext>
+            </a:extLst>
+          </p:cNvPr>
+          <p:cNvSpPr>
+            <a:spLocks noGrp="1"/>
+          </p:cNvSpPr>
+          <p:nvPr>
+            <p:ph idx="1"/>
+          </p:nvPr>
+        </p:nvSpPr>
+        <p:spPr/>
+        <p:txBody>
+          <a:bodyPr/>
+          <a:lstStyle/>
+          <a:p>
+            <a:endParaRPr lang="en-US"/>
+          </a:p>
+        </p:txBody>
+      </p:sp>
+    </p:spTree>
+    <p:extLst>
+      <p:ext uri="{BB962C8B-B14F-4D97-AF65-F5344CB8AC3E}">
+        <p14:creationId xmlns:p14="http://schemas.microsoft.com/office/powerpoint/2010/main" val="2997089516"/>
+      </p:ext>
+    </p:extLst>
+  </p:cSld>
+  <p:clrMapOvr>
+    <a:masterClrMapping/>
+  </p:clrMapOvr>
+</p:sld>
+</file>
+
+<file path=ppt/slides/slide6.xml><?xml version="1.0" encoding="utf-8"?>
+<p:sld xmlns:a="http://schemas.openxmlformats.org/drawingml/2006/main" xmlns:r="http://schemas.openxmlformats.org/officeDocument/2006/relationships" xmlns:p="http://schemas.openxmlformats.org/presentationml/2006/main">
+  <p:cSld>
+    <p:spTree>
+      <p:nvGrpSpPr>
+        <p:cNvPr id="1" name=""/>
+        <p:cNvGrpSpPr/>
+        <p:nvPr/>
+      </p:nvGrpSpPr>
+      <p:grpSpPr>
+        <a:xfrm>
+          <a:off x="0" y="0"/>
+          <a:ext cx="0" cy="0"/>
+          <a:chOff x="0" y="0"/>
+          <a:chExt cx="0" cy="0"/>
+        </a:xfrm>
+      </p:grpSpPr>
+      <p:sp>
+        <p:nvSpPr>
+          <p:cNvPr id="2" name="Title 1">
+            <a:extLst>
+              <a:ext uri="{FF2B5EF4-FFF2-40B4-BE49-F238E27FC236}">
+                <a16:creationId xmlns:a16="http://schemas.microsoft.com/office/drawing/2014/main" id="{CA05A7FE-F4BD-B04E-B7A6-D7F5C1E9EA4A}"/>
+              </a:ext>
+            </a:extLst>
+          </p:cNvPr>
+          <p:cNvSpPr>
+            <a:spLocks noGrp="1"/>
+          </p:cNvSpPr>
+          <p:nvPr>
+            <p:ph type="title"/>
+          </p:nvPr>
+        </p:nvSpPr>
+        <p:spPr/>
+        <p:txBody>
+          <a:bodyPr/>
+          <a:lstStyle/>
+          <a:p>
+            <a:r>
+              <a:rPr lang="en-US" dirty="0"/>
+              <a:t>Challenge 3: Inter-Model Comparison</a:t>
+            </a:r>
+          </a:p>
+        </p:txBody>
+      </p:sp>
+      <p:sp>
+        <p:nvSpPr>
+          <p:cNvPr id="3" name="Content Placeholder 2">
+            <a:extLst>
+              <a:ext uri="{FF2B5EF4-FFF2-40B4-BE49-F238E27FC236}">
+                <a16:creationId xmlns:a16="http://schemas.microsoft.com/office/drawing/2014/main" id="{6DC959BD-EA91-A149-8973-1F3ACD4A5558}"/>
+              </a:ext>
+            </a:extLst>
+          </p:cNvPr>
+          <p:cNvSpPr>
+            <a:spLocks noGrp="1"/>
+          </p:cNvSpPr>
+          <p:nvPr>
+            <p:ph idx="1"/>
+          </p:nvPr>
+        </p:nvSpPr>
+        <p:spPr/>
+        <p:txBody>
+          <a:bodyPr/>
+          <a:lstStyle/>
+          <a:p>
+            <a:endParaRPr lang="en-US"/>
+          </a:p>
+        </p:txBody>
+      </p:sp>
+    </p:spTree>
+    <p:extLst>
+      <p:ext uri="{BB962C8B-B14F-4D97-AF65-F5344CB8AC3E}">
+        <p14:creationId xmlns:p14="http://schemas.microsoft.com/office/powerpoint/2010/main" val="2230728231"/>
+      </p:ext>
+    </p:extLst>
+  </p:cSld>
+  <p:clrMapOvr>
+    <a:masterClrMapping/>
+  </p:clrMapOvr>
+</p:sld>
+</file>
+
+<file path=ppt/slides/slide7.xml><?xml version="1.0" encoding="utf-8"?>
+<p:sld xmlns:a="http://schemas.openxmlformats.org/drawingml/2006/main" xmlns:r="http://schemas.openxmlformats.org/officeDocument/2006/relationships" xmlns:p="http://schemas.openxmlformats.org/presentationml/2006/main">
+  <p:cSld>
+    <p:spTree>
+      <p:nvGrpSpPr>
+        <p:cNvPr id="1" name=""/>
+        <p:cNvGrpSpPr/>
+        <p:nvPr/>
+      </p:nvGrpSpPr>
+      <p:grpSpPr>
+        <a:xfrm>
+          <a:off x="0" y="0"/>
+          <a:ext cx="0" cy="0"/>
+          <a:chOff x="0" y="0"/>
+          <a:chExt cx="0" cy="0"/>
+        </a:xfrm>
+      </p:grpSpPr>
+      <p:sp>
+        <p:nvSpPr>
+          <p:cNvPr id="2" name="Title 1">
+            <a:extLst>
+              <a:ext uri="{FF2B5EF4-FFF2-40B4-BE49-F238E27FC236}">
+                <a16:creationId xmlns:a16="http://schemas.microsoft.com/office/drawing/2014/main" id="{D2D220DD-C411-F140-89DF-6632685CBD8E}"/>
+              </a:ext>
+            </a:extLst>
+          </p:cNvPr>
+          <p:cNvSpPr>
+            <a:spLocks noGrp="1"/>
+          </p:cNvSpPr>
+          <p:nvPr>
+            <p:ph type="title"/>
+          </p:nvPr>
+        </p:nvSpPr>
+        <p:spPr/>
+        <p:txBody>
+          <a:bodyPr/>
+          <a:lstStyle/>
+          <a:p>
+            <a:r>
+              <a:rPr lang="en-US" dirty="0"/>
+              <a:t>Challenge 4: Replication and Experiment</a:t>
+            </a:r>
+          </a:p>
+        </p:txBody>
+      </p:sp>
+      <p:sp>
+        <p:nvSpPr>
+          <p:cNvPr id="3" name="Content Placeholder 2">
+            <a:extLst>
+              <a:ext uri="{FF2B5EF4-FFF2-40B4-BE49-F238E27FC236}">
+                <a16:creationId xmlns:a16="http://schemas.microsoft.com/office/drawing/2014/main" id="{83DA8F08-DC9A-304D-AE0A-C05695F5A84F}"/>
+              </a:ext>
+            </a:extLst>
+          </p:cNvPr>
+          <p:cNvSpPr>
+            <a:spLocks noGrp="1"/>
+          </p:cNvSpPr>
+          <p:nvPr>
+            <p:ph idx="1"/>
+          </p:nvPr>
+        </p:nvSpPr>
+        <p:spPr/>
+        <p:txBody>
+          <a:bodyPr/>
+          <a:lstStyle/>
+          <a:p>
+            <a:endParaRPr lang="en-US"/>
+          </a:p>
+        </p:txBody>
+      </p:sp>
+    </p:spTree>
+    <p:extLst>
+      <p:ext uri="{BB962C8B-B14F-4D97-AF65-F5344CB8AC3E}">
+        <p14:creationId xmlns:p14="http://schemas.microsoft.com/office/powerpoint/2010/main" val="3118295533"/>
+      </p:ext>
+    </p:extLst>
+  </p:cSld>
+  <p:clrMapOvr>
+    <a:masterClrMapping/>
+  </p:clrMapOvr>
+</p:sld>
+</file>
+
+<file path=ppt/slides/slide8.xml><?xml version="1.0" encoding="utf-8"?>
+<p:sld xmlns:a="http://schemas.openxmlformats.org/drawingml/2006/main" xmlns:r="http://schemas.openxmlformats.org/officeDocument/2006/relationships" xmlns:p="http://schemas.openxmlformats.org/presentationml/2006/main">
+  <p:cSld>
+    <p:spTree>
+      <p:nvGrpSpPr>
+        <p:cNvPr id="1" name=""/>
+        <p:cNvGrpSpPr/>
+        <p:nvPr/>
+      </p:nvGrpSpPr>
+      <p:grpSpPr>
+        <a:xfrm>
+          <a:off x="0" y="0"/>
+          <a:ext cx="0" cy="0"/>
+          <a:chOff x="0" y="0"/>
+          <a:chExt cx="0" cy="0"/>
+        </a:xfrm>
+      </p:grpSpPr>
+      <p:sp>
+        <p:nvSpPr>
+          <p:cNvPr id="2" name="Title 1">
+            <a:extLst>
+              <a:ext uri="{FF2B5EF4-FFF2-40B4-BE49-F238E27FC236}">
+                <a16:creationId xmlns:a16="http://schemas.microsoft.com/office/drawing/2014/main" id="{C53759BB-3D47-0D44-8279-137EE8026D39}"/>
+              </a:ext>
+            </a:extLst>
+          </p:cNvPr>
+          <p:cNvSpPr>
+            <a:spLocks noGrp="1"/>
+          </p:cNvSpPr>
+          <p:nvPr>
+            <p:ph type="title"/>
+          </p:nvPr>
+        </p:nvSpPr>
+        <p:spPr/>
+        <p:txBody>
+          <a:bodyPr/>
+          <a:lstStyle/>
+          <a:p>
+            <a:r>
+              <a:rPr lang="en-US" dirty="0"/>
+              <a:t>Challenge 5: Verification and Validation</a:t>
+            </a:r>
+          </a:p>
+        </p:txBody>
+      </p:sp>
+      <p:sp>
+        <p:nvSpPr>
+          <p:cNvPr id="3" name="Content Placeholder 2">
+            <a:extLst>
+              <a:ext uri="{FF2B5EF4-FFF2-40B4-BE49-F238E27FC236}">
+                <a16:creationId xmlns:a16="http://schemas.microsoft.com/office/drawing/2014/main" id="{62DF76BC-17E6-7E44-A8FC-2268DEC436A0}"/>
+              </a:ext>
+            </a:extLst>
+          </p:cNvPr>
+          <p:cNvSpPr>
+            <a:spLocks noGrp="1"/>
+          </p:cNvSpPr>
+          <p:nvPr>
+            <p:ph idx="1"/>
+          </p:nvPr>
+        </p:nvSpPr>
+        <p:spPr/>
+        <p:txBody>
+          <a:bodyPr/>
+          <a:lstStyle/>
+          <a:p>
+            <a:endParaRPr lang="en-US"/>
+          </a:p>
+        </p:txBody>
+      </p:sp>
+    </p:spTree>
+    <p:extLst>
+      <p:ext uri="{BB962C8B-B14F-4D97-AF65-F5344CB8AC3E}">
+        <p14:creationId xmlns:p14="http://schemas.microsoft.com/office/powerpoint/2010/main" val="807176408"/>
+      </p:ext>
+    </p:extLst>
+  </p:cSld>
+  <p:clrMapOvr>
+    <a:masterClrMapping/>
+  </p:clrMapOvr>
+</p:sld>
+</file>
+
+<file path=ppt/slides/slide9.xml><?xml version="1.0" encoding="utf-8"?>
+<p:sld xmlns:a="http://schemas.openxmlformats.org/drawingml/2006/main" xmlns:r="http://schemas.openxmlformats.org/officeDocument/2006/relationships" xmlns:p="http://schemas.openxmlformats.org/presentationml/2006/main">
+  <p:cSld>
+    <p:spTree>
+      <p:nvGrpSpPr>
+        <p:cNvPr id="1" name=""/>
+        <p:cNvGrpSpPr/>
+        <p:nvPr/>
+      </p:nvGrpSpPr>
+      <p:grpSpPr>
+        <a:xfrm>
+          <a:off x="0" y="0"/>
+          <a:ext cx="0" cy="0"/>
+          <a:chOff x="0" y="0"/>
+          <a:chExt cx="0" cy="0"/>
+        </a:xfrm>
+      </p:grpSpPr>
+      <p:sp>
+        <p:nvSpPr>
+          <p:cNvPr id="2" name="Title 1">
+            <a:extLst>
+              <a:ext uri="{FF2B5EF4-FFF2-40B4-BE49-F238E27FC236}">
+                <a16:creationId xmlns:a16="http://schemas.microsoft.com/office/drawing/2014/main" id="{D1562695-3F3B-084A-BEFB-81D4B7E6A29C}"/>
+              </a:ext>
+            </a:extLst>
+          </p:cNvPr>
+          <p:cNvSpPr>
+            <a:spLocks noGrp="1"/>
+          </p:cNvSpPr>
+          <p:nvPr>
+            <p:ph type="title"/>
+          </p:nvPr>
+        </p:nvSpPr>
+        <p:spPr/>
+        <p:txBody>
+          <a:bodyPr/>
+          <a:lstStyle/>
+          <a:p>
+            <a:r>
+              <a:rPr lang="en-US" dirty="0"/>
+              <a:t>Challenge 6: Agent Representation, Aggregation and Dynamics</a:t>
+            </a:r>
+          </a:p>
+        </p:txBody>
+      </p:sp>
+      <p:sp>
+        <p:nvSpPr>
+          <p:cNvPr id="3" name="Content Placeholder 2">
+            <a:extLst>
+              <a:ext uri="{FF2B5EF4-FFF2-40B4-BE49-F238E27FC236}">
+                <a16:creationId xmlns:a16="http://schemas.microsoft.com/office/drawing/2014/main" id="{84B62F28-25C8-9440-B9E3-944006533BE2}"/>
+              </a:ext>
+            </a:extLst>
+          </p:cNvPr>
+          <p:cNvSpPr>
+            <a:spLocks noGrp="1"/>
+          </p:cNvSpPr>
+          <p:nvPr>
+            <p:ph idx="1"/>
+          </p:nvPr>
+        </p:nvSpPr>
+        <p:spPr/>
+        <p:txBody>
+          <a:bodyPr/>
+          <a:lstStyle/>
+          <a:p>
+            <a:endParaRPr lang="en-US"/>
+          </a:p>
+        </p:txBody>
+      </p:sp>
+    </p:spTree>
+    <p:extLst>
+      <p:ext uri="{BB962C8B-B14F-4D97-AF65-F5344CB8AC3E}">
+        <p14:creationId xmlns:p14="http://schemas.microsoft.com/office/powerpoint/2010/main" val="403637077"/>
       </p:ext>
     </p:extLst>
   </p:cSld>
@@ -3677,4 +5740,299 @@
     </a:ext>
   </a:extLst>
 </a:theme>
+</file>
+
+<file path=ppt/theme/theme2.xml><?xml version="1.0" encoding="utf-8"?>
+<a:theme xmlns:a="http://schemas.openxmlformats.org/drawingml/2006/main" name="Office Theme">
+  <a:themeElements>
+    <a:clrScheme name="Office">
+      <a:dk1>
+        <a:sysClr val="windowText" lastClr="000000"/>
+      </a:dk1>
+      <a:lt1>
+        <a:sysClr val="window" lastClr="FFFFFF"/>
+      </a:lt1>
+      <a:dk2>
+        <a:srgbClr val="44546A"/>
+      </a:dk2>
+      <a:lt2>
+        <a:srgbClr val="E7E6E6"/>
+      </a:lt2>
+      <a:accent1>
+        <a:srgbClr val="4472C4"/>
+      </a:accent1>
+      <a:accent2>
+        <a:srgbClr val="ED7D31"/>
+      </a:accent2>
+      <a:accent3>
+        <a:srgbClr val="A5A5A5"/>
+      </a:accent3>
+      <a:accent4>
+        <a:srgbClr val="FFC000"/>
+      </a:accent4>
+      <a:accent5>
+        <a:srgbClr val="5B9BD5"/>
+      </a:accent5>
+      <a:accent6>
+        <a:srgbClr val="70AD47"/>
+      </a:accent6>
+      <a:hlink>
+        <a:srgbClr val="0563C1"/>
+      </a:hlink>
+      <a:folHlink>
+        <a:srgbClr val="954F72"/>
+      </a:folHlink>
+    </a:clrScheme>
+    <a:fontScheme name="Office">
+      <a:majorFont>
+        <a:latin typeface="Calibri Light" panose="020F0302020204030204"/>
+        <a:ea typeface=""/>
+        <a:cs typeface=""/>
+        <a:font script="Jpan" typeface="游ゴシック Light"/>
+        <a:font script="Hang" typeface="맑은 고딕"/>
+        <a:font script="Hans" typeface="等线 Light"/>
+        <a:font script="Hant" typeface="新細明體"/>
+        <a:font script="Arab" typeface="Times New Roman"/>
+        <a:font script="Hebr" typeface="Times New Roman"/>
+        <a:font script="Thai" typeface="Angsana New"/>
+        <a:font script="Ethi" typeface="Nyala"/>
+        <a:font script="Beng" typeface="Vrinda"/>
+        <a:font script="Gujr" typeface="Shruti"/>
+        <a:font script="Khmr" typeface="MoolBoran"/>
+        <a:font script="Knda" typeface="Tunga"/>
+        <a:font script="Guru" typeface="Raavi"/>
+        <a:font script="Cans" typeface="Euphemia"/>
+        <a:font script="Cher" typeface="Plantagenet Cherokee"/>
+        <a:font script="Yiii" typeface="Microsoft Yi Baiti"/>
+        <a:font script="Tibt" typeface="Microsoft Himalaya"/>
+        <a:font script="Thaa" typeface="MV Boli"/>
+        <a:font script="Deva" typeface="Mangal"/>
+        <a:font script="Telu" typeface="Gautami"/>
+        <a:font script="Taml" typeface="Latha"/>
+        <a:font script="Syrc" typeface="Estrangelo Edessa"/>
+        <a:font script="Orya" typeface="Kalinga"/>
+        <a:font script="Mlym" typeface="Kartika"/>
+        <a:font script="Laoo" typeface="DokChampa"/>
+        <a:font script="Sinh" typeface="Iskoola Pota"/>
+        <a:font script="Mong" typeface="Mongolian Baiti"/>
+        <a:font script="Viet" typeface="Times New Roman"/>
+        <a:font script="Uigh" typeface="Microsoft Uighur"/>
+        <a:font script="Geor" typeface="Sylfaen"/>
+        <a:font script="Armn" typeface="Arial"/>
+        <a:font script="Bugi" typeface="Leelawadee UI"/>
+        <a:font script="Bopo" typeface="Microsoft JhengHei"/>
+        <a:font script="Java" typeface="Javanese Text"/>
+        <a:font script="Lisu" typeface="Segoe UI"/>
+        <a:font script="Mymr" typeface="Myanmar Text"/>
+        <a:font script="Nkoo" typeface="Ebrima"/>
+        <a:font script="Olck" typeface="Nirmala UI"/>
+        <a:font script="Osma" typeface="Ebrima"/>
+        <a:font script="Phag" typeface="Phagspa"/>
+        <a:font script="Syrn" typeface="Estrangelo Edessa"/>
+        <a:font script="Syrj" typeface="Estrangelo Edessa"/>
+        <a:font script="Syre" typeface="Estrangelo Edessa"/>
+        <a:font script="Sora" typeface="Nirmala UI"/>
+        <a:font script="Tale" typeface="Microsoft Tai Le"/>
+        <a:font script="Talu" typeface="Microsoft New Tai Lue"/>
+        <a:font script="Tfng" typeface="Ebrima"/>
+      </a:majorFont>
+      <a:minorFont>
+        <a:latin typeface="Calibri" panose="020F0502020204030204"/>
+        <a:ea typeface=""/>
+        <a:cs typeface=""/>
+        <a:font script="Jpan" typeface="游ゴシック"/>
+        <a:font script="Hang" typeface="맑은 고딕"/>
+        <a:font script="Hans" typeface="等线"/>
+        <a:font script="Hant" typeface="新細明體"/>
+        <a:font script="Arab" typeface="Arial"/>
+        <a:font script="Hebr" typeface="Arial"/>
+        <a:font script="Thai" typeface="Cordia New"/>
+        <a:font script="Ethi" typeface="Nyala"/>
+        <a:font script="Beng" typeface="Vrinda"/>
+        <a:font script="Gujr" typeface="Shruti"/>
+        <a:font script="Khmr" typeface="DaunPenh"/>
+        <a:font script="Knda" typeface="Tunga"/>
+        <a:font script="Guru" typeface="Raavi"/>
+        <a:font script="Cans" typeface="Euphemia"/>
+        <a:font script="Cher" typeface="Plantagenet Cherokee"/>
+        <a:font script="Yiii" typeface="Microsoft Yi Baiti"/>
+        <a:font script="Tibt" typeface="Microsoft Himalaya"/>
+        <a:font script="Thaa" typeface="MV Boli"/>
+        <a:font script="Deva" typeface="Mangal"/>
+        <a:font script="Telu" typeface="Gautami"/>
+        <a:font script="Taml" typeface="Latha"/>
+        <a:font script="Syrc" typeface="Estrangelo Edessa"/>
+        <a:font script="Orya" typeface="Kalinga"/>
+        <a:font script="Mlym" typeface="Kartika"/>
+        <a:font script="Laoo" typeface="DokChampa"/>
+        <a:font script="Sinh" typeface="Iskoola Pota"/>
+        <a:font script="Mong" typeface="Mongolian Baiti"/>
+        <a:font script="Viet" typeface="Arial"/>
+        <a:font script="Uigh" typeface="Microsoft Uighur"/>
+        <a:font script="Geor" typeface="Sylfaen"/>
+        <a:font script="Armn" typeface="Arial"/>
+        <a:font script="Bugi" typeface="Leelawadee UI"/>
+        <a:font script="Bopo" typeface="Microsoft JhengHei"/>
+        <a:font script="Java" typeface="Javanese Text"/>
+        <a:font script="Lisu" typeface="Segoe UI"/>
+        <a:font script="Mymr" typeface="Myanmar Text"/>
+        <a:font script="Nkoo" typeface="Ebrima"/>
+        <a:font script="Olck" typeface="Nirmala UI"/>
+        <a:font script="Osma" typeface="Ebrima"/>
+        <a:font script="Phag" typeface="Phagspa"/>
+        <a:font script="Syrn" typeface="Estrangelo Edessa"/>
+        <a:font script="Syrj" typeface="Estrangelo Edessa"/>
+        <a:font script="Syre" typeface="Estrangelo Edessa"/>
+        <a:font script="Sora" typeface="Nirmala UI"/>
+        <a:font script="Tale" typeface="Microsoft Tai Le"/>
+        <a:font script="Talu" typeface="Microsoft New Tai Lue"/>
+        <a:font script="Tfng" typeface="Ebrima"/>
+      </a:minorFont>
+    </a:fontScheme>
+    <a:fmtScheme name="Office">
+      <a:fillStyleLst>
+        <a:solidFill>
+          <a:schemeClr val="phClr"/>
+        </a:solidFill>
+        <a:gradFill rotWithShape="1">
+          <a:gsLst>
+            <a:gs pos="0">
+              <a:schemeClr val="phClr">
+                <a:lumMod val="110000"/>
+                <a:satMod val="105000"/>
+                <a:tint val="67000"/>
+              </a:schemeClr>
+            </a:gs>
+            <a:gs pos="50000">
+              <a:schemeClr val="phClr">
+                <a:lumMod val="105000"/>
+                <a:satMod val="103000"/>
+                <a:tint val="73000"/>
+              </a:schemeClr>
+            </a:gs>
+            <a:gs pos="100000">
+              <a:schemeClr val="phClr">
+                <a:lumMod val="105000"/>
+                <a:satMod val="109000"/>
+                <a:tint val="81000"/>
+              </a:schemeClr>
+            </a:gs>
+          </a:gsLst>
+          <a:lin ang="5400000" scaled="0"/>
+        </a:gradFill>
+        <a:gradFill rotWithShape="1">
+          <a:gsLst>
+            <a:gs pos="0">
+              <a:schemeClr val="phClr">
+                <a:satMod val="103000"/>
+                <a:lumMod val="102000"/>
+                <a:tint val="94000"/>
+              </a:schemeClr>
+            </a:gs>
+            <a:gs pos="50000">
+              <a:schemeClr val="phClr">
+                <a:satMod val="110000"/>
+                <a:lumMod val="100000"/>
+                <a:shade val="100000"/>
+              </a:schemeClr>
+            </a:gs>
+            <a:gs pos="100000">
+              <a:schemeClr val="phClr">
+                <a:lumMod val="99000"/>
+                <a:satMod val="120000"/>
+                <a:shade val="78000"/>
+              </a:schemeClr>
+            </a:gs>
+          </a:gsLst>
+          <a:lin ang="5400000" scaled="0"/>
+        </a:gradFill>
+      </a:fillStyleLst>
+      <a:lnStyleLst>
+        <a:ln w="6350" cap="flat" cmpd="sng" algn="ctr">
+          <a:solidFill>
+            <a:schemeClr val="phClr"/>
+          </a:solidFill>
+          <a:prstDash val="solid"/>
+          <a:miter lim="800000"/>
+        </a:ln>
+        <a:ln w="12700" cap="flat" cmpd="sng" algn="ctr">
+          <a:solidFill>
+            <a:schemeClr val="phClr"/>
+          </a:solidFill>
+          <a:prstDash val="solid"/>
+          <a:miter lim="800000"/>
+        </a:ln>
+        <a:ln w="19050" cap="flat" cmpd="sng" algn="ctr">
+          <a:solidFill>
+            <a:schemeClr val="phClr"/>
+          </a:solidFill>
+          <a:prstDash val="solid"/>
+          <a:miter lim="800000"/>
+        </a:ln>
+      </a:lnStyleLst>
+      <a:effectStyleLst>
+        <a:effectStyle>
+          <a:effectLst/>
+        </a:effectStyle>
+        <a:effectStyle>
+          <a:effectLst/>
+        </a:effectStyle>
+        <a:effectStyle>
+          <a:effectLst>
+            <a:outerShdw blurRad="57150" dist="19050" dir="5400000" algn="ctr" rotWithShape="0">
+              <a:srgbClr val="000000">
+                <a:alpha val="63000"/>
+              </a:srgbClr>
+            </a:outerShdw>
+          </a:effectLst>
+        </a:effectStyle>
+      </a:effectStyleLst>
+      <a:bgFillStyleLst>
+        <a:solidFill>
+          <a:schemeClr val="phClr"/>
+        </a:solidFill>
+        <a:solidFill>
+          <a:schemeClr val="phClr">
+            <a:tint val="95000"/>
+            <a:satMod val="170000"/>
+          </a:schemeClr>
+        </a:solidFill>
+        <a:gradFill rotWithShape="1">
+          <a:gsLst>
+            <a:gs pos="0">
+              <a:schemeClr val="phClr">
+                <a:tint val="93000"/>
+                <a:satMod val="150000"/>
+                <a:shade val="98000"/>
+                <a:lumMod val="102000"/>
+              </a:schemeClr>
+            </a:gs>
+            <a:gs pos="50000">
+              <a:schemeClr val="phClr">
+                <a:tint val="98000"/>
+                <a:satMod val="130000"/>
+                <a:shade val="90000"/>
+                <a:lumMod val="103000"/>
+              </a:schemeClr>
+            </a:gs>
+            <a:gs pos="100000">
+              <a:schemeClr val="phClr">
+                <a:shade val="63000"/>
+                <a:satMod val="120000"/>
+              </a:schemeClr>
+            </a:gs>
+          </a:gsLst>
+          <a:lin ang="5400000" scaled="0"/>
+        </a:gradFill>
+      </a:bgFillStyleLst>
+    </a:fmtScheme>
+  </a:themeElements>
+  <a:objectDefaults/>
+  <a:extraClrSchemeLst/>
+  <a:extLst>
+    <a:ext uri="{05A4C25C-085E-4340-85A3-A5531E510DB2}">
+      <thm15:themeFamily xmlns:thm15="http://schemas.microsoft.com/office/thememl/2012/main" name="Office Theme" id="{62F939B6-93AF-4DB8-9C6B-D6C7DFDC589F}" vid="{4A3C46E8-61CC-4603-A589-7422A47A8E4A}"/>
+    </a:ext>
+  </a:extLst>
+</a:theme>
 </file>
--- a/Chapter12-SummaryAndOutlook/Chapter12.pptx
+++ b/Chapter12-SummaryAndOutlook/Chapter12.pptx
@@ -5,28 +5,29 @@
     <p:sldMasterId id="2147483648" r:id="rId1"/>
   </p:sldMasterIdLst>
   <p:notesMasterIdLst>
-    <p:notesMasterId r:id="rId21"/>
+    <p:notesMasterId r:id="rId22"/>
   </p:notesMasterIdLst>
   <p:sldIdLst>
     <p:sldId id="256" r:id="rId2"/>
-    <p:sldId id="257" r:id="rId3"/>
-    <p:sldId id="258" r:id="rId4"/>
-    <p:sldId id="259" r:id="rId5"/>
-    <p:sldId id="260" r:id="rId6"/>
-    <p:sldId id="261" r:id="rId7"/>
-    <p:sldId id="262" r:id="rId8"/>
-    <p:sldId id="263" r:id="rId9"/>
-    <p:sldId id="264" r:id="rId10"/>
-    <p:sldId id="265" r:id="rId11"/>
-    <p:sldId id="266" r:id="rId12"/>
-    <p:sldId id="267" r:id="rId13"/>
-    <p:sldId id="268" r:id="rId14"/>
-    <p:sldId id="269" r:id="rId15"/>
-    <p:sldId id="270" r:id="rId16"/>
-    <p:sldId id="271" r:id="rId17"/>
-    <p:sldId id="272" r:id="rId18"/>
-    <p:sldId id="273" r:id="rId19"/>
-    <p:sldId id="274" r:id="rId20"/>
+    <p:sldId id="281" r:id="rId3"/>
+    <p:sldId id="257" r:id="rId4"/>
+    <p:sldId id="258" r:id="rId5"/>
+    <p:sldId id="259" r:id="rId6"/>
+    <p:sldId id="260" r:id="rId7"/>
+    <p:sldId id="261" r:id="rId8"/>
+    <p:sldId id="262" r:id="rId9"/>
+    <p:sldId id="263" r:id="rId10"/>
+    <p:sldId id="264" r:id="rId11"/>
+    <p:sldId id="265" r:id="rId12"/>
+    <p:sldId id="266" r:id="rId13"/>
+    <p:sldId id="267" r:id="rId14"/>
+    <p:sldId id="268" r:id="rId15"/>
+    <p:sldId id="269" r:id="rId16"/>
+    <p:sldId id="270" r:id="rId17"/>
+    <p:sldId id="271" r:id="rId18"/>
+    <p:sldId id="272" r:id="rId19"/>
+    <p:sldId id="273" r:id="rId20"/>
+    <p:sldId id="274" r:id="rId21"/>
   </p:sldIdLst>
   <p:sldSz cx="12192000" cy="6858000"/>
   <p:notesSz cx="6858000" cy="9144000"/>
@@ -215,7 +216,7 @@
           <a:p>
             <a:fld id="{BAB81967-2BF6-464C-8467-CAF335A27FF0}" type="datetimeFigureOut">
               <a:rPr lang="en-US" smtClean="0"/>
-              <a:t>7/21/18</a:t>
+              <a:t>11/6/18</a:t>
             </a:fld>
             <a:endParaRPr lang="en-US"/>
           </a:p>
@@ -716,7 +717,7 @@
           <a:p>
             <a:fld id="{53326AB7-C146-8643-AC32-1D896C71A7F3}" type="datetimeFigureOut">
               <a:rPr lang="en-US" smtClean="0"/>
-              <a:t>7/21/18</a:t>
+              <a:t>11/6/18</a:t>
             </a:fld>
             <a:endParaRPr lang="en-US"/>
           </a:p>
@@ -914,7 +915,7 @@
           <a:p>
             <a:fld id="{53326AB7-C146-8643-AC32-1D896C71A7F3}" type="datetimeFigureOut">
               <a:rPr lang="en-US" smtClean="0"/>
-              <a:t>7/21/18</a:t>
+              <a:t>11/6/18</a:t>
             </a:fld>
             <a:endParaRPr lang="en-US"/>
           </a:p>
@@ -1122,7 +1123,7 @@
           <a:p>
             <a:fld id="{53326AB7-C146-8643-AC32-1D896C71A7F3}" type="datetimeFigureOut">
               <a:rPr lang="en-US" smtClean="0"/>
-              <a:t>7/21/18</a:t>
+              <a:t>11/6/18</a:t>
             </a:fld>
             <a:endParaRPr lang="en-US"/>
           </a:p>
@@ -1320,7 +1321,7 @@
           <a:p>
             <a:fld id="{53326AB7-C146-8643-AC32-1D896C71A7F3}" type="datetimeFigureOut">
               <a:rPr lang="en-US" smtClean="0"/>
-              <a:t>7/21/18</a:t>
+              <a:t>11/6/18</a:t>
             </a:fld>
             <a:endParaRPr lang="en-US"/>
           </a:p>
@@ -1595,7 +1596,7 @@
           <a:p>
             <a:fld id="{53326AB7-C146-8643-AC32-1D896C71A7F3}" type="datetimeFigureOut">
               <a:rPr lang="en-US" smtClean="0"/>
-              <a:t>7/21/18</a:t>
+              <a:t>11/6/18</a:t>
             </a:fld>
             <a:endParaRPr lang="en-US"/>
           </a:p>
@@ -1860,7 +1861,7 @@
           <a:p>
             <a:fld id="{53326AB7-C146-8643-AC32-1D896C71A7F3}" type="datetimeFigureOut">
               <a:rPr lang="en-US" smtClean="0"/>
-              <a:t>7/21/18</a:t>
+              <a:t>11/6/18</a:t>
             </a:fld>
             <a:endParaRPr lang="en-US"/>
           </a:p>
@@ -2272,7 +2273,7 @@
           <a:p>
             <a:fld id="{53326AB7-C146-8643-AC32-1D896C71A7F3}" type="datetimeFigureOut">
               <a:rPr lang="en-US" smtClean="0"/>
-              <a:t>7/21/18</a:t>
+              <a:t>11/6/18</a:t>
             </a:fld>
             <a:endParaRPr lang="en-US"/>
           </a:p>
@@ -2413,7 +2414,7 @@
           <a:p>
             <a:fld id="{53326AB7-C146-8643-AC32-1D896C71A7F3}" type="datetimeFigureOut">
               <a:rPr lang="en-US" smtClean="0"/>
-              <a:t>7/21/18</a:t>
+              <a:t>11/6/18</a:t>
             </a:fld>
             <a:endParaRPr lang="en-US"/>
           </a:p>
@@ -2526,7 +2527,7 @@
           <a:p>
             <a:fld id="{53326AB7-C146-8643-AC32-1D896C71A7F3}" type="datetimeFigureOut">
               <a:rPr lang="en-US" smtClean="0"/>
-              <a:t>7/21/18</a:t>
+              <a:t>11/6/18</a:t>
             </a:fld>
             <a:endParaRPr lang="en-US"/>
           </a:p>
@@ -2837,7 +2838,7 @@
           <a:p>
             <a:fld id="{53326AB7-C146-8643-AC32-1D896C71A7F3}" type="datetimeFigureOut">
               <a:rPr lang="en-US" smtClean="0"/>
-              <a:t>7/21/18</a:t>
+              <a:t>11/6/18</a:t>
             </a:fld>
             <a:endParaRPr lang="en-US"/>
           </a:p>
@@ -3125,7 +3126,7 @@
           <a:p>
             <a:fld id="{53326AB7-C146-8643-AC32-1D896C71A7F3}" type="datetimeFigureOut">
               <a:rPr lang="en-US" smtClean="0"/>
-              <a:t>7/21/18</a:t>
+              <a:t>11/6/18</a:t>
             </a:fld>
             <a:endParaRPr lang="en-US"/>
           </a:p>
@@ -3366,7 +3367,7 @@
           <a:p>
             <a:fld id="{53326AB7-C146-8643-AC32-1D896C71A7F3}" type="datetimeFigureOut">
               <a:rPr lang="en-US" smtClean="0"/>
-              <a:t>7/21/18</a:t>
+              <a:t>11/6/18</a:t>
             </a:fld>
             <a:endParaRPr lang="en-US"/>
           </a:p>
@@ -3769,6 +3770,14 @@
 <file path=ppt/slides/slide1.xml><?xml version="1.0" encoding="utf-8"?>
 <p:sld xmlns:a="http://schemas.openxmlformats.org/drawingml/2006/main" xmlns:r="http://schemas.openxmlformats.org/officeDocument/2006/relationships" xmlns:p="http://schemas.openxmlformats.org/presentationml/2006/main">
   <p:cSld>
+    <p:bg>
+      <p:bgPr>
+        <a:solidFill>
+          <a:schemeClr val="bg1"/>
+        </a:solidFill>
+        <a:effectLst/>
+      </p:bgPr>
+    </p:bg>
     <p:spTree>
       <p:nvGrpSpPr>
         <p:cNvPr id="1" name=""/>
@@ -3783,6 +3792,101 @@
           <a:chExt cx="0" cy="0"/>
         </a:xfrm>
       </p:grpSpPr>
+      <p:pic>
+        <p:nvPicPr>
+          <p:cNvPr id="4" name="Picture 3">
+            <a:extLst>
+              <a:ext uri="{FF2B5EF4-FFF2-40B4-BE49-F238E27FC236}">
+                <a16:creationId xmlns:a16="http://schemas.microsoft.com/office/drawing/2014/main" id="{6EEBE865-BD03-C449-BAAB-4C7BDE8E7D2E}"/>
+              </a:ext>
+            </a:extLst>
+          </p:cNvPr>
+          <p:cNvPicPr>
+            <a:picLocks noChangeAspect="1"/>
+          </p:cNvPicPr>
+          <p:nvPr/>
+        </p:nvPicPr>
+        <p:blipFill rotWithShape="1">
+          <a:blip r:embed="rId3"/>
+          <a:srcRect r="3747"/>
+          <a:stretch/>
+        </p:blipFill>
+        <p:spPr>
+          <a:xfrm>
+            <a:off x="20" y="10"/>
+            <a:ext cx="4637226" cy="6857990"/>
+          </a:xfrm>
+          <a:prstGeom prst="rect">
+            <a:avLst/>
+          </a:prstGeom>
+        </p:spPr>
+      </p:pic>
+      <p:sp>
+        <p:nvSpPr>
+          <p:cNvPr id="9" name="Rectangle 8">
+            <a:extLst>
+              <a:ext uri="{FF2B5EF4-FFF2-40B4-BE49-F238E27FC236}">
+                <a16:creationId xmlns:a16="http://schemas.microsoft.com/office/drawing/2014/main" id="{B9951BD9-0868-4CDB-ACD6-9C4209B5E412}"/>
+              </a:ext>
+              <a:ext uri="{C183D7F6-B498-43B3-948B-1728B52AA6E4}">
+                <adec:decorative xmlns:adec="http://schemas.microsoft.com/office/drawing/2017/decorative" val="1"/>
+              </a:ext>
+            </a:extLst>
+          </p:cNvPr>
+          <p:cNvSpPr>
+            <a:spLocks noGrp="1" noRot="1" noChangeAspect="1" noMove="1" noResize="1" noEditPoints="1" noAdjustHandles="1" noChangeArrowheads="1" noChangeShapeType="1" noTextEdit="1"/>
+          </p:cNvSpPr>
+          <p:nvPr>
+            <p:extLst>
+              <p:ext uri="{386F3935-93C4-4BCD-93E2-E3B085C9AB24}">
+                <p16:designElem xmlns:p16="http://schemas.microsoft.com/office/powerpoint/2015/main" val="1"/>
+              </p:ext>
+            </p:extLst>
+          </p:nvPr>
+        </p:nvSpPr>
+        <p:spPr bwMode="white">
+          <a:xfrm>
+            <a:off x="4637247" y="0"/>
+            <a:ext cx="7554754" cy="6858000"/>
+          </a:xfrm>
+          <a:prstGeom prst="rect">
+            <a:avLst/>
+          </a:prstGeom>
+          <a:solidFill>
+            <a:schemeClr val="tx1">
+              <a:lumMod val="85000"/>
+              <a:lumOff val="15000"/>
+            </a:schemeClr>
+          </a:solidFill>
+          <a:ln>
+            <a:noFill/>
+          </a:ln>
+        </p:spPr>
+        <p:style>
+          <a:lnRef idx="2">
+            <a:schemeClr val="accent1">
+              <a:shade val="50000"/>
+            </a:schemeClr>
+          </a:lnRef>
+          <a:fillRef idx="1">
+            <a:schemeClr val="accent1"/>
+          </a:fillRef>
+          <a:effectRef idx="0">
+            <a:schemeClr val="accent1"/>
+          </a:effectRef>
+          <a:fontRef idx="minor">
+            <a:schemeClr val="lt1"/>
+          </a:fontRef>
+        </p:style>
+        <p:txBody>
+          <a:bodyPr rtlCol="0" anchor="ctr"/>
+          <a:lstStyle/>
+          <a:p>
+            <a:pPr algn="ctr"/>
+            <a:endParaRPr lang="en-US"/>
+          </a:p>
+        </p:txBody>
+      </p:sp>
       <p:sp>
         <p:nvSpPr>
           <p:cNvPr id="2" name="Title 1">
@@ -3799,13 +3903,25 @@
             <p:ph type="ctrTitle"/>
           </p:nvPr>
         </p:nvSpPr>
-        <p:spPr/>
-        <p:txBody>
-          <a:bodyPr/>
-          <a:lstStyle/>
-          <a:p>
-            <a:r>
-              <a:rPr lang="en-US" dirty="0"/>
+        <p:spPr>
+          <a:xfrm>
+            <a:off x="5277328" y="640082"/>
+            <a:ext cx="6274591" cy="3351602"/>
+          </a:xfrm>
+        </p:spPr>
+        <p:txBody>
+          <a:bodyPr>
+            <a:normAutofit/>
+          </a:bodyPr>
+          <a:lstStyle/>
+          <a:p>
+            <a:pPr algn="l"/>
+            <a:r>
+              <a:rPr lang="en-US">
+                <a:solidFill>
+                  <a:schemeClr val="bg1"/>
+                </a:solidFill>
+              </a:rPr>
               <a:t>Chapter 12</a:t>
             </a:r>
           </a:p>
@@ -3827,13 +3943,25 @@
             <p:ph type="subTitle" idx="1"/>
           </p:nvPr>
         </p:nvSpPr>
-        <p:spPr/>
-        <p:txBody>
-          <a:bodyPr/>
-          <a:lstStyle/>
-          <a:p>
-            <a:r>
-              <a:rPr lang="en-US" dirty="0"/>
+        <p:spPr>
+          <a:xfrm>
+            <a:off x="5277327" y="4156276"/>
+            <a:ext cx="6274592" cy="2061645"/>
+          </a:xfrm>
+        </p:spPr>
+        <p:txBody>
+          <a:bodyPr>
+            <a:normAutofit/>
+          </a:bodyPr>
+          <a:lstStyle/>
+          <a:p>
+            <a:pPr algn="l"/>
+            <a:r>
+              <a:rPr lang="en-US">
+                <a:solidFill>
+                  <a:schemeClr val="bg1"/>
+                </a:solidFill>
+              </a:rPr>
               <a:t>Summary and Outlook</a:t>
             </a:r>
           </a:p>
@@ -3874,7 +4002,7 @@
           <p:cNvPr id="2" name="Title 1">
             <a:extLst>
               <a:ext uri="{FF2B5EF4-FFF2-40B4-BE49-F238E27FC236}">
-                <a16:creationId xmlns:a16="http://schemas.microsoft.com/office/drawing/2014/main" id="{535FFA71-5FB4-4246-A39E-44B498304118}"/>
+                <a16:creationId xmlns:a16="http://schemas.microsoft.com/office/drawing/2014/main" id="{D1562695-3F3B-084A-BEFB-81D4B7E6A29C}"/>
               </a:ext>
             </a:extLst>
           </p:cNvPr>
@@ -3892,13 +4020,8 @@
           <a:p>
             <a:r>
               <a:rPr lang="en-US" dirty="0"/>
-              <a:t>Challenge 7: </a:t>
-            </a:r>
-            <a:r>
-              <a:rPr lang="en-US" dirty="0" err="1"/>
-              <a:t>Behaviour</a:t>
-            </a:r>
-            <a:endParaRPr lang="en-US" dirty="0"/>
+              <a:t>Challenge 6: Agent Representation, Aggregation and Dynamics</a:t>
+            </a:r>
           </a:p>
         </p:txBody>
       </p:sp>
@@ -3907,7 +4030,7 @@
           <p:cNvPr id="3" name="Content Placeholder 2">
             <a:extLst>
               <a:ext uri="{FF2B5EF4-FFF2-40B4-BE49-F238E27FC236}">
-                <a16:creationId xmlns:a16="http://schemas.microsoft.com/office/drawing/2014/main" id="{706E6302-E2AD-8F4C-BF7B-D6A29BBAF44D}"/>
+                <a16:creationId xmlns:a16="http://schemas.microsoft.com/office/drawing/2014/main" id="{84B62F28-25C8-9440-B9E3-944006533BE2}"/>
               </a:ext>
             </a:extLst>
           </p:cNvPr>
@@ -3930,7 +4053,7 @@
     </p:spTree>
     <p:extLst>
       <p:ext uri="{BB962C8B-B14F-4D97-AF65-F5344CB8AC3E}">
-        <p14:creationId xmlns:p14="http://schemas.microsoft.com/office/powerpoint/2010/main" val="2610913197"/>
+        <p14:creationId xmlns:p14="http://schemas.microsoft.com/office/powerpoint/2010/main" val="403637077"/>
       </p:ext>
     </p:extLst>
   </p:cSld>
@@ -3962,7 +4085,7 @@
           <p:cNvPr id="2" name="Title 1">
             <a:extLst>
               <a:ext uri="{FF2B5EF4-FFF2-40B4-BE49-F238E27FC236}">
-                <a16:creationId xmlns:a16="http://schemas.microsoft.com/office/drawing/2014/main" id="{B781CB42-1E4C-8D46-B6C3-676B166BDFE0}"/>
+                <a16:creationId xmlns:a16="http://schemas.microsoft.com/office/drawing/2014/main" id="{535FFA71-5FB4-4246-A39E-44B498304118}"/>
               </a:ext>
             </a:extLst>
           </p:cNvPr>
@@ -3980,8 +4103,13 @@
           <a:p>
             <a:r>
               <a:rPr lang="en-US" dirty="0"/>
-              <a:t>Challenge 8: Sharing and Dissemination of the Model</a:t>
-            </a:r>
+              <a:t>Challenge 7: </a:t>
+            </a:r>
+            <a:r>
+              <a:rPr lang="en-US" dirty="0" err="1"/>
+              <a:t>Behaviour</a:t>
+            </a:r>
+            <a:endParaRPr lang="en-US" dirty="0"/>
           </a:p>
         </p:txBody>
       </p:sp>
@@ -3990,7 +4118,7 @@
           <p:cNvPr id="3" name="Content Placeholder 2">
             <a:extLst>
               <a:ext uri="{FF2B5EF4-FFF2-40B4-BE49-F238E27FC236}">
-                <a16:creationId xmlns:a16="http://schemas.microsoft.com/office/drawing/2014/main" id="{EA12B0CD-0244-144C-B0DC-FB67706B48B4}"/>
+                <a16:creationId xmlns:a16="http://schemas.microsoft.com/office/drawing/2014/main" id="{706E6302-E2AD-8F4C-BF7B-D6A29BBAF44D}"/>
               </a:ext>
             </a:extLst>
           </p:cNvPr>
@@ -4013,7 +4141,7 @@
     </p:spTree>
     <p:extLst>
       <p:ext uri="{BB962C8B-B14F-4D97-AF65-F5344CB8AC3E}">
-        <p14:creationId xmlns:p14="http://schemas.microsoft.com/office/powerpoint/2010/main" val="905451236"/>
+        <p14:creationId xmlns:p14="http://schemas.microsoft.com/office/powerpoint/2010/main" val="2610913197"/>
       </p:ext>
     </p:extLst>
   </p:cSld>
@@ -4045,7 +4173,7 @@
           <p:cNvPr id="2" name="Title 1">
             <a:extLst>
               <a:ext uri="{FF2B5EF4-FFF2-40B4-BE49-F238E27FC236}">
-                <a16:creationId xmlns:a16="http://schemas.microsoft.com/office/drawing/2014/main" id="{4D374CB7-9640-8342-A700-967A338C72DA}"/>
+                <a16:creationId xmlns:a16="http://schemas.microsoft.com/office/drawing/2014/main" id="{B781CB42-1E4C-8D46-B6C3-676B166BDFE0}"/>
               </a:ext>
             </a:extLst>
           </p:cNvPr>
@@ -4063,7 +4191,7 @@
           <a:p>
             <a:r>
               <a:rPr lang="en-US" dirty="0"/>
-              <a:t>Challenge 9: Data Challenges</a:t>
+              <a:t>Challenge 8: Sharing and Dissemination of the Model</a:t>
             </a:r>
           </a:p>
         </p:txBody>
@@ -4073,7 +4201,7 @@
           <p:cNvPr id="3" name="Content Placeholder 2">
             <a:extLst>
               <a:ext uri="{FF2B5EF4-FFF2-40B4-BE49-F238E27FC236}">
-                <a16:creationId xmlns:a16="http://schemas.microsoft.com/office/drawing/2014/main" id="{E34A3B59-BE53-9244-81E0-1C96C975B2FB}"/>
+                <a16:creationId xmlns:a16="http://schemas.microsoft.com/office/drawing/2014/main" id="{EA12B0CD-0244-144C-B0DC-FB67706B48B4}"/>
               </a:ext>
             </a:extLst>
           </p:cNvPr>
@@ -4096,7 +4224,7 @@
     </p:spTree>
     <p:extLst>
       <p:ext uri="{BB962C8B-B14F-4D97-AF65-F5344CB8AC3E}">
-        <p14:creationId xmlns:p14="http://schemas.microsoft.com/office/powerpoint/2010/main" val="1387924027"/>
+        <p14:creationId xmlns:p14="http://schemas.microsoft.com/office/powerpoint/2010/main" val="905451236"/>
       </p:ext>
     </p:extLst>
   </p:cSld>
@@ -4128,7 +4256,7 @@
           <p:cNvPr id="2" name="Title 1">
             <a:extLst>
               <a:ext uri="{FF2B5EF4-FFF2-40B4-BE49-F238E27FC236}">
-                <a16:creationId xmlns:a16="http://schemas.microsoft.com/office/drawing/2014/main" id="{3B6FB491-2463-A94A-9845-C923192BE747}"/>
+                <a16:creationId xmlns:a16="http://schemas.microsoft.com/office/drawing/2014/main" id="{4D374CB7-9640-8342-A700-967A338C72DA}"/>
               </a:ext>
             </a:extLst>
           </p:cNvPr>
@@ -4146,7 +4274,7 @@
           <a:p>
             <a:r>
               <a:rPr lang="en-US" dirty="0"/>
-              <a:t>Looking Ahead</a:t>
+              <a:t>Challenge 9: Data Challenges</a:t>
             </a:r>
           </a:p>
         </p:txBody>
@@ -4156,7 +4284,7 @@
           <p:cNvPr id="3" name="Content Placeholder 2">
             <a:extLst>
               <a:ext uri="{FF2B5EF4-FFF2-40B4-BE49-F238E27FC236}">
-                <a16:creationId xmlns:a16="http://schemas.microsoft.com/office/drawing/2014/main" id="{27C47869-29FF-1241-81C2-C6F3BA221C7E}"/>
+                <a16:creationId xmlns:a16="http://schemas.microsoft.com/office/drawing/2014/main" id="{E34A3B59-BE53-9244-81E0-1C96C975B2FB}"/>
               </a:ext>
             </a:extLst>
           </p:cNvPr>
@@ -4179,7 +4307,7 @@
     </p:spTree>
     <p:extLst>
       <p:ext uri="{BB962C8B-B14F-4D97-AF65-F5344CB8AC3E}">
-        <p14:creationId xmlns:p14="http://schemas.microsoft.com/office/powerpoint/2010/main" val="3147759455"/>
+        <p14:creationId xmlns:p14="http://schemas.microsoft.com/office/powerpoint/2010/main" val="1387924027"/>
       </p:ext>
     </p:extLst>
   </p:cSld>
@@ -4211,7 +4339,7 @@
           <p:cNvPr id="2" name="Title 1">
             <a:extLst>
               <a:ext uri="{FF2B5EF4-FFF2-40B4-BE49-F238E27FC236}">
-                <a16:creationId xmlns:a16="http://schemas.microsoft.com/office/drawing/2014/main" id="{550BACBA-795A-5C41-B126-BD849A7F7D94}"/>
+                <a16:creationId xmlns:a16="http://schemas.microsoft.com/office/drawing/2014/main" id="{3B6FB491-2463-A94A-9845-C923192BE747}"/>
               </a:ext>
             </a:extLst>
           </p:cNvPr>
@@ -4229,7 +4357,7 @@
           <a:p>
             <a:r>
               <a:rPr lang="en-US" dirty="0"/>
-              <a:t>Big Data and Agent-based Modeling</a:t>
+              <a:t>Looking Ahead</a:t>
             </a:r>
           </a:p>
         </p:txBody>
@@ -4239,7 +4367,7 @@
           <p:cNvPr id="3" name="Content Placeholder 2">
             <a:extLst>
               <a:ext uri="{FF2B5EF4-FFF2-40B4-BE49-F238E27FC236}">
-                <a16:creationId xmlns:a16="http://schemas.microsoft.com/office/drawing/2014/main" id="{732372C1-521D-D047-91FA-AF19C08CC078}"/>
+                <a16:creationId xmlns:a16="http://schemas.microsoft.com/office/drawing/2014/main" id="{27C47869-29FF-1241-81C2-C6F3BA221C7E}"/>
               </a:ext>
             </a:extLst>
           </p:cNvPr>
@@ -4262,7 +4390,7 @@
     </p:spTree>
     <p:extLst>
       <p:ext uri="{BB962C8B-B14F-4D97-AF65-F5344CB8AC3E}">
-        <p14:creationId xmlns:p14="http://schemas.microsoft.com/office/powerpoint/2010/main" val="2897667738"/>
+        <p14:creationId xmlns:p14="http://schemas.microsoft.com/office/powerpoint/2010/main" val="3147759455"/>
       </p:ext>
     </p:extLst>
   </p:cSld>
@@ -4294,7 +4422,7 @@
           <p:cNvPr id="2" name="Title 1">
             <a:extLst>
               <a:ext uri="{FF2B5EF4-FFF2-40B4-BE49-F238E27FC236}">
-                <a16:creationId xmlns:a16="http://schemas.microsoft.com/office/drawing/2014/main" id="{88445378-6602-684C-AEE7-F4A914E7A9A0}"/>
+                <a16:creationId xmlns:a16="http://schemas.microsoft.com/office/drawing/2014/main" id="{550BACBA-795A-5C41-B126-BD849A7F7D94}"/>
               </a:ext>
             </a:extLst>
           </p:cNvPr>
@@ -4312,7 +4440,7 @@
           <a:p>
             <a:r>
               <a:rPr lang="en-US" dirty="0"/>
-              <a:t>Model Integration</a:t>
+              <a:t>Big Data and Agent-based Modeling</a:t>
             </a:r>
           </a:p>
         </p:txBody>
@@ -4322,7 +4450,7 @@
           <p:cNvPr id="3" name="Content Placeholder 2">
             <a:extLst>
               <a:ext uri="{FF2B5EF4-FFF2-40B4-BE49-F238E27FC236}">
-                <a16:creationId xmlns:a16="http://schemas.microsoft.com/office/drawing/2014/main" id="{B0E4E81F-D225-4942-A598-ADCA4A6F31FD}"/>
+                <a16:creationId xmlns:a16="http://schemas.microsoft.com/office/drawing/2014/main" id="{732372C1-521D-D047-91FA-AF19C08CC078}"/>
               </a:ext>
             </a:extLst>
           </p:cNvPr>
@@ -4345,7 +4473,7 @@
     </p:spTree>
     <p:extLst>
       <p:ext uri="{BB962C8B-B14F-4D97-AF65-F5344CB8AC3E}">
-        <p14:creationId xmlns:p14="http://schemas.microsoft.com/office/powerpoint/2010/main" val="2609098259"/>
+        <p14:creationId xmlns:p14="http://schemas.microsoft.com/office/powerpoint/2010/main" val="2897667738"/>
       </p:ext>
     </p:extLst>
   </p:cSld>
@@ -4377,7 +4505,7 @@
           <p:cNvPr id="2" name="Title 1">
             <a:extLst>
               <a:ext uri="{FF2B5EF4-FFF2-40B4-BE49-F238E27FC236}">
-                <a16:creationId xmlns:a16="http://schemas.microsoft.com/office/drawing/2014/main" id="{9BC6B821-F8B2-2449-8D1B-67BC78F01AFE}"/>
+                <a16:creationId xmlns:a16="http://schemas.microsoft.com/office/drawing/2014/main" id="{88445378-6602-684C-AEE7-F4A914E7A9A0}"/>
               </a:ext>
             </a:extLst>
           </p:cNvPr>
@@ -4395,7 +4523,7 @@
           <a:p>
             <a:r>
               <a:rPr lang="en-US" dirty="0"/>
-              <a:t>Uncertainty and Ensembles</a:t>
+              <a:t>Model Integration</a:t>
             </a:r>
           </a:p>
         </p:txBody>
@@ -4405,7 +4533,7 @@
           <p:cNvPr id="3" name="Content Placeholder 2">
             <a:extLst>
               <a:ext uri="{FF2B5EF4-FFF2-40B4-BE49-F238E27FC236}">
-                <a16:creationId xmlns:a16="http://schemas.microsoft.com/office/drawing/2014/main" id="{D34980B3-7B0F-A643-9F9A-1BEC2967BE77}"/>
+                <a16:creationId xmlns:a16="http://schemas.microsoft.com/office/drawing/2014/main" id="{B0E4E81F-D225-4942-A598-ADCA4A6F31FD}"/>
               </a:ext>
             </a:extLst>
           </p:cNvPr>
@@ -4428,7 +4556,7 @@
     </p:spTree>
     <p:extLst>
       <p:ext uri="{BB962C8B-B14F-4D97-AF65-F5344CB8AC3E}">
-        <p14:creationId xmlns:p14="http://schemas.microsoft.com/office/powerpoint/2010/main" val="605014832"/>
+        <p14:creationId xmlns:p14="http://schemas.microsoft.com/office/powerpoint/2010/main" val="2609098259"/>
       </p:ext>
     </p:extLst>
   </p:cSld>
@@ -4460,7 +4588,7 @@
           <p:cNvPr id="2" name="Title 1">
             <a:extLst>
               <a:ext uri="{FF2B5EF4-FFF2-40B4-BE49-F238E27FC236}">
-                <a16:creationId xmlns:a16="http://schemas.microsoft.com/office/drawing/2014/main" id="{C8639F1D-E10E-514A-8F4E-6C48392D4059}"/>
+                <a16:creationId xmlns:a16="http://schemas.microsoft.com/office/drawing/2014/main" id="{9BC6B821-F8B2-2449-8D1B-67BC78F01AFE}"/>
               </a:ext>
             </a:extLst>
           </p:cNvPr>
@@ -4478,7 +4606,7 @@
           <a:p>
             <a:r>
               <a:rPr lang="en-US" dirty="0"/>
-              <a:t>Data Assimilation</a:t>
+              <a:t>Uncertainty and Ensembles</a:t>
             </a:r>
           </a:p>
         </p:txBody>
@@ -4488,7 +4616,7 @@
           <p:cNvPr id="3" name="Content Placeholder 2">
             <a:extLst>
               <a:ext uri="{FF2B5EF4-FFF2-40B4-BE49-F238E27FC236}">
-                <a16:creationId xmlns:a16="http://schemas.microsoft.com/office/drawing/2014/main" id="{78380259-3225-804F-B43E-F53A44181634}"/>
+                <a16:creationId xmlns:a16="http://schemas.microsoft.com/office/drawing/2014/main" id="{D34980B3-7B0F-A643-9F9A-1BEC2967BE77}"/>
               </a:ext>
             </a:extLst>
           </p:cNvPr>
@@ -4511,7 +4639,7 @@
     </p:spTree>
     <p:extLst>
       <p:ext uri="{BB962C8B-B14F-4D97-AF65-F5344CB8AC3E}">
-        <p14:creationId xmlns:p14="http://schemas.microsoft.com/office/powerpoint/2010/main" val="514800841"/>
+        <p14:creationId xmlns:p14="http://schemas.microsoft.com/office/powerpoint/2010/main" val="605014832"/>
       </p:ext>
     </p:extLst>
   </p:cSld>
@@ -4543,7 +4671,7 @@
           <p:cNvPr id="2" name="Title 1">
             <a:extLst>
               <a:ext uri="{FF2B5EF4-FFF2-40B4-BE49-F238E27FC236}">
-                <a16:creationId xmlns:a16="http://schemas.microsoft.com/office/drawing/2014/main" id="{F638CB2D-065B-DF46-9097-9C81411E31EC}"/>
+                <a16:creationId xmlns:a16="http://schemas.microsoft.com/office/drawing/2014/main" id="{C8639F1D-E10E-514A-8F4E-6C48392D4059}"/>
               </a:ext>
             </a:extLst>
           </p:cNvPr>
@@ -4561,7 +4689,7 @@
           <a:p>
             <a:r>
               <a:rPr lang="en-US" dirty="0"/>
-              <a:t>Spatially Learning Agents</a:t>
+              <a:t>Data Assimilation</a:t>
             </a:r>
           </a:p>
         </p:txBody>
@@ -4571,7 +4699,7 @@
           <p:cNvPr id="3" name="Content Placeholder 2">
             <a:extLst>
               <a:ext uri="{FF2B5EF4-FFF2-40B4-BE49-F238E27FC236}">
-                <a16:creationId xmlns:a16="http://schemas.microsoft.com/office/drawing/2014/main" id="{EE42CD08-9EE2-3C42-80C0-7410C882DE21}"/>
+                <a16:creationId xmlns:a16="http://schemas.microsoft.com/office/drawing/2014/main" id="{78380259-3225-804F-B43E-F53A44181634}"/>
               </a:ext>
             </a:extLst>
           </p:cNvPr>
@@ -4594,7 +4722,7 @@
     </p:spTree>
     <p:extLst>
       <p:ext uri="{BB962C8B-B14F-4D97-AF65-F5344CB8AC3E}">
-        <p14:creationId xmlns:p14="http://schemas.microsoft.com/office/powerpoint/2010/main" val="2988943065"/>
+        <p14:creationId xmlns:p14="http://schemas.microsoft.com/office/powerpoint/2010/main" val="514800841"/>
       </p:ext>
     </p:extLst>
   </p:cSld>
@@ -4626,7 +4754,7 @@
           <p:cNvPr id="2" name="Title 1">
             <a:extLst>
               <a:ext uri="{FF2B5EF4-FFF2-40B4-BE49-F238E27FC236}">
-                <a16:creationId xmlns:a16="http://schemas.microsoft.com/office/drawing/2014/main" id="{459E2436-94CC-C443-9152-6F6DE33B4114}"/>
+                <a16:creationId xmlns:a16="http://schemas.microsoft.com/office/drawing/2014/main" id="{F638CB2D-065B-DF46-9097-9C81411E31EC}"/>
               </a:ext>
             </a:extLst>
           </p:cNvPr>
@@ -4644,7 +4772,7 @@
           <a:p>
             <a:r>
               <a:rPr lang="en-US" dirty="0"/>
-              <a:t>Discussion</a:t>
+              <a:t>Spatially Learning Agents</a:t>
             </a:r>
           </a:p>
         </p:txBody>
@@ -4654,7 +4782,7 @@
           <p:cNvPr id="3" name="Content Placeholder 2">
             <a:extLst>
               <a:ext uri="{FF2B5EF4-FFF2-40B4-BE49-F238E27FC236}">
-                <a16:creationId xmlns:a16="http://schemas.microsoft.com/office/drawing/2014/main" id="{6732DB61-1356-1C45-8C07-189446489C2D}"/>
+                <a16:creationId xmlns:a16="http://schemas.microsoft.com/office/drawing/2014/main" id="{EE42CD08-9EE2-3C42-80C0-7410C882DE21}"/>
               </a:ext>
             </a:extLst>
           </p:cNvPr>
@@ -4677,7 +4805,7 @@
     </p:spTree>
     <p:extLst>
       <p:ext uri="{BB962C8B-B14F-4D97-AF65-F5344CB8AC3E}">
-        <p14:creationId xmlns:p14="http://schemas.microsoft.com/office/powerpoint/2010/main" val="715580124"/>
+        <p14:creationId xmlns:p14="http://schemas.microsoft.com/office/powerpoint/2010/main" val="2988943065"/>
       </p:ext>
     </p:extLst>
   </p:cSld>
@@ -4709,7 +4837,7 @@
           <p:cNvPr id="2" name="Title 1">
             <a:extLst>
               <a:ext uri="{FF2B5EF4-FFF2-40B4-BE49-F238E27FC236}">
-                <a16:creationId xmlns:a16="http://schemas.microsoft.com/office/drawing/2014/main" id="{404A1B66-96D8-EA45-B67C-FDB1A263E5A0}"/>
+                <a16:creationId xmlns:a16="http://schemas.microsoft.com/office/drawing/2014/main" id="{07A38DDA-2150-1147-B1F2-04571D79B50E}"/>
               </a:ext>
             </a:extLst>
           </p:cNvPr>
@@ -4727,7 +4855,7 @@
           <a:p>
             <a:r>
               <a:rPr lang="en-US" dirty="0"/>
-              <a:t>Introduction</a:t>
+              <a:t>Learning Objectives</a:t>
             </a:r>
           </a:p>
         </p:txBody>
@@ -4737,7 +4865,7 @@
           <p:cNvPr id="3" name="Content Placeholder 2">
             <a:extLst>
               <a:ext uri="{FF2B5EF4-FFF2-40B4-BE49-F238E27FC236}">
-                <a16:creationId xmlns:a16="http://schemas.microsoft.com/office/drawing/2014/main" id="{EB10B424-7C98-3541-A7F1-47B2D8C2AA98}"/>
+                <a16:creationId xmlns:a16="http://schemas.microsoft.com/office/drawing/2014/main" id="{ADCCC874-872D-FA48-A5E3-8BFAA487818D}"/>
               </a:ext>
             </a:extLst>
           </p:cNvPr>
@@ -4760,7 +4888,90 @@
     </p:spTree>
     <p:extLst>
       <p:ext uri="{BB962C8B-B14F-4D97-AF65-F5344CB8AC3E}">
-        <p14:creationId xmlns:p14="http://schemas.microsoft.com/office/powerpoint/2010/main" val="544573137"/>
+        <p14:creationId xmlns:p14="http://schemas.microsoft.com/office/powerpoint/2010/main" val="13795593"/>
+      </p:ext>
+    </p:extLst>
+  </p:cSld>
+  <p:clrMapOvr>
+    <a:masterClrMapping/>
+  </p:clrMapOvr>
+</p:sld>
+</file>
+
+<file path=ppt/slides/slide20.xml><?xml version="1.0" encoding="utf-8"?>
+<p:sld xmlns:a="http://schemas.openxmlformats.org/drawingml/2006/main" xmlns:r="http://schemas.openxmlformats.org/officeDocument/2006/relationships" xmlns:p="http://schemas.openxmlformats.org/presentationml/2006/main">
+  <p:cSld>
+    <p:spTree>
+      <p:nvGrpSpPr>
+        <p:cNvPr id="1" name=""/>
+        <p:cNvGrpSpPr/>
+        <p:nvPr/>
+      </p:nvGrpSpPr>
+      <p:grpSpPr>
+        <a:xfrm>
+          <a:off x="0" y="0"/>
+          <a:ext cx="0" cy="0"/>
+          <a:chOff x="0" y="0"/>
+          <a:chExt cx="0" cy="0"/>
+        </a:xfrm>
+      </p:grpSpPr>
+      <p:sp>
+        <p:nvSpPr>
+          <p:cNvPr id="2" name="Title 1">
+            <a:extLst>
+              <a:ext uri="{FF2B5EF4-FFF2-40B4-BE49-F238E27FC236}">
+                <a16:creationId xmlns:a16="http://schemas.microsoft.com/office/drawing/2014/main" id="{459E2436-94CC-C443-9152-6F6DE33B4114}"/>
+              </a:ext>
+            </a:extLst>
+          </p:cNvPr>
+          <p:cNvSpPr>
+            <a:spLocks noGrp="1"/>
+          </p:cNvSpPr>
+          <p:nvPr>
+            <p:ph type="title"/>
+          </p:nvPr>
+        </p:nvSpPr>
+        <p:spPr/>
+        <p:txBody>
+          <a:bodyPr/>
+          <a:lstStyle/>
+          <a:p>
+            <a:r>
+              <a:rPr lang="en-US" dirty="0"/>
+              <a:t>Discussion</a:t>
+            </a:r>
+          </a:p>
+        </p:txBody>
+      </p:sp>
+      <p:sp>
+        <p:nvSpPr>
+          <p:cNvPr id="3" name="Content Placeholder 2">
+            <a:extLst>
+              <a:ext uri="{FF2B5EF4-FFF2-40B4-BE49-F238E27FC236}">
+                <a16:creationId xmlns:a16="http://schemas.microsoft.com/office/drawing/2014/main" id="{6732DB61-1356-1C45-8C07-189446489C2D}"/>
+              </a:ext>
+            </a:extLst>
+          </p:cNvPr>
+          <p:cNvSpPr>
+            <a:spLocks noGrp="1"/>
+          </p:cNvSpPr>
+          <p:nvPr>
+            <p:ph idx="1"/>
+          </p:nvPr>
+        </p:nvSpPr>
+        <p:spPr/>
+        <p:txBody>
+          <a:bodyPr/>
+          <a:lstStyle/>
+          <a:p>
+            <a:endParaRPr lang="en-US"/>
+          </a:p>
+        </p:txBody>
+      </p:sp>
+    </p:spTree>
+    <p:extLst>
+      <p:ext uri="{BB962C8B-B14F-4D97-AF65-F5344CB8AC3E}">
+        <p14:creationId xmlns:p14="http://schemas.microsoft.com/office/powerpoint/2010/main" val="715580124"/>
       </p:ext>
     </p:extLst>
   </p:cSld>
@@ -4792,7 +5003,7 @@
           <p:cNvPr id="2" name="Title 1">
             <a:extLst>
               <a:ext uri="{FF2B5EF4-FFF2-40B4-BE49-F238E27FC236}">
-                <a16:creationId xmlns:a16="http://schemas.microsoft.com/office/drawing/2014/main" id="{3C91DBFC-01FE-864A-A8C8-B2B8B908D637}"/>
+                <a16:creationId xmlns:a16="http://schemas.microsoft.com/office/drawing/2014/main" id="{404A1B66-96D8-EA45-B67C-FDB1A263E5A0}"/>
               </a:ext>
             </a:extLst>
           </p:cNvPr>
@@ -4810,7 +5021,7 @@
           <a:p>
             <a:r>
               <a:rPr lang="en-US" dirty="0"/>
-              <a:t>Remaining Challenges</a:t>
+              <a:t>Introduction</a:t>
             </a:r>
           </a:p>
         </p:txBody>
@@ -4820,7 +5031,7 @@
           <p:cNvPr id="3" name="Content Placeholder 2">
             <a:extLst>
               <a:ext uri="{FF2B5EF4-FFF2-40B4-BE49-F238E27FC236}">
-                <a16:creationId xmlns:a16="http://schemas.microsoft.com/office/drawing/2014/main" id="{61C60749-684E-8A48-875F-A41ABAA8C9EE}"/>
+                <a16:creationId xmlns:a16="http://schemas.microsoft.com/office/drawing/2014/main" id="{EB10B424-7C98-3541-A7F1-47B2D8C2AA98}"/>
               </a:ext>
             </a:extLst>
           </p:cNvPr>
@@ -4833,113 +5044,17 @@
         </p:nvSpPr>
         <p:spPr/>
         <p:txBody>
-          <a:bodyPr>
-            <a:normAutofit/>
-          </a:bodyPr>
-          <a:lstStyle/>
-          <a:p>
-            <a:r>
-              <a:rPr lang="en-US" dirty="0"/>
-              <a:t>The challenges include:</a:t>
-            </a:r>
-          </a:p>
-          <a:p>
-            <a:pPr marL="914400" lvl="1" indent="-457200">
-              <a:buFont typeface="+mj-lt"/>
-              <a:buAutoNum type="arabicPeriod"/>
-            </a:pPr>
-            <a:r>
-              <a:rPr lang="en-US" dirty="0"/>
-              <a:t>Reasons for Modelling</a:t>
-            </a:r>
-          </a:p>
-          <a:p>
-            <a:pPr marL="914400" lvl="1" indent="-457200">
-              <a:buFont typeface="+mj-lt"/>
-              <a:buAutoNum type="arabicPeriod"/>
-            </a:pPr>
-            <a:r>
-              <a:rPr lang="en-US" dirty="0"/>
-              <a:t>Theory and Models</a:t>
-            </a:r>
-          </a:p>
-          <a:p>
-            <a:pPr marL="914400" lvl="1" indent="-457200">
-              <a:buFont typeface="+mj-lt"/>
-              <a:buAutoNum type="arabicPeriod"/>
-            </a:pPr>
-            <a:r>
-              <a:rPr lang="en-US" dirty="0"/>
-              <a:t>Inter-Model Comparison</a:t>
-            </a:r>
-          </a:p>
-          <a:p>
-            <a:pPr marL="914400" lvl="1" indent="-457200">
-              <a:buFont typeface="+mj-lt"/>
-              <a:buAutoNum type="arabicPeriod"/>
-            </a:pPr>
-            <a:r>
-              <a:rPr lang="en-US" dirty="0"/>
-              <a:t>Replication and Experiment</a:t>
-            </a:r>
-          </a:p>
-          <a:p>
-            <a:pPr marL="914400" lvl="1" indent="-457200">
-              <a:buFont typeface="+mj-lt"/>
-              <a:buAutoNum type="arabicPeriod"/>
-            </a:pPr>
-            <a:r>
-              <a:rPr lang="en-US" dirty="0"/>
-              <a:t>Verification and Validation</a:t>
-            </a:r>
-          </a:p>
-          <a:p>
-            <a:pPr marL="914400" lvl="1" indent="-457200">
-              <a:buFont typeface="+mj-lt"/>
-              <a:buAutoNum type="arabicPeriod"/>
-            </a:pPr>
-            <a:r>
-              <a:rPr lang="en-US" dirty="0"/>
-              <a:t>Agent Representation, Aggregation and Dynamics</a:t>
-            </a:r>
-          </a:p>
-          <a:p>
-            <a:pPr marL="914400" lvl="1" indent="-457200">
-              <a:buFont typeface="+mj-lt"/>
-              <a:buAutoNum type="arabicPeriod"/>
-            </a:pPr>
-            <a:r>
-              <a:rPr lang="en-US" dirty="0" err="1"/>
-              <a:t>Behaviour</a:t>
-            </a:r>
-            <a:endParaRPr lang="en-US" dirty="0"/>
-          </a:p>
-          <a:p>
-            <a:pPr marL="914400" lvl="1" indent="-457200">
-              <a:buFont typeface="+mj-lt"/>
-              <a:buAutoNum type="arabicPeriod"/>
-            </a:pPr>
-            <a:r>
-              <a:rPr lang="en-US" dirty="0"/>
-              <a:t>Sharing and Dissemination of the Model</a:t>
-            </a:r>
-          </a:p>
-          <a:p>
-            <a:pPr marL="914400" lvl="1" indent="-457200">
-              <a:buFont typeface="+mj-lt"/>
-              <a:buAutoNum type="arabicPeriod"/>
-            </a:pPr>
-            <a:r>
-              <a:rPr lang="en-US" dirty="0"/>
-              <a:t>Data Challenges</a:t>
-            </a:r>
+          <a:bodyPr/>
+          <a:lstStyle/>
+          <a:p>
+            <a:endParaRPr lang="en-US"/>
           </a:p>
         </p:txBody>
       </p:sp>
     </p:spTree>
     <p:extLst>
       <p:ext uri="{BB962C8B-B14F-4D97-AF65-F5344CB8AC3E}">
-        <p14:creationId xmlns:p14="http://schemas.microsoft.com/office/powerpoint/2010/main" val="230089619"/>
+        <p14:creationId xmlns:p14="http://schemas.microsoft.com/office/powerpoint/2010/main" val="544573137"/>
       </p:ext>
     </p:extLst>
   </p:cSld>
@@ -4971,7 +5086,7 @@
           <p:cNvPr id="2" name="Title 1">
             <a:extLst>
               <a:ext uri="{FF2B5EF4-FFF2-40B4-BE49-F238E27FC236}">
-                <a16:creationId xmlns:a16="http://schemas.microsoft.com/office/drawing/2014/main" id="{49EBDC5A-74EA-4B44-A3A7-A31DB5060F22}"/>
+                <a16:creationId xmlns:a16="http://schemas.microsoft.com/office/drawing/2014/main" id="{3C91DBFC-01FE-864A-A8C8-B2B8B908D637}"/>
               </a:ext>
             </a:extLst>
           </p:cNvPr>
@@ -4989,7 +5104,7 @@
           <a:p>
             <a:r>
               <a:rPr lang="en-US" dirty="0"/>
-              <a:t>Challenge 1: Reasons for Modelling</a:t>
+              <a:t>Remaining Challenges</a:t>
             </a:r>
           </a:p>
         </p:txBody>
@@ -4999,7 +5114,7 @@
           <p:cNvPr id="3" name="Content Placeholder 2">
             <a:extLst>
               <a:ext uri="{FF2B5EF4-FFF2-40B4-BE49-F238E27FC236}">
-                <a16:creationId xmlns:a16="http://schemas.microsoft.com/office/drawing/2014/main" id="{D13EDF9F-63CE-D341-8C74-01954003B1FF}"/>
+                <a16:creationId xmlns:a16="http://schemas.microsoft.com/office/drawing/2014/main" id="{61C60749-684E-8A48-875F-A41ABAA8C9EE}"/>
               </a:ext>
             </a:extLst>
           </p:cNvPr>
@@ -5012,17 +5127,113 @@
         </p:nvSpPr>
         <p:spPr/>
         <p:txBody>
-          <a:bodyPr/>
-          <a:lstStyle/>
-          <a:p>
-            <a:endParaRPr lang="en-US"/>
+          <a:bodyPr>
+            <a:normAutofit/>
+          </a:bodyPr>
+          <a:lstStyle/>
+          <a:p>
+            <a:r>
+              <a:rPr lang="en-US" dirty="0"/>
+              <a:t>The challenges include:</a:t>
+            </a:r>
+          </a:p>
+          <a:p>
+            <a:pPr marL="914400" lvl="1" indent="-457200">
+              <a:buFont typeface="+mj-lt"/>
+              <a:buAutoNum type="arabicPeriod"/>
+            </a:pPr>
+            <a:r>
+              <a:rPr lang="en-US" dirty="0"/>
+              <a:t>Reasons for Modelling</a:t>
+            </a:r>
+          </a:p>
+          <a:p>
+            <a:pPr marL="914400" lvl="1" indent="-457200">
+              <a:buFont typeface="+mj-lt"/>
+              <a:buAutoNum type="arabicPeriod"/>
+            </a:pPr>
+            <a:r>
+              <a:rPr lang="en-US" dirty="0"/>
+              <a:t>Theory and Models</a:t>
+            </a:r>
+          </a:p>
+          <a:p>
+            <a:pPr marL="914400" lvl="1" indent="-457200">
+              <a:buFont typeface="+mj-lt"/>
+              <a:buAutoNum type="arabicPeriod"/>
+            </a:pPr>
+            <a:r>
+              <a:rPr lang="en-US" dirty="0"/>
+              <a:t>Inter-Model Comparison</a:t>
+            </a:r>
+          </a:p>
+          <a:p>
+            <a:pPr marL="914400" lvl="1" indent="-457200">
+              <a:buFont typeface="+mj-lt"/>
+              <a:buAutoNum type="arabicPeriod"/>
+            </a:pPr>
+            <a:r>
+              <a:rPr lang="en-US" dirty="0"/>
+              <a:t>Replication and Experiment</a:t>
+            </a:r>
+          </a:p>
+          <a:p>
+            <a:pPr marL="914400" lvl="1" indent="-457200">
+              <a:buFont typeface="+mj-lt"/>
+              <a:buAutoNum type="arabicPeriod"/>
+            </a:pPr>
+            <a:r>
+              <a:rPr lang="en-US" dirty="0"/>
+              <a:t>Verification and Validation</a:t>
+            </a:r>
+          </a:p>
+          <a:p>
+            <a:pPr marL="914400" lvl="1" indent="-457200">
+              <a:buFont typeface="+mj-lt"/>
+              <a:buAutoNum type="arabicPeriod"/>
+            </a:pPr>
+            <a:r>
+              <a:rPr lang="en-US" dirty="0"/>
+              <a:t>Agent Representation, Aggregation and Dynamics</a:t>
+            </a:r>
+          </a:p>
+          <a:p>
+            <a:pPr marL="914400" lvl="1" indent="-457200">
+              <a:buFont typeface="+mj-lt"/>
+              <a:buAutoNum type="arabicPeriod"/>
+            </a:pPr>
+            <a:r>
+              <a:rPr lang="en-US" dirty="0" err="1"/>
+              <a:t>Behaviour</a:t>
+            </a:r>
+            <a:endParaRPr lang="en-US" dirty="0"/>
+          </a:p>
+          <a:p>
+            <a:pPr marL="914400" lvl="1" indent="-457200">
+              <a:buFont typeface="+mj-lt"/>
+              <a:buAutoNum type="arabicPeriod"/>
+            </a:pPr>
+            <a:r>
+              <a:rPr lang="en-US" dirty="0"/>
+              <a:t>Sharing and Dissemination of the Model</a:t>
+            </a:r>
+          </a:p>
+          <a:p>
+            <a:pPr marL="914400" lvl="1" indent="-457200">
+              <a:buFont typeface="+mj-lt"/>
+              <a:buAutoNum type="arabicPeriod"/>
+            </a:pPr>
+            <a:r>
+              <a:rPr lang="en-US" dirty="0"/>
+              <a:t>Data Challenges</a:t>
+            </a:r>
           </a:p>
         </p:txBody>
       </p:sp>
     </p:spTree>
     <p:extLst>
       <p:ext uri="{BB962C8B-B14F-4D97-AF65-F5344CB8AC3E}">
-        <p14:creationId xmlns:p14="http://schemas.microsoft.com/office/powerpoint/2010/main" val="388616134"/>
+        <p14:creationId xmlns:p14="http://schemas.microsoft.com/office/powerpoint/2010/main" val="230089619"/>
       </p:ext>
     </p:extLst>
   </p:cSld>
@@ -5054,7 +5265,7 @@
           <p:cNvPr id="2" name="Title 1">
             <a:extLst>
               <a:ext uri="{FF2B5EF4-FFF2-40B4-BE49-F238E27FC236}">
-                <a16:creationId xmlns:a16="http://schemas.microsoft.com/office/drawing/2014/main" id="{8976D55C-B1E3-F940-B740-F1838AC8DC2A}"/>
+                <a16:creationId xmlns:a16="http://schemas.microsoft.com/office/drawing/2014/main" id="{49EBDC5A-74EA-4B44-A3A7-A31DB5060F22}"/>
               </a:ext>
             </a:extLst>
           </p:cNvPr>
@@ -5072,7 +5283,7 @@
           <a:p>
             <a:r>
               <a:rPr lang="en-US" dirty="0"/>
-              <a:t>Challenge 2: Theory and Models</a:t>
+              <a:t>Challenge 1: Reasons for Modelling</a:t>
             </a:r>
           </a:p>
         </p:txBody>
@@ -5082,7 +5293,7 @@
           <p:cNvPr id="3" name="Content Placeholder 2">
             <a:extLst>
               <a:ext uri="{FF2B5EF4-FFF2-40B4-BE49-F238E27FC236}">
-                <a16:creationId xmlns:a16="http://schemas.microsoft.com/office/drawing/2014/main" id="{22A06037-2088-1B49-9DFD-4B2592E7C37E}"/>
+                <a16:creationId xmlns:a16="http://schemas.microsoft.com/office/drawing/2014/main" id="{D13EDF9F-63CE-D341-8C74-01954003B1FF}"/>
               </a:ext>
             </a:extLst>
           </p:cNvPr>
@@ -5105,7 +5316,7 @@
     </p:spTree>
     <p:extLst>
       <p:ext uri="{BB962C8B-B14F-4D97-AF65-F5344CB8AC3E}">
-        <p14:creationId xmlns:p14="http://schemas.microsoft.com/office/powerpoint/2010/main" val="2997089516"/>
+        <p14:creationId xmlns:p14="http://schemas.microsoft.com/office/powerpoint/2010/main" val="388616134"/>
       </p:ext>
     </p:extLst>
   </p:cSld>
@@ -5137,7 +5348,7 @@
           <p:cNvPr id="2" name="Title 1">
             <a:extLst>
               <a:ext uri="{FF2B5EF4-FFF2-40B4-BE49-F238E27FC236}">
-                <a16:creationId xmlns:a16="http://schemas.microsoft.com/office/drawing/2014/main" id="{CA05A7FE-F4BD-B04E-B7A6-D7F5C1E9EA4A}"/>
+                <a16:creationId xmlns:a16="http://schemas.microsoft.com/office/drawing/2014/main" id="{8976D55C-B1E3-F940-B740-F1838AC8DC2A}"/>
               </a:ext>
             </a:extLst>
           </p:cNvPr>
@@ -5155,7 +5366,7 @@
           <a:p>
             <a:r>
               <a:rPr lang="en-US" dirty="0"/>
-              <a:t>Challenge 3: Inter-Model Comparison</a:t>
+              <a:t>Challenge 2: Theory and Models</a:t>
             </a:r>
           </a:p>
         </p:txBody>
@@ -5165,7 +5376,7 @@
           <p:cNvPr id="3" name="Content Placeholder 2">
             <a:extLst>
               <a:ext uri="{FF2B5EF4-FFF2-40B4-BE49-F238E27FC236}">
-                <a16:creationId xmlns:a16="http://schemas.microsoft.com/office/drawing/2014/main" id="{6DC959BD-EA91-A149-8973-1F3ACD4A5558}"/>
+                <a16:creationId xmlns:a16="http://schemas.microsoft.com/office/drawing/2014/main" id="{22A06037-2088-1B49-9DFD-4B2592E7C37E}"/>
               </a:ext>
             </a:extLst>
           </p:cNvPr>
@@ -5188,7 +5399,7 @@
     </p:spTree>
     <p:extLst>
       <p:ext uri="{BB962C8B-B14F-4D97-AF65-F5344CB8AC3E}">
-        <p14:creationId xmlns:p14="http://schemas.microsoft.com/office/powerpoint/2010/main" val="2230728231"/>
+        <p14:creationId xmlns:p14="http://schemas.microsoft.com/office/powerpoint/2010/main" val="2997089516"/>
       </p:ext>
     </p:extLst>
   </p:cSld>
@@ -5220,7 +5431,7 @@
           <p:cNvPr id="2" name="Title 1">
             <a:extLst>
               <a:ext uri="{FF2B5EF4-FFF2-40B4-BE49-F238E27FC236}">
-                <a16:creationId xmlns:a16="http://schemas.microsoft.com/office/drawing/2014/main" id="{D2D220DD-C411-F140-89DF-6632685CBD8E}"/>
+                <a16:creationId xmlns:a16="http://schemas.microsoft.com/office/drawing/2014/main" id="{CA05A7FE-F4BD-B04E-B7A6-D7F5C1E9EA4A}"/>
               </a:ext>
             </a:extLst>
           </p:cNvPr>
@@ -5238,7 +5449,7 @@
           <a:p>
             <a:r>
               <a:rPr lang="en-US" dirty="0"/>
-              <a:t>Challenge 4: Replication and Experiment</a:t>
+              <a:t>Challenge 3: Inter-Model Comparison</a:t>
             </a:r>
           </a:p>
         </p:txBody>
@@ -5248,7 +5459,7 @@
           <p:cNvPr id="3" name="Content Placeholder 2">
             <a:extLst>
               <a:ext uri="{FF2B5EF4-FFF2-40B4-BE49-F238E27FC236}">
-                <a16:creationId xmlns:a16="http://schemas.microsoft.com/office/drawing/2014/main" id="{83DA8F08-DC9A-304D-AE0A-C05695F5A84F}"/>
+                <a16:creationId xmlns:a16="http://schemas.microsoft.com/office/drawing/2014/main" id="{6DC959BD-EA91-A149-8973-1F3ACD4A5558}"/>
               </a:ext>
             </a:extLst>
           </p:cNvPr>
@@ -5271,7 +5482,7 @@
     </p:spTree>
     <p:extLst>
       <p:ext uri="{BB962C8B-B14F-4D97-AF65-F5344CB8AC3E}">
-        <p14:creationId xmlns:p14="http://schemas.microsoft.com/office/powerpoint/2010/main" val="3118295533"/>
+        <p14:creationId xmlns:p14="http://schemas.microsoft.com/office/powerpoint/2010/main" val="2230728231"/>
       </p:ext>
     </p:extLst>
   </p:cSld>
@@ -5303,7 +5514,7 @@
           <p:cNvPr id="2" name="Title 1">
             <a:extLst>
               <a:ext uri="{FF2B5EF4-FFF2-40B4-BE49-F238E27FC236}">
-                <a16:creationId xmlns:a16="http://schemas.microsoft.com/office/drawing/2014/main" id="{C53759BB-3D47-0D44-8279-137EE8026D39}"/>
+                <a16:creationId xmlns:a16="http://schemas.microsoft.com/office/drawing/2014/main" id="{D2D220DD-C411-F140-89DF-6632685CBD8E}"/>
               </a:ext>
             </a:extLst>
           </p:cNvPr>
@@ -5321,7 +5532,7 @@
           <a:p>
             <a:r>
               <a:rPr lang="en-US" dirty="0"/>
-              <a:t>Challenge 5: Verification and Validation</a:t>
+              <a:t>Challenge 4: Replication and Experiment</a:t>
             </a:r>
           </a:p>
         </p:txBody>
@@ -5331,7 +5542,7 @@
           <p:cNvPr id="3" name="Content Placeholder 2">
             <a:extLst>
               <a:ext uri="{FF2B5EF4-FFF2-40B4-BE49-F238E27FC236}">
-                <a16:creationId xmlns:a16="http://schemas.microsoft.com/office/drawing/2014/main" id="{62DF76BC-17E6-7E44-A8FC-2268DEC436A0}"/>
+                <a16:creationId xmlns:a16="http://schemas.microsoft.com/office/drawing/2014/main" id="{83DA8F08-DC9A-304D-AE0A-C05695F5A84F}"/>
               </a:ext>
             </a:extLst>
           </p:cNvPr>
@@ -5354,7 +5565,7 @@
     </p:spTree>
     <p:extLst>
       <p:ext uri="{BB962C8B-B14F-4D97-AF65-F5344CB8AC3E}">
-        <p14:creationId xmlns:p14="http://schemas.microsoft.com/office/powerpoint/2010/main" val="807176408"/>
+        <p14:creationId xmlns:p14="http://schemas.microsoft.com/office/powerpoint/2010/main" val="3118295533"/>
       </p:ext>
     </p:extLst>
   </p:cSld>
@@ -5386,7 +5597,7 @@
           <p:cNvPr id="2" name="Title 1">
             <a:extLst>
               <a:ext uri="{FF2B5EF4-FFF2-40B4-BE49-F238E27FC236}">
-                <a16:creationId xmlns:a16="http://schemas.microsoft.com/office/drawing/2014/main" id="{D1562695-3F3B-084A-BEFB-81D4B7E6A29C}"/>
+                <a16:creationId xmlns:a16="http://schemas.microsoft.com/office/drawing/2014/main" id="{C53759BB-3D47-0D44-8279-137EE8026D39}"/>
               </a:ext>
             </a:extLst>
           </p:cNvPr>
@@ -5404,7 +5615,7 @@
           <a:p>
             <a:r>
               <a:rPr lang="en-US" dirty="0"/>
-              <a:t>Challenge 6: Agent Representation, Aggregation and Dynamics</a:t>
+              <a:t>Challenge 5: Verification and Validation</a:t>
             </a:r>
           </a:p>
         </p:txBody>
@@ -5414,7 +5625,7 @@
           <p:cNvPr id="3" name="Content Placeholder 2">
             <a:extLst>
               <a:ext uri="{FF2B5EF4-FFF2-40B4-BE49-F238E27FC236}">
-                <a16:creationId xmlns:a16="http://schemas.microsoft.com/office/drawing/2014/main" id="{84B62F28-25C8-9440-B9E3-944006533BE2}"/>
+                <a16:creationId xmlns:a16="http://schemas.microsoft.com/office/drawing/2014/main" id="{62DF76BC-17E6-7E44-A8FC-2268DEC436A0}"/>
               </a:ext>
             </a:extLst>
           </p:cNvPr>
@@ -5437,7 +5648,7 @@
     </p:spTree>
     <p:extLst>
       <p:ext uri="{BB962C8B-B14F-4D97-AF65-F5344CB8AC3E}">
-        <p14:creationId xmlns:p14="http://schemas.microsoft.com/office/powerpoint/2010/main" val="403637077"/>
+        <p14:creationId xmlns:p14="http://schemas.microsoft.com/office/powerpoint/2010/main" val="807176408"/>
       </p:ext>
     </p:extLst>
   </p:cSld>

--- a/Chapter12-SummaryAndOutlook/Chapter12.pptx
+++ b/Chapter12-SummaryAndOutlook/Chapter12.pptx
@@ -5,7 +5,7 @@
     <p:sldMasterId id="2147483648" r:id="rId1"/>
   </p:sldMasterIdLst>
   <p:notesMasterIdLst>
-    <p:notesMasterId r:id="rId22"/>
+    <p:notesMasterId r:id="rId24"/>
   </p:notesMasterIdLst>
   <p:sldIdLst>
     <p:sldId id="256" r:id="rId2"/>
@@ -28,6 +28,8 @@
     <p:sldId id="272" r:id="rId19"/>
     <p:sldId id="273" r:id="rId20"/>
     <p:sldId id="274" r:id="rId21"/>
+    <p:sldId id="278" r:id="rId22"/>
+    <p:sldId id="286" r:id="rId23"/>
   </p:sldIdLst>
   <p:sldSz cx="12192000" cy="6858000"/>
   <p:notesSz cx="6858000" cy="9144000"/>
@@ -216,7 +218,7 @@
           <a:p>
             <a:fld id="{BAB81967-2BF6-464C-8467-CAF335A27FF0}" type="datetimeFigureOut">
               <a:rPr lang="en-US" smtClean="0"/>
-              <a:t>11/6/18</a:t>
+              <a:t>11/29/18</a:t>
             </a:fld>
             <a:endParaRPr lang="en-US"/>
           </a:p>
@@ -570,6 +572,90 @@
 </p:notes>
 </file>
 
+<file path=ppt/notesSlides/notesSlide2.xml><?xml version="1.0" encoding="utf-8"?>
+<p:notes xmlns:a="http://schemas.openxmlformats.org/drawingml/2006/main" xmlns:r="http://schemas.openxmlformats.org/officeDocument/2006/relationships" xmlns:p="http://schemas.openxmlformats.org/presentationml/2006/main">
+  <p:cSld>
+    <p:spTree>
+      <p:nvGrpSpPr>
+        <p:cNvPr id="1" name=""/>
+        <p:cNvGrpSpPr/>
+        <p:nvPr/>
+      </p:nvGrpSpPr>
+      <p:grpSpPr>
+        <a:xfrm>
+          <a:off x="0" y="0"/>
+          <a:ext cx="0" cy="0"/>
+          <a:chOff x="0" y="0"/>
+          <a:chExt cx="0" cy="0"/>
+        </a:xfrm>
+      </p:grpSpPr>
+      <p:sp>
+        <p:nvSpPr>
+          <p:cNvPr id="2" name="Slide Image Placeholder 1"/>
+          <p:cNvSpPr>
+            <a:spLocks noGrp="1" noRot="1" noChangeAspect="1"/>
+          </p:cNvSpPr>
+          <p:nvPr>
+            <p:ph type="sldImg"/>
+          </p:nvPr>
+        </p:nvSpPr>
+        <p:spPr/>
+      </p:sp>
+      <p:sp>
+        <p:nvSpPr>
+          <p:cNvPr id="3" name="Notes Placeholder 2"/>
+          <p:cNvSpPr>
+            <a:spLocks noGrp="1"/>
+          </p:cNvSpPr>
+          <p:nvPr>
+            <p:ph type="body" idx="1"/>
+          </p:nvPr>
+        </p:nvSpPr>
+        <p:spPr/>
+        <p:txBody>
+          <a:bodyPr/>
+          <a:lstStyle/>
+          <a:p>
+            <a:endParaRPr lang="en-US" dirty="0"/>
+          </a:p>
+        </p:txBody>
+      </p:sp>
+      <p:sp>
+        <p:nvSpPr>
+          <p:cNvPr id="4" name="Slide Number Placeholder 3"/>
+          <p:cNvSpPr>
+            <a:spLocks noGrp="1"/>
+          </p:cNvSpPr>
+          <p:nvPr>
+            <p:ph type="sldNum" sz="quarter" idx="5"/>
+          </p:nvPr>
+        </p:nvSpPr>
+        <p:spPr/>
+        <p:txBody>
+          <a:bodyPr/>
+          <a:lstStyle/>
+          <a:p>
+            <a:fld id="{A5E3B634-187A-714A-9D7D-FC23E693A20E}" type="slidenum">
+              <a:rPr lang="en-US" smtClean="0"/>
+              <a:t>21</a:t>
+            </a:fld>
+            <a:endParaRPr lang="en-US"/>
+          </a:p>
+        </p:txBody>
+      </p:sp>
+    </p:spTree>
+    <p:extLst>
+      <p:ext uri="{BB962C8B-B14F-4D97-AF65-F5344CB8AC3E}">
+        <p14:creationId xmlns:p14="http://schemas.microsoft.com/office/powerpoint/2010/main" val="1319969137"/>
+      </p:ext>
+    </p:extLst>
+  </p:cSld>
+  <p:clrMapOvr>
+    <a:masterClrMapping/>
+  </p:clrMapOvr>
+</p:notes>
+</file>
+
 <file path=ppt/slideLayouts/slideLayout1.xml><?xml version="1.0" encoding="utf-8"?>
 <p:sldLayout xmlns:a="http://schemas.openxmlformats.org/drawingml/2006/main" xmlns:r="http://schemas.openxmlformats.org/officeDocument/2006/relationships" xmlns:p="http://schemas.openxmlformats.org/presentationml/2006/main" type="title" preserve="1">
   <p:cSld name="Title Slide">
@@ -717,7 +803,7 @@
           <a:p>
             <a:fld id="{53326AB7-C146-8643-AC32-1D896C71A7F3}" type="datetimeFigureOut">
               <a:rPr lang="en-US" smtClean="0"/>
-              <a:t>11/6/18</a:t>
+              <a:t>11/29/18</a:t>
             </a:fld>
             <a:endParaRPr lang="en-US"/>
           </a:p>
@@ -915,7 +1001,7 @@
           <a:p>
             <a:fld id="{53326AB7-C146-8643-AC32-1D896C71A7F3}" type="datetimeFigureOut">
               <a:rPr lang="en-US" smtClean="0"/>
-              <a:t>11/6/18</a:t>
+              <a:t>11/29/18</a:t>
             </a:fld>
             <a:endParaRPr lang="en-US"/>
           </a:p>
@@ -1123,7 +1209,7 @@
           <a:p>
             <a:fld id="{53326AB7-C146-8643-AC32-1D896C71A7F3}" type="datetimeFigureOut">
               <a:rPr lang="en-US" smtClean="0"/>
-              <a:t>11/6/18</a:t>
+              <a:t>11/29/18</a:t>
             </a:fld>
             <a:endParaRPr lang="en-US"/>
           </a:p>
@@ -1321,7 +1407,7 @@
           <a:p>
             <a:fld id="{53326AB7-C146-8643-AC32-1D896C71A7F3}" type="datetimeFigureOut">
               <a:rPr lang="en-US" smtClean="0"/>
-              <a:t>11/6/18</a:t>
+              <a:t>11/29/18</a:t>
             </a:fld>
             <a:endParaRPr lang="en-US"/>
           </a:p>
@@ -1596,7 +1682,7 @@
           <a:p>
             <a:fld id="{53326AB7-C146-8643-AC32-1D896C71A7F3}" type="datetimeFigureOut">
               <a:rPr lang="en-US" smtClean="0"/>
-              <a:t>11/6/18</a:t>
+              <a:t>11/29/18</a:t>
             </a:fld>
             <a:endParaRPr lang="en-US"/>
           </a:p>
@@ -1861,7 +1947,7 @@
           <a:p>
             <a:fld id="{53326AB7-C146-8643-AC32-1D896C71A7F3}" type="datetimeFigureOut">
               <a:rPr lang="en-US" smtClean="0"/>
-              <a:t>11/6/18</a:t>
+              <a:t>11/29/18</a:t>
             </a:fld>
             <a:endParaRPr lang="en-US"/>
           </a:p>
@@ -2273,7 +2359,7 @@
           <a:p>
             <a:fld id="{53326AB7-C146-8643-AC32-1D896C71A7F3}" type="datetimeFigureOut">
               <a:rPr lang="en-US" smtClean="0"/>
-              <a:t>11/6/18</a:t>
+              <a:t>11/29/18</a:t>
             </a:fld>
             <a:endParaRPr lang="en-US"/>
           </a:p>
@@ -2414,7 +2500,7 @@
           <a:p>
             <a:fld id="{53326AB7-C146-8643-AC32-1D896C71A7F3}" type="datetimeFigureOut">
               <a:rPr lang="en-US" smtClean="0"/>
-              <a:t>11/6/18</a:t>
+              <a:t>11/29/18</a:t>
             </a:fld>
             <a:endParaRPr lang="en-US"/>
           </a:p>
@@ -2527,7 +2613,7 @@
           <a:p>
             <a:fld id="{53326AB7-C146-8643-AC32-1D896C71A7F3}" type="datetimeFigureOut">
               <a:rPr lang="en-US" smtClean="0"/>
-              <a:t>11/6/18</a:t>
+              <a:t>11/29/18</a:t>
             </a:fld>
             <a:endParaRPr lang="en-US"/>
           </a:p>
@@ -2838,7 +2924,7 @@
           <a:p>
             <a:fld id="{53326AB7-C146-8643-AC32-1D896C71A7F3}" type="datetimeFigureOut">
               <a:rPr lang="en-US" smtClean="0"/>
-              <a:t>11/6/18</a:t>
+              <a:t>11/29/18</a:t>
             </a:fld>
             <a:endParaRPr lang="en-US"/>
           </a:p>
@@ -3126,7 +3212,7 @@
           <a:p>
             <a:fld id="{53326AB7-C146-8643-AC32-1D896C71A7F3}" type="datetimeFigureOut">
               <a:rPr lang="en-US" smtClean="0"/>
-              <a:t>11/6/18</a:t>
+              <a:t>11/29/18</a:t>
             </a:fld>
             <a:endParaRPr lang="en-US"/>
           </a:p>
@@ -3367,7 +3453,7 @@
           <a:p>
             <a:fld id="{53326AB7-C146-8643-AC32-1D896C71A7F3}" type="datetimeFigureOut">
               <a:rPr lang="en-US" smtClean="0"/>
-              <a:t>11/6/18</a:t>
+              <a:t>11/29/18</a:t>
             </a:fld>
             <a:endParaRPr lang="en-US"/>
           </a:p>
@@ -4972,6 +5058,325 @@
     <p:extLst>
       <p:ext uri="{BB962C8B-B14F-4D97-AF65-F5344CB8AC3E}">
         <p14:creationId xmlns:p14="http://schemas.microsoft.com/office/powerpoint/2010/main" val="715580124"/>
+      </p:ext>
+    </p:extLst>
+  </p:cSld>
+  <p:clrMapOvr>
+    <a:masterClrMapping/>
+  </p:clrMapOvr>
+</p:sld>
+</file>
+
+<file path=ppt/slides/slide21.xml><?xml version="1.0" encoding="utf-8"?>
+<p:sld xmlns:a="http://schemas.openxmlformats.org/drawingml/2006/main" xmlns:r="http://schemas.openxmlformats.org/officeDocument/2006/relationships" xmlns:p="http://schemas.openxmlformats.org/presentationml/2006/main">
+  <p:cSld>
+    <p:spTree>
+      <p:nvGrpSpPr>
+        <p:cNvPr id="1" name=""/>
+        <p:cNvGrpSpPr/>
+        <p:nvPr/>
+      </p:nvGrpSpPr>
+      <p:grpSpPr>
+        <a:xfrm>
+          <a:off x="0" y="0"/>
+          <a:ext cx="0" cy="0"/>
+          <a:chOff x="0" y="0"/>
+          <a:chExt cx="0" cy="0"/>
+        </a:xfrm>
+      </p:grpSpPr>
+      <p:sp>
+        <p:nvSpPr>
+          <p:cNvPr id="2" name="Title 1">
+            <a:extLst>
+              <a:ext uri="{FF2B5EF4-FFF2-40B4-BE49-F238E27FC236}">
+                <a16:creationId xmlns:a16="http://schemas.microsoft.com/office/drawing/2014/main" id="{4B2C1829-4EA1-1244-8508-CE1A389E5469}"/>
+              </a:ext>
+            </a:extLst>
+          </p:cNvPr>
+          <p:cNvSpPr>
+            <a:spLocks noGrp="1"/>
+          </p:cNvSpPr>
+          <p:nvPr>
+            <p:ph type="title"/>
+          </p:nvPr>
+        </p:nvSpPr>
+        <p:spPr/>
+        <p:txBody>
+          <a:bodyPr/>
+          <a:lstStyle/>
+          <a:p>
+            <a:r>
+              <a:rPr lang="en-US" dirty="0"/>
+              <a:t>Summary</a:t>
+            </a:r>
+          </a:p>
+        </p:txBody>
+      </p:sp>
+      <p:sp>
+        <p:nvSpPr>
+          <p:cNvPr id="3" name="Content Placeholder 2">
+            <a:extLst>
+              <a:ext uri="{FF2B5EF4-FFF2-40B4-BE49-F238E27FC236}">
+                <a16:creationId xmlns:a16="http://schemas.microsoft.com/office/drawing/2014/main" id="{F10B2661-613E-4D49-8D8F-08C27398FC24}"/>
+              </a:ext>
+            </a:extLst>
+          </p:cNvPr>
+          <p:cNvSpPr>
+            <a:spLocks noGrp="1"/>
+          </p:cNvSpPr>
+          <p:nvPr>
+            <p:ph idx="1"/>
+          </p:nvPr>
+        </p:nvSpPr>
+        <p:spPr/>
+        <p:txBody>
+          <a:bodyPr>
+            <a:normAutofit/>
+          </a:bodyPr>
+          <a:lstStyle/>
+          <a:p>
+            <a:endParaRPr lang="en-US" dirty="0"/>
+          </a:p>
+        </p:txBody>
+      </p:sp>
+    </p:spTree>
+    <p:extLst>
+      <p:ext uri="{BB962C8B-B14F-4D97-AF65-F5344CB8AC3E}">
+        <p14:creationId xmlns:p14="http://schemas.microsoft.com/office/powerpoint/2010/main" val="3803264601"/>
+      </p:ext>
+    </p:extLst>
+  </p:cSld>
+  <p:clrMapOvr>
+    <a:masterClrMapping/>
+  </p:clrMapOvr>
+</p:sld>
+</file>
+
+<file path=ppt/slides/slide22.xml><?xml version="1.0" encoding="utf-8"?>
+<p:sld xmlns:a="http://schemas.openxmlformats.org/drawingml/2006/main" xmlns:r="http://schemas.openxmlformats.org/officeDocument/2006/relationships" xmlns:p="http://schemas.openxmlformats.org/presentationml/2006/main">
+  <p:cSld>
+    <p:bg>
+      <p:bgPr>
+        <a:solidFill>
+          <a:schemeClr val="bg1"/>
+        </a:solidFill>
+        <a:effectLst/>
+      </p:bgPr>
+    </p:bg>
+    <p:spTree>
+      <p:nvGrpSpPr>
+        <p:cNvPr id="1" name=""/>
+        <p:cNvGrpSpPr/>
+        <p:nvPr/>
+      </p:nvGrpSpPr>
+      <p:grpSpPr>
+        <a:xfrm>
+          <a:off x="0" y="0"/>
+          <a:ext cx="0" cy="0"/>
+          <a:chOff x="0" y="0"/>
+          <a:chExt cx="0" cy="0"/>
+        </a:xfrm>
+      </p:grpSpPr>
+      <p:sp>
+        <p:nvSpPr>
+          <p:cNvPr id="9" name="Rectangle 8">
+            <a:extLst>
+              <a:ext uri="{FF2B5EF4-FFF2-40B4-BE49-F238E27FC236}">
+                <a16:creationId xmlns:a16="http://schemas.microsoft.com/office/drawing/2014/main" id="{867D4867-5BA7-4462-B2F6-A23F4A622AA7}"/>
+              </a:ext>
+              <a:ext uri="{C183D7F6-B498-43B3-948B-1728B52AA6E4}">
+                <adec:decorative xmlns:adec="http://schemas.microsoft.com/office/drawing/2017/decorative" val="1"/>
+              </a:ext>
+            </a:extLst>
+          </p:cNvPr>
+          <p:cNvSpPr>
+            <a:spLocks noGrp="1" noRot="1" noChangeAspect="1" noMove="1" noResize="1" noEditPoints="1" noAdjustHandles="1" noChangeArrowheads="1" noChangeShapeType="1" noTextEdit="1"/>
+          </p:cNvSpPr>
+          <p:nvPr>
+            <p:extLst>
+              <p:ext uri="{386F3935-93C4-4BCD-93E2-E3B085C9AB24}">
+                <p16:designElem xmlns:p16="http://schemas.microsoft.com/office/powerpoint/2015/main" val="1"/>
+              </p:ext>
+            </p:extLst>
+          </p:nvPr>
+        </p:nvSpPr>
+        <p:spPr>
+          <a:xfrm>
+            <a:off x="0" y="0"/>
+            <a:ext cx="4654296" cy="6858000"/>
+          </a:xfrm>
+          <a:prstGeom prst="rect">
+            <a:avLst/>
+          </a:prstGeom>
+          <a:solidFill>
+            <a:schemeClr val="tx1">
+              <a:lumMod val="75000"/>
+              <a:lumOff val="25000"/>
+            </a:schemeClr>
+          </a:solidFill>
+          <a:ln>
+            <a:noFill/>
+          </a:ln>
+        </p:spPr>
+        <p:style>
+          <a:lnRef idx="0">
+            <a:scrgbClr r="0" g="0" b="0"/>
+          </a:lnRef>
+          <a:fillRef idx="0">
+            <a:scrgbClr r="0" g="0" b="0"/>
+          </a:fillRef>
+          <a:effectRef idx="0">
+            <a:scrgbClr r="0" g="0" b="0"/>
+          </a:effectRef>
+          <a:fontRef idx="minor">
+            <a:schemeClr val="lt1"/>
+          </a:fontRef>
+        </p:style>
+        <p:txBody>
+          <a:bodyPr rtlCol="0" anchor="ctr"/>
+          <a:lstStyle/>
+          <a:p>
+            <a:pPr algn="ctr"/>
+            <a:endParaRPr lang="en-US"/>
+          </a:p>
+        </p:txBody>
+      </p:sp>
+      <p:sp>
+        <p:nvSpPr>
+          <p:cNvPr id="2" name="Title 1">
+            <a:extLst>
+              <a:ext uri="{FF2B5EF4-FFF2-40B4-BE49-F238E27FC236}">
+                <a16:creationId xmlns:a16="http://schemas.microsoft.com/office/drawing/2014/main" id="{6FB411BA-7B56-9242-BB6B-03E64189DAED}"/>
+              </a:ext>
+            </a:extLst>
+          </p:cNvPr>
+          <p:cNvSpPr>
+            <a:spLocks noGrp="1"/>
+          </p:cNvSpPr>
+          <p:nvPr>
+            <p:ph type="title"/>
+          </p:nvPr>
+        </p:nvSpPr>
+        <p:spPr>
+          <a:xfrm>
+            <a:off x="469543" y="643467"/>
+            <a:ext cx="3363974" cy="1597315"/>
+          </a:xfrm>
+          <a:noFill/>
+          <a:ln w="19050">
+            <a:solidFill>
+              <a:schemeClr val="bg1"/>
+            </a:solidFill>
+          </a:ln>
+        </p:spPr>
+        <p:txBody>
+          <a:bodyPr wrap="square">
+            <a:normAutofit/>
+          </a:bodyPr>
+          <a:lstStyle/>
+          <a:p>
+            <a:pPr algn="ctr"/>
+            <a:r>
+              <a:rPr lang="en-US" sz="2800" dirty="0">
+                <a:solidFill>
+                  <a:schemeClr val="bg1"/>
+                </a:solidFill>
+              </a:rPr>
+              <a:t>Online Resources</a:t>
+            </a:r>
+          </a:p>
+        </p:txBody>
+      </p:sp>
+      <p:sp>
+        <p:nvSpPr>
+          <p:cNvPr id="6" name="Content Placeholder 9">
+            <a:extLst>
+              <a:ext uri="{FF2B5EF4-FFF2-40B4-BE49-F238E27FC236}">
+                <a16:creationId xmlns:a16="http://schemas.microsoft.com/office/drawing/2014/main" id="{122548EE-5ACD-594D-8280-E7315D7FB374}"/>
+              </a:ext>
+            </a:extLst>
+          </p:cNvPr>
+          <p:cNvSpPr>
+            <a:spLocks noGrp="1"/>
+          </p:cNvSpPr>
+          <p:nvPr>
+            <p:ph idx="1"/>
+          </p:nvPr>
+        </p:nvSpPr>
+        <p:spPr>
+          <a:xfrm>
+            <a:off x="245902" y="2638044"/>
+            <a:ext cx="3363974" cy="3415622"/>
+          </a:xfrm>
+        </p:spPr>
+        <p:txBody>
+          <a:bodyPr>
+            <a:normAutofit/>
+          </a:bodyPr>
+          <a:lstStyle/>
+          <a:p>
+            <a:r>
+              <a:rPr lang="en-US" sz="2000" dirty="0">
+                <a:solidFill>
+                  <a:schemeClr val="bg1"/>
+                </a:solidFill>
+              </a:rPr>
+              <a:t>Visit: </a:t>
+            </a:r>
+            <a:r>
+              <a:rPr lang="en-US" sz="2000" dirty="0">
+                <a:solidFill>
+                  <a:schemeClr val="bg1"/>
+                </a:solidFill>
+                <a:hlinkClick r:id="rId2"/>
+              </a:rPr>
+              <a:t>https://github.com/abmgis/abmgis/tree/master/Chapter12-SummaryAndOutlook</a:t>
+            </a:r>
+            <a:r>
+              <a:rPr lang="en-US" sz="2000" dirty="0">
+                <a:solidFill>
+                  <a:schemeClr val="bg1"/>
+                </a:solidFill>
+              </a:rPr>
+              <a:t> for a selection of models to highlight core concepts introduced in this chapter </a:t>
+            </a:r>
+          </a:p>
+        </p:txBody>
+      </p:sp>
+      <p:pic>
+        <p:nvPicPr>
+          <p:cNvPr id="7" name="Content Placeholder 4">
+            <a:extLst>
+              <a:ext uri="{FF2B5EF4-FFF2-40B4-BE49-F238E27FC236}">
+                <a16:creationId xmlns:a16="http://schemas.microsoft.com/office/drawing/2014/main" id="{96D375A7-91AE-614C-AF1D-1D3A7037622D}"/>
+              </a:ext>
+            </a:extLst>
+          </p:cNvPr>
+          <p:cNvPicPr>
+            <a:picLocks noChangeAspect="1"/>
+          </p:cNvPicPr>
+          <p:nvPr/>
+        </p:nvPicPr>
+        <p:blipFill>
+          <a:blip r:embed="rId3"/>
+          <a:stretch>
+            <a:fillRect/>
+          </a:stretch>
+        </p:blipFill>
+        <p:spPr>
+          <a:xfrm>
+            <a:off x="4303059" y="-28685"/>
+            <a:ext cx="8247529" cy="6886685"/>
+          </a:xfrm>
+          <a:prstGeom prst="rect">
+            <a:avLst/>
+          </a:prstGeom>
+        </p:spPr>
+      </p:pic>
+    </p:spTree>
+    <p:extLst>
+      <p:ext uri="{BB962C8B-B14F-4D97-AF65-F5344CB8AC3E}">
+        <p14:creationId xmlns:p14="http://schemas.microsoft.com/office/powerpoint/2010/main" val="2190419259"/>
       </p:ext>
     </p:extLst>
   </p:cSld>

--- a/Chapter12-SummaryAndOutlook/Chapter12.pptx
+++ b/Chapter12-SummaryAndOutlook/Chapter12.pptx
@@ -635,6 +635,317 @@
           <a:bodyPr/>
           <a:lstStyle/>
           <a:p>
+            <a:fld id="{6830BF4D-E4EB-C347-9F92-6FA2DBDD4CE5}" type="slidenum">
+              <a:rPr lang="en-US" smtClean="0"/>
+              <a:t>3</a:t>
+            </a:fld>
+            <a:endParaRPr lang="en-US"/>
+          </a:p>
+        </p:txBody>
+      </p:sp>
+    </p:spTree>
+    <p:extLst>
+      <p:ext uri="{BB962C8B-B14F-4D97-AF65-F5344CB8AC3E}">
+        <p14:creationId xmlns:p14="http://schemas.microsoft.com/office/powerpoint/2010/main" val="2043770558"/>
+      </p:ext>
+    </p:extLst>
+  </p:cSld>
+  <p:clrMapOvr>
+    <a:masterClrMapping/>
+  </p:clrMapOvr>
+</p:notes>
+</file>
+
+<file path=ppt/notesSlides/notesSlide3.xml><?xml version="1.0" encoding="utf-8"?>
+<p:notes xmlns:a="http://schemas.openxmlformats.org/drawingml/2006/main" xmlns:r="http://schemas.openxmlformats.org/officeDocument/2006/relationships" xmlns:p="http://schemas.openxmlformats.org/presentationml/2006/main">
+  <p:cSld>
+    <p:spTree>
+      <p:nvGrpSpPr>
+        <p:cNvPr id="1" name=""/>
+        <p:cNvGrpSpPr/>
+        <p:nvPr/>
+      </p:nvGrpSpPr>
+      <p:grpSpPr>
+        <a:xfrm>
+          <a:off x="0" y="0"/>
+          <a:ext cx="0" cy="0"/>
+          <a:chOff x="0" y="0"/>
+          <a:chExt cx="0" cy="0"/>
+        </a:xfrm>
+      </p:grpSpPr>
+      <p:sp>
+        <p:nvSpPr>
+          <p:cNvPr id="2" name="Slide Image Placeholder 1"/>
+          <p:cNvSpPr>
+            <a:spLocks noGrp="1" noRot="1" noChangeAspect="1"/>
+          </p:cNvSpPr>
+          <p:nvPr>
+            <p:ph type="sldImg"/>
+          </p:nvPr>
+        </p:nvSpPr>
+        <p:spPr/>
+      </p:sp>
+      <p:sp>
+        <p:nvSpPr>
+          <p:cNvPr id="3" name="Notes Placeholder 2"/>
+          <p:cNvSpPr>
+            <a:spLocks noGrp="1"/>
+          </p:cNvSpPr>
+          <p:nvPr>
+            <p:ph type="body" idx="1"/>
+          </p:nvPr>
+        </p:nvSpPr>
+        <p:spPr/>
+        <p:txBody>
+          <a:bodyPr/>
+          <a:lstStyle/>
+          <a:p>
+            <a:r>
+              <a:rPr lang="en-US" sz="1200" kern="1200" dirty="0">
+                <a:solidFill>
+                  <a:schemeClr val="tx1"/>
+                </a:solidFill>
+                <a:effectLst/>
+                <a:latin typeface="+mn-lt"/>
+                <a:ea typeface="+mn-ea"/>
+                <a:cs typeface="+mn-cs"/>
+              </a:rPr>
+              <a:t>This representation</a:t>
+            </a:r>
+          </a:p>
+          <a:p>
+            <a:r>
+              <a:rPr lang="en-US" sz="1200" kern="1200" dirty="0">
+                <a:solidFill>
+                  <a:schemeClr val="tx1"/>
+                </a:solidFill>
+                <a:effectLst/>
+                <a:latin typeface="+mn-lt"/>
+                <a:ea typeface="+mn-ea"/>
+                <a:cs typeface="+mn-cs"/>
+              </a:rPr>
+              <a:t>also raises questions about what are the most appropriate methods for agents to</a:t>
+            </a:r>
+          </a:p>
+          <a:p>
+            <a:r>
+              <a:rPr lang="en-US" sz="1200" kern="1200" dirty="0">
+                <a:solidFill>
+                  <a:schemeClr val="tx1"/>
+                </a:solidFill>
+                <a:effectLst/>
+                <a:latin typeface="+mn-lt"/>
+                <a:ea typeface="+mn-ea"/>
+                <a:cs typeface="+mn-cs"/>
+              </a:rPr>
+              <a:t>communicate with each other (i.e. via Moore or von Neumann </a:t>
+            </a:r>
+            <a:r>
+              <a:rPr lang="en-US" sz="1200" kern="1200" dirty="0" err="1">
+                <a:solidFill>
+                  <a:schemeClr val="tx1"/>
+                </a:solidFill>
+                <a:effectLst/>
+                <a:latin typeface="+mn-lt"/>
+                <a:ea typeface="+mn-ea"/>
+                <a:cs typeface="+mn-cs"/>
+              </a:rPr>
+              <a:t>neighbourhoods</a:t>
+            </a:r>
+            <a:endParaRPr lang="en-US" sz="1200" kern="1200" dirty="0">
+              <a:solidFill>
+                <a:schemeClr val="tx1"/>
+              </a:solidFill>
+              <a:effectLst/>
+              <a:latin typeface="+mn-lt"/>
+              <a:ea typeface="+mn-ea"/>
+              <a:cs typeface="+mn-cs"/>
+            </a:endParaRPr>
+          </a:p>
+          <a:p>
+            <a:r>
+              <a:rPr lang="en-US" sz="1200" kern="1200" dirty="0">
+                <a:solidFill>
+                  <a:schemeClr val="tx1"/>
+                </a:solidFill>
+                <a:effectLst/>
+                <a:latin typeface="+mn-lt"/>
+                <a:ea typeface="+mn-ea"/>
+                <a:cs typeface="+mn-cs"/>
+              </a:rPr>
+              <a:t>or social networks). These questions are not new (see, for example, Cioffi-Revilla,</a:t>
+            </a:r>
+          </a:p>
+          <a:p>
+            <a:r>
+              <a:rPr lang="en-US" sz="1200" kern="1200" dirty="0">
+                <a:solidFill>
+                  <a:schemeClr val="tx1"/>
+                </a:solidFill>
+                <a:effectLst/>
+                <a:latin typeface="+mn-lt"/>
+                <a:ea typeface="+mn-ea"/>
+                <a:cs typeface="+mn-cs"/>
+              </a:rPr>
+              <a:t>2002) but we would like to see </a:t>
+            </a:r>
+            <a:r>
+              <a:rPr lang="en-US" sz="1200" kern="1200" dirty="0" err="1">
+                <a:solidFill>
+                  <a:schemeClr val="tx1"/>
+                </a:solidFill>
+                <a:effectLst/>
+                <a:latin typeface="+mn-lt"/>
+                <a:ea typeface="+mn-ea"/>
+                <a:cs typeface="+mn-cs"/>
+              </a:rPr>
+              <a:t>modellers</a:t>
+            </a:r>
+            <a:r>
+              <a:rPr lang="en-US" sz="1200" kern="1200" dirty="0">
+                <a:solidFill>
+                  <a:schemeClr val="tx1"/>
+                </a:solidFill>
+                <a:effectLst/>
+                <a:latin typeface="+mn-lt"/>
+                <a:ea typeface="+mn-ea"/>
+                <a:cs typeface="+mn-cs"/>
+              </a:rPr>
+              <a:t> be more explicit with respect to their</a:t>
+            </a:r>
+          </a:p>
+          <a:p>
+            <a:r>
+              <a:rPr lang="en-US" sz="1200" kern="1200" dirty="0">
+                <a:solidFill>
+                  <a:schemeClr val="tx1"/>
+                </a:solidFill>
+                <a:effectLst/>
+                <a:latin typeface="+mn-lt"/>
+                <a:ea typeface="+mn-ea"/>
+                <a:cs typeface="+mn-cs"/>
+              </a:rPr>
+              <a:t>agent representations, why they chose specific spatial and temporal scales, and what</a:t>
+            </a:r>
+          </a:p>
+          <a:p>
+            <a:r>
+              <a:rPr lang="en-US" sz="1200" kern="1200" dirty="0">
+                <a:solidFill>
+                  <a:schemeClr val="tx1"/>
+                </a:solidFill>
+                <a:effectLst/>
+                <a:latin typeface="+mn-lt"/>
+                <a:ea typeface="+mn-ea"/>
+                <a:cs typeface="+mn-cs"/>
+              </a:rPr>
+              <a:t>data exists to support their assumptions and validate their outcomes.</a:t>
+            </a:r>
+          </a:p>
+          <a:p>
+            <a:endParaRPr lang="en-US" dirty="0"/>
+          </a:p>
+        </p:txBody>
+      </p:sp>
+      <p:sp>
+        <p:nvSpPr>
+          <p:cNvPr id="4" name="Slide Number Placeholder 3"/>
+          <p:cNvSpPr>
+            <a:spLocks noGrp="1"/>
+          </p:cNvSpPr>
+          <p:nvPr>
+            <p:ph type="sldNum" sz="quarter" idx="5"/>
+          </p:nvPr>
+        </p:nvSpPr>
+        <p:spPr/>
+        <p:txBody>
+          <a:bodyPr/>
+          <a:lstStyle/>
+          <a:p>
+            <a:fld id="{6830BF4D-E4EB-C347-9F92-6FA2DBDD4CE5}" type="slidenum">
+              <a:rPr lang="en-US" smtClean="0"/>
+              <a:t>10</a:t>
+            </a:fld>
+            <a:endParaRPr lang="en-US"/>
+          </a:p>
+        </p:txBody>
+      </p:sp>
+    </p:spTree>
+    <p:extLst>
+      <p:ext uri="{BB962C8B-B14F-4D97-AF65-F5344CB8AC3E}">
+        <p14:creationId xmlns:p14="http://schemas.microsoft.com/office/powerpoint/2010/main" val="1205226880"/>
+      </p:ext>
+    </p:extLst>
+  </p:cSld>
+  <p:clrMapOvr>
+    <a:masterClrMapping/>
+  </p:clrMapOvr>
+</p:notes>
+</file>
+
+<file path=ppt/notesSlides/notesSlide4.xml><?xml version="1.0" encoding="utf-8"?>
+<p:notes xmlns:a="http://schemas.openxmlformats.org/drawingml/2006/main" xmlns:r="http://schemas.openxmlformats.org/officeDocument/2006/relationships" xmlns:p="http://schemas.openxmlformats.org/presentationml/2006/main">
+  <p:cSld>
+    <p:spTree>
+      <p:nvGrpSpPr>
+        <p:cNvPr id="1" name=""/>
+        <p:cNvGrpSpPr/>
+        <p:nvPr/>
+      </p:nvGrpSpPr>
+      <p:grpSpPr>
+        <a:xfrm>
+          <a:off x="0" y="0"/>
+          <a:ext cx="0" cy="0"/>
+          <a:chOff x="0" y="0"/>
+          <a:chExt cx="0" cy="0"/>
+        </a:xfrm>
+      </p:grpSpPr>
+      <p:sp>
+        <p:nvSpPr>
+          <p:cNvPr id="2" name="Slide Image Placeholder 1"/>
+          <p:cNvSpPr>
+            <a:spLocks noGrp="1" noRot="1" noChangeAspect="1"/>
+          </p:cNvSpPr>
+          <p:nvPr>
+            <p:ph type="sldImg"/>
+          </p:nvPr>
+        </p:nvSpPr>
+        <p:spPr/>
+      </p:sp>
+      <p:sp>
+        <p:nvSpPr>
+          <p:cNvPr id="3" name="Notes Placeholder 2"/>
+          <p:cNvSpPr>
+            <a:spLocks noGrp="1"/>
+          </p:cNvSpPr>
+          <p:nvPr>
+            <p:ph type="body" idx="1"/>
+          </p:nvPr>
+        </p:nvSpPr>
+        <p:spPr/>
+        <p:txBody>
+          <a:bodyPr/>
+          <a:lstStyle/>
+          <a:p>
+            <a:endParaRPr lang="en-US" dirty="0"/>
+          </a:p>
+        </p:txBody>
+      </p:sp>
+      <p:sp>
+        <p:nvSpPr>
+          <p:cNvPr id="4" name="Slide Number Placeholder 3"/>
+          <p:cNvSpPr>
+            <a:spLocks noGrp="1"/>
+          </p:cNvSpPr>
+          <p:nvPr>
+            <p:ph type="sldNum" sz="quarter" idx="5"/>
+          </p:nvPr>
+        </p:nvSpPr>
+        <p:spPr/>
+        <p:txBody>
+          <a:bodyPr/>
+          <a:lstStyle/>
+          <a:p>
             <a:fld id="{A5E3B634-187A-714A-9D7D-FC23E693A20E}" type="slidenum">
               <a:rPr lang="en-US" smtClean="0"/>
               <a:t>21</a:t>
@@ -647,6 +958,90 @@
     <p:extLst>
       <p:ext uri="{BB962C8B-B14F-4D97-AF65-F5344CB8AC3E}">
         <p14:creationId xmlns:p14="http://schemas.microsoft.com/office/powerpoint/2010/main" val="1319969137"/>
+      </p:ext>
+    </p:extLst>
+  </p:cSld>
+  <p:clrMapOvr>
+    <a:masterClrMapping/>
+  </p:clrMapOvr>
+</p:notes>
+</file>
+
+<file path=ppt/notesSlides/notesSlide5.xml><?xml version="1.0" encoding="utf-8"?>
+<p:notes xmlns:a="http://schemas.openxmlformats.org/drawingml/2006/main" xmlns:r="http://schemas.openxmlformats.org/officeDocument/2006/relationships" xmlns:p="http://schemas.openxmlformats.org/presentationml/2006/main">
+  <p:cSld>
+    <p:spTree>
+      <p:nvGrpSpPr>
+        <p:cNvPr id="1" name=""/>
+        <p:cNvGrpSpPr/>
+        <p:nvPr/>
+      </p:nvGrpSpPr>
+      <p:grpSpPr>
+        <a:xfrm>
+          <a:off x="0" y="0"/>
+          <a:ext cx="0" cy="0"/>
+          <a:chOff x="0" y="0"/>
+          <a:chExt cx="0" cy="0"/>
+        </a:xfrm>
+      </p:grpSpPr>
+      <p:sp>
+        <p:nvSpPr>
+          <p:cNvPr id="2" name="Slide Image Placeholder 1"/>
+          <p:cNvSpPr>
+            <a:spLocks noGrp="1" noRot="1" noChangeAspect="1"/>
+          </p:cNvSpPr>
+          <p:nvPr>
+            <p:ph type="sldImg"/>
+          </p:nvPr>
+        </p:nvSpPr>
+        <p:spPr/>
+      </p:sp>
+      <p:sp>
+        <p:nvSpPr>
+          <p:cNvPr id="3" name="Notes Placeholder 2"/>
+          <p:cNvSpPr>
+            <a:spLocks noGrp="1"/>
+          </p:cNvSpPr>
+          <p:nvPr>
+            <p:ph type="body" idx="1"/>
+          </p:nvPr>
+        </p:nvSpPr>
+        <p:spPr/>
+        <p:txBody>
+          <a:bodyPr/>
+          <a:lstStyle/>
+          <a:p>
+            <a:endParaRPr lang="en-US" dirty="0"/>
+          </a:p>
+        </p:txBody>
+      </p:sp>
+      <p:sp>
+        <p:nvSpPr>
+          <p:cNvPr id="4" name="Slide Number Placeholder 3"/>
+          <p:cNvSpPr>
+            <a:spLocks noGrp="1"/>
+          </p:cNvSpPr>
+          <p:nvPr>
+            <p:ph type="sldNum" sz="quarter" idx="5"/>
+          </p:nvPr>
+        </p:nvSpPr>
+        <p:spPr/>
+        <p:txBody>
+          <a:bodyPr/>
+          <a:lstStyle/>
+          <a:p>
+            <a:fld id="{6830BF4D-E4EB-C347-9F92-6FA2DBDD4CE5}" type="slidenum">
+              <a:rPr lang="en-US" smtClean="0"/>
+              <a:t>22</a:t>
+            </a:fld>
+            <a:endParaRPr lang="en-US"/>
+          </a:p>
+        </p:txBody>
+      </p:sp>
+    </p:spTree>
+    <p:extLst>
+      <p:ext uri="{BB962C8B-B14F-4D97-AF65-F5344CB8AC3E}">
+        <p14:creationId xmlns:p14="http://schemas.microsoft.com/office/powerpoint/2010/main" val="1573336287"/>
       </p:ext>
     </p:extLst>
   </p:cSld>
@@ -4127,12 +4522,69 @@
             <p:ph idx="1"/>
           </p:nvPr>
         </p:nvSpPr>
-        <p:spPr/>
-        <p:txBody>
-          <a:bodyPr/>
-          <a:lstStyle/>
-          <a:p>
-            <a:endParaRPr lang="en-US"/>
+        <p:spPr>
+          <a:xfrm>
+            <a:off x="838200" y="1825624"/>
+            <a:ext cx="10515600" cy="4758055"/>
+          </a:xfrm>
+        </p:spPr>
+        <p:txBody>
+          <a:bodyPr>
+            <a:normAutofit lnSpcReduction="10000"/>
+          </a:bodyPr>
+          <a:lstStyle/>
+          <a:p>
+            <a:r>
+              <a:rPr lang="en-US" dirty="0"/>
+              <a:t>Agents can be defined at a variety of levels (individuals, households, etc.)  and can operate at very different temporal and spatial scales (e.g. from seconds to years). </a:t>
+            </a:r>
+          </a:p>
+          <a:p>
+            <a:pPr lvl="1"/>
+            <a:r>
+              <a:rPr lang="en-US" dirty="0"/>
+              <a:t>But how should we we chose such representation or dynamics. </a:t>
+            </a:r>
+          </a:p>
+          <a:p>
+            <a:pPr lvl="1"/>
+            <a:r>
+              <a:rPr lang="en-US" dirty="0"/>
+              <a:t>How should we aggregate these rules and behaviors from the individual level to, say, groups or higher aggregations of agents?</a:t>
+            </a:r>
+          </a:p>
+          <a:p>
+            <a:r>
+              <a:rPr lang="en-US" dirty="0"/>
+              <a:t>How many agents and how many attributes for each agent we should account for?</a:t>
+            </a:r>
+          </a:p>
+          <a:p>
+            <a:r>
+              <a:rPr lang="en-US" dirty="0"/>
+              <a:t>Modelers need to be more explicit with respect to:</a:t>
+            </a:r>
+          </a:p>
+          <a:p>
+            <a:pPr lvl="1"/>
+            <a:r>
+              <a:rPr lang="en-US" dirty="0"/>
+              <a:t>Agent representations, </a:t>
+            </a:r>
+          </a:p>
+          <a:p>
+            <a:pPr lvl="1"/>
+            <a:r>
+              <a:rPr lang="en-US" dirty="0"/>
+              <a:t>Why they chose a specific spatial and temporal scales,</a:t>
+            </a:r>
+          </a:p>
+          <a:p>
+            <a:pPr lvl="1"/>
+            <a:r>
+              <a:rPr lang="en-US" dirty="0"/>
+              <a:t>What data exists to support their assumptions and validate their outcomes.</a:t>
+            </a:r>
           </a:p>
         </p:txBody>
       </p:sp>
@@ -4967,7 +5419,34 @@
           <a:bodyPr/>
           <a:lstStyle/>
           <a:p>
-            <a:endParaRPr lang="en-US"/>
+            <a:r>
+              <a:rPr lang="en-US" dirty="0"/>
+              <a:t>By the end of this lecture, students will be able to:</a:t>
+            </a:r>
+          </a:p>
+          <a:p>
+            <a:pPr lvl="1"/>
+            <a:r>
+              <a:rPr lang="en-US" dirty="0"/>
+              <a:t>Discuss the key challenges for developing robust agent-based models of geographical systems </a:t>
+            </a:r>
+          </a:p>
+          <a:p>
+            <a:pPr lvl="1"/>
+            <a:r>
+              <a:rPr lang="en-US" dirty="0"/>
+              <a:t>Have ideas on potential solutions for overcoming such challenges</a:t>
+            </a:r>
+          </a:p>
+          <a:p>
+            <a:pPr lvl="1"/>
+            <a:r>
+              <a:rPr lang="en-US" dirty="0"/>
+              <a:t>Be able to identify areas for productive future research in the fields of agent-based modeling and GIS. </a:t>
+            </a:r>
+          </a:p>
+          <a:p>
+            <a:endParaRPr lang="en-US" dirty="0"/>
           </a:p>
         </p:txBody>
       </p:sp>
@@ -5328,9 +5807,9 @@
                 <a:solidFill>
                   <a:schemeClr val="bg1"/>
                 </a:solidFill>
-                <a:hlinkClick r:id="rId2"/>
+                <a:hlinkClick r:id="rId3"/>
               </a:rPr>
-              <a:t>https://github.com/abmgis/abmgis/tree/master/Chapter12-SummaryAndOutlook</a:t>
+              <a:t>www.abmgis.org/Chapter12.html</a:t>
             </a:r>
             <a:r>
               <a:rPr lang="en-US" sz="2000" dirty="0">
@@ -5358,7 +5837,7 @@
           <p:nvPr/>
         </p:nvPicPr>
         <p:blipFill>
-          <a:blip r:embed="rId3"/>
+          <a:blip r:embed="rId4"/>
           <a:stretch>
             <a:fillRect/>
           </a:stretch>
@@ -5449,10 +5928,75 @@
         </p:nvSpPr>
         <p:spPr/>
         <p:txBody>
-          <a:bodyPr/>
-          <a:lstStyle/>
-          <a:p>
-            <a:endParaRPr lang="en-US"/>
+          <a:bodyPr>
+            <a:normAutofit/>
+          </a:bodyPr>
+          <a:lstStyle/>
+          <a:p>
+            <a:r>
+              <a:rPr lang="en-US" dirty="0"/>
+              <a:t>Agent-based models can be used to study geographical systems, </a:t>
+            </a:r>
+          </a:p>
+          <a:p>
+            <a:r>
+              <a:rPr lang="en-US" dirty="0"/>
+              <a:t>Throughout this course we have demonstrated how geographical information can be used as the grounding of our ‘</a:t>
+            </a:r>
+            <a:r>
+              <a:rPr lang="en-US" i="1" dirty="0"/>
+              <a:t>artificial worlds</a:t>
+            </a:r>
+            <a:r>
+              <a:rPr lang="en-US" dirty="0"/>
+              <a:t>’.</a:t>
+            </a:r>
+          </a:p>
+          <a:p>
+            <a:r>
+              <a:rPr lang="en-US" dirty="0"/>
+              <a:t>We have explored issues pertaining to:</a:t>
+            </a:r>
+          </a:p>
+          <a:p>
+            <a:pPr lvl="1"/>
+            <a:r>
+              <a:rPr lang="en-US" dirty="0"/>
+              <a:t>How to design and development of agent-based models;</a:t>
+            </a:r>
+          </a:p>
+          <a:p>
+            <a:pPr lvl="1"/>
+            <a:r>
+              <a:rPr lang="en-US" dirty="0"/>
+              <a:t>Incorporate human behavior into agent-based models;</a:t>
+            </a:r>
+          </a:p>
+          <a:p>
+            <a:pPr lvl="1"/>
+            <a:r>
+              <a:rPr lang="en-US" dirty="0"/>
+              <a:t>Outlined methods for understanding and evaluating;</a:t>
+            </a:r>
+          </a:p>
+          <a:p>
+            <a:pPr lvl="1"/>
+            <a:r>
+              <a:rPr lang="en-US" dirty="0"/>
+              <a:t>Compared and contrasted agent-based models to other modeling approaches.</a:t>
+            </a:r>
+          </a:p>
+          <a:p>
+            <a:r>
+              <a:rPr lang="en-US" dirty="0"/>
+              <a:t>But what challenges remain? </a:t>
+            </a:r>
+          </a:p>
+          <a:p>
+            <a:endParaRPr lang="en-US" dirty="0"/>
+          </a:p>
+          <a:p>
+            <a:endParaRPr lang="en-US" dirty="0"/>
           </a:p>
         </p:txBody>
       </p:sp>
@@ -5608,10 +6152,9 @@
               <a:buAutoNum type="arabicPeriod"/>
             </a:pPr>
             <a:r>
-              <a:rPr lang="en-US" dirty="0" err="1"/>
-              <a:t>Behaviour</a:t>
-            </a:r>
-            <a:endParaRPr lang="en-US" dirty="0"/>
+              <a:rPr lang="en-US" dirty="0"/>
+              <a:t>Behavior</a:t>
+            </a:r>
           </a:p>
           <a:p>
             <a:pPr marL="914400" lvl="1" indent="-457200">
@@ -5714,7 +6257,40 @@
           <a:bodyPr/>
           <a:lstStyle/>
           <a:p>
-            <a:endParaRPr lang="en-US"/>
+            <a:r>
+              <a:rPr lang="en-US" dirty="0"/>
+              <a:t>In the early days of computer modelling, models were built to test the impacts of policies rather than scientific understanding </a:t>
+            </a:r>
+            <a:r>
+              <a:rPr lang="en-US" i="1" dirty="0"/>
+              <a:t>per se.</a:t>
+            </a:r>
+          </a:p>
+          <a:p>
+            <a:r>
+              <a:rPr lang="en-US" dirty="0"/>
+              <a:t>Agent-based models are now built to explore all stages of the </a:t>
+            </a:r>
+            <a:r>
+              <a:rPr lang="en-US" i="1" dirty="0"/>
+              <a:t>theory–practice</a:t>
+            </a:r>
+            <a:r>
+              <a:rPr lang="en-US" dirty="0"/>
+              <a:t> continuum (not just for prediction).</a:t>
+            </a:r>
+          </a:p>
+          <a:p>
+            <a:r>
+              <a:rPr lang="en-US" dirty="0"/>
+              <a:t>However, agent-based models are only useful for the purpose for which it was constructed, and as modelers we need to be explicit about this.</a:t>
+            </a:r>
+          </a:p>
+          <a:p>
+            <a:endParaRPr lang="en-US" dirty="0"/>
+          </a:p>
+          <a:p>
+            <a:endParaRPr lang="en-US" dirty="0"/>
           </a:p>
         </p:txBody>
       </p:sp>
@@ -5797,7 +6373,51 @@
           <a:bodyPr/>
           <a:lstStyle/>
           <a:p>
-            <a:endParaRPr lang="en-US"/>
+            <a:r>
+              <a:rPr lang="en-US" dirty="0"/>
+              <a:t>The goal of theory is to make the world understandable by finding the right level of abstraction (or simplification).</a:t>
+            </a:r>
+          </a:p>
+          <a:p>
+            <a:r>
+              <a:rPr lang="en-US" dirty="0"/>
+              <a:t>Traditionally in the social sciences, the role of a model was to translate a theory into a form whereby it could be tested, manipulated and refined.</a:t>
+            </a:r>
+          </a:p>
+          <a:p>
+            <a:pPr lvl="1"/>
+            <a:r>
+              <a:rPr lang="en-US" dirty="0"/>
+              <a:t>But which theory to test? </a:t>
+            </a:r>
+          </a:p>
+          <a:p>
+            <a:pPr lvl="1"/>
+            <a:r>
+              <a:rPr lang="en-US" dirty="0"/>
+              <a:t>Does  the theory have enough details to be </a:t>
+            </a:r>
+            <a:r>
+              <a:rPr lang="en-US" dirty="0" err="1"/>
+              <a:t>agentized</a:t>
+            </a:r>
+            <a:r>
+              <a:rPr lang="en-US" dirty="0"/>
+              <a:t>?  </a:t>
+            </a:r>
+          </a:p>
+          <a:p>
+            <a:r>
+              <a:rPr lang="en-US" dirty="0"/>
+              <a:t>With agent-based models (along with computational modelling more generally) models are often being used to develop theory.</a:t>
+            </a:r>
+          </a:p>
+          <a:p>
+            <a:pPr lvl="1"/>
+            <a:r>
+              <a:rPr lang="en-US" dirty="0"/>
+              <a:t>If this is the case we need to be explicit about the assumptions.</a:t>
+            </a:r>
           </a:p>
         </p:txBody>
       </p:sp>
@@ -5875,12 +6495,119 @@
             <p:ph idx="1"/>
           </p:nvPr>
         </p:nvSpPr>
-        <p:spPr/>
-        <p:txBody>
-          <a:bodyPr/>
-          <a:lstStyle/>
-          <a:p>
-            <a:endParaRPr lang="en-US"/>
+        <p:spPr>
+          <a:xfrm>
+            <a:off x="838200" y="1825625"/>
+            <a:ext cx="10515600" cy="4741430"/>
+          </a:xfrm>
+        </p:spPr>
+        <p:txBody>
+          <a:bodyPr>
+            <a:normAutofit fontScale="85000" lnSpcReduction="20000"/>
+          </a:bodyPr>
+          <a:lstStyle/>
+          <a:p>
+            <a:r>
+              <a:rPr lang="en-US" dirty="0"/>
+              <a:t>Growing number of agent-based models.</a:t>
+            </a:r>
+          </a:p>
+          <a:p>
+            <a:pPr lvl="1"/>
+            <a:r>
+              <a:rPr lang="en-US" dirty="0"/>
+              <a:t>Many are based on case studies, one-off models or as proof of concept.</a:t>
+            </a:r>
+          </a:p>
+          <a:p>
+            <a:r>
+              <a:rPr lang="en-US" dirty="0"/>
+              <a:t>Limited inter-model comparison such as is seen in other disciplines. </a:t>
+            </a:r>
+          </a:p>
+          <a:p>
+            <a:pPr lvl="1"/>
+            <a:r>
+              <a:rPr lang="en-US" dirty="0"/>
+              <a:t>E.g., the Ice Sheet Model </a:t>
+            </a:r>
+            <a:r>
+              <a:rPr lang="en-US" dirty="0" err="1"/>
+              <a:t>Intercomparison</a:t>
+            </a:r>
+            <a:r>
+              <a:rPr lang="en-US" dirty="0"/>
+              <a:t> Project</a:t>
+            </a:r>
+          </a:p>
+          <a:p>
+            <a:r>
+              <a:rPr lang="en-US" dirty="0"/>
+              <a:t>Efforts are being made to compare different models applied to the same phenomena.</a:t>
+            </a:r>
+          </a:p>
+          <a:p>
+            <a:pPr lvl="1"/>
+            <a:r>
+              <a:rPr lang="en-US" dirty="0"/>
+              <a:t>E.g. Ebola, </a:t>
+            </a:r>
+            <a:r>
+              <a:rPr lang="en-US" dirty="0" err="1"/>
+              <a:t>Maleira</a:t>
+            </a:r>
+            <a:r>
+              <a:rPr lang="en-US" dirty="0"/>
+              <a:t>, </a:t>
+            </a:r>
+          </a:p>
+          <a:p>
+            <a:r>
+              <a:rPr lang="en-US" dirty="0"/>
+              <a:t>Efforts also being made to common features of models exploring the same phenomena in order to find what constitutes the </a:t>
+            </a:r>
+            <a:r>
+              <a:rPr lang="en-US" i="1" dirty="0"/>
+              <a:t>must have </a:t>
+            </a:r>
+            <a:r>
+              <a:rPr lang="en-US" dirty="0"/>
+              <a:t>features</a:t>
+            </a:r>
+          </a:p>
+          <a:p>
+            <a:r>
+              <a:rPr lang="en-US" dirty="0"/>
+              <a:t>E.g. Slums</a:t>
+            </a:r>
+          </a:p>
+          <a:p>
+            <a:r>
+              <a:rPr lang="en-US" dirty="0"/>
+              <a:t>However, there are no centralized agent-based modelling repositories that pool together knowledge, code and data.</a:t>
+            </a:r>
+          </a:p>
+          <a:p>
+            <a:pPr lvl="1"/>
+            <a:r>
+              <a:rPr lang="en-US" dirty="0"/>
+              <a:t>Nor is there any standard model or protocol on what constitutes an agent or its decision-making process.</a:t>
+            </a:r>
+          </a:p>
+          <a:p>
+            <a:endParaRPr lang="en-US" dirty="0"/>
+          </a:p>
+          <a:p>
+            <a:endParaRPr lang="en-US" dirty="0"/>
+          </a:p>
+          <a:p>
+            <a:endParaRPr lang="en-US" dirty="0"/>
+          </a:p>
+          <a:p>
+            <a:endParaRPr lang="en-US" dirty="0"/>
+          </a:p>
+          <a:p>
+            <a:endParaRPr lang="en-US" dirty="0"/>
           </a:p>
         </p:txBody>
       </p:sp>
@@ -5963,7 +6690,41 @@
           <a:bodyPr/>
           <a:lstStyle/>
           <a:p>
-            <a:endParaRPr lang="en-US"/>
+            <a:r>
+              <a:rPr lang="en-US" dirty="0"/>
+              <a:t>Replication is one of the main principles of the scientific method</a:t>
+            </a:r>
+          </a:p>
+          <a:p>
+            <a:r>
+              <a:rPr lang="en-US" dirty="0"/>
+              <a:t>In the confines of a publication, this is hard to achieve with agent-based models. </a:t>
+            </a:r>
+          </a:p>
+          <a:p>
+            <a:r>
+              <a:rPr lang="en-US" dirty="0"/>
+              <a:t>Attempts are being made</a:t>
+            </a:r>
+          </a:p>
+          <a:p>
+            <a:pPr lvl="1"/>
+            <a:r>
+              <a:rPr lang="en-US" dirty="0"/>
+              <a:t>ODD protocol, the ODD+D protocol and UML</a:t>
+            </a:r>
+          </a:p>
+          <a:p>
+            <a:r>
+              <a:rPr lang="en-US" dirty="0"/>
+              <a:t>Many modelers don’t share their models or data</a:t>
+            </a:r>
+          </a:p>
+          <a:p>
+            <a:r>
+              <a:rPr lang="en-US" dirty="0"/>
+              <a:t>Why? </a:t>
+            </a:r>
           </a:p>
         </p:txBody>
       </p:sp>
@@ -6020,7 +6781,7 @@
           <a:p>
             <a:r>
               <a:rPr lang="en-US" dirty="0"/>
-              <a:t>Challenge 5: Verification and Validation</a:t>
+              <a:t>Challenge 5: Verification &amp; Validation (V &amp; V)</a:t>
             </a:r>
           </a:p>
         </p:txBody>
@@ -6043,10 +6804,49 @@
         </p:nvSpPr>
         <p:spPr/>
         <p:txBody>
-          <a:bodyPr/>
-          <a:lstStyle/>
-          <a:p>
-            <a:endParaRPr lang="en-US"/>
+          <a:bodyPr>
+            <a:normAutofit lnSpcReduction="10000"/>
+          </a:bodyPr>
+          <a:lstStyle/>
+          <a:p>
+            <a:r>
+              <a:rPr lang="en-US" dirty="0"/>
+              <a:t>While discussed earlier we list these here as V &amp; V is needed for replication and experimentation </a:t>
+            </a:r>
+          </a:p>
+          <a:p>
+            <a:r>
+              <a:rPr lang="en-US" dirty="0"/>
+              <a:t>Validation is a big challenge.</a:t>
+            </a:r>
+          </a:p>
+          <a:p>
+            <a:pPr lvl="1"/>
+            <a:r>
+              <a:rPr lang="en-US" dirty="0"/>
+              <a:t>How can we rigorously evaluate how well the model matches the real-world system it is attempting to simulate?</a:t>
+            </a:r>
+          </a:p>
+          <a:p>
+            <a:r>
+              <a:rPr lang="en-US" dirty="0"/>
+              <a:t>Agent-based models embrace heterogeneous systems that evolve over time, where the linkages between dependent and independent variables are difficult, if not impossible, to observe due to their rich model structure</a:t>
+            </a:r>
+          </a:p>
+          <a:p>
+            <a:r>
+              <a:rPr lang="en-US" dirty="0"/>
+              <a:t>Finding appropriately rich and detailed data to validate such systems is difficult.</a:t>
+            </a:r>
+          </a:p>
+          <a:p>
+            <a:endParaRPr lang="en-US" dirty="0"/>
+          </a:p>
+          <a:p>
+            <a:endParaRPr lang="en-US" dirty="0"/>
+          </a:p>
+          <a:p>
+            <a:endParaRPr lang="en-US" dirty="0"/>
           </a:p>
         </p:txBody>
       </p:sp>

--- a/Chapter12-SummaryAndOutlook/Chapter12.pptx
+++ b/Chapter12-SummaryAndOutlook/Chapter12.pptx
@@ -218,7 +218,7 @@
           <a:p>
             <a:fld id="{BAB81967-2BF6-464C-8467-CAF335A27FF0}" type="datetimeFigureOut">
               <a:rPr lang="en-US" smtClean="0"/>
-              <a:t>11/29/18</a:t>
+              <a:t>1/11/19</a:t>
             </a:fld>
             <a:endParaRPr lang="en-US"/>
           </a:p>
@@ -700,149 +700,6 @@
           <a:bodyPr/>
           <a:lstStyle/>
           <a:p>
-            <a:r>
-              <a:rPr lang="en-US" sz="1200" kern="1200" dirty="0">
-                <a:solidFill>
-                  <a:schemeClr val="tx1"/>
-                </a:solidFill>
-                <a:effectLst/>
-                <a:latin typeface="+mn-lt"/>
-                <a:ea typeface="+mn-ea"/>
-                <a:cs typeface="+mn-cs"/>
-              </a:rPr>
-              <a:t>This representation</a:t>
-            </a:r>
-          </a:p>
-          <a:p>
-            <a:r>
-              <a:rPr lang="en-US" sz="1200" kern="1200" dirty="0">
-                <a:solidFill>
-                  <a:schemeClr val="tx1"/>
-                </a:solidFill>
-                <a:effectLst/>
-                <a:latin typeface="+mn-lt"/>
-                <a:ea typeface="+mn-ea"/>
-                <a:cs typeface="+mn-cs"/>
-              </a:rPr>
-              <a:t>also raises questions about what are the most appropriate methods for agents to</a:t>
-            </a:r>
-          </a:p>
-          <a:p>
-            <a:r>
-              <a:rPr lang="en-US" sz="1200" kern="1200" dirty="0">
-                <a:solidFill>
-                  <a:schemeClr val="tx1"/>
-                </a:solidFill>
-                <a:effectLst/>
-                <a:latin typeface="+mn-lt"/>
-                <a:ea typeface="+mn-ea"/>
-                <a:cs typeface="+mn-cs"/>
-              </a:rPr>
-              <a:t>communicate with each other (i.e. via Moore or von Neumann </a:t>
-            </a:r>
-            <a:r>
-              <a:rPr lang="en-US" sz="1200" kern="1200" dirty="0" err="1">
-                <a:solidFill>
-                  <a:schemeClr val="tx1"/>
-                </a:solidFill>
-                <a:effectLst/>
-                <a:latin typeface="+mn-lt"/>
-                <a:ea typeface="+mn-ea"/>
-                <a:cs typeface="+mn-cs"/>
-              </a:rPr>
-              <a:t>neighbourhoods</a:t>
-            </a:r>
-            <a:endParaRPr lang="en-US" sz="1200" kern="1200" dirty="0">
-              <a:solidFill>
-                <a:schemeClr val="tx1"/>
-              </a:solidFill>
-              <a:effectLst/>
-              <a:latin typeface="+mn-lt"/>
-              <a:ea typeface="+mn-ea"/>
-              <a:cs typeface="+mn-cs"/>
-            </a:endParaRPr>
-          </a:p>
-          <a:p>
-            <a:r>
-              <a:rPr lang="en-US" sz="1200" kern="1200" dirty="0">
-                <a:solidFill>
-                  <a:schemeClr val="tx1"/>
-                </a:solidFill>
-                <a:effectLst/>
-                <a:latin typeface="+mn-lt"/>
-                <a:ea typeface="+mn-ea"/>
-                <a:cs typeface="+mn-cs"/>
-              </a:rPr>
-              <a:t>or social networks). These questions are not new (see, for example, Cioffi-Revilla,</a:t>
-            </a:r>
-          </a:p>
-          <a:p>
-            <a:r>
-              <a:rPr lang="en-US" sz="1200" kern="1200" dirty="0">
-                <a:solidFill>
-                  <a:schemeClr val="tx1"/>
-                </a:solidFill>
-                <a:effectLst/>
-                <a:latin typeface="+mn-lt"/>
-                <a:ea typeface="+mn-ea"/>
-                <a:cs typeface="+mn-cs"/>
-              </a:rPr>
-              <a:t>2002) but we would like to see </a:t>
-            </a:r>
-            <a:r>
-              <a:rPr lang="en-US" sz="1200" kern="1200" dirty="0" err="1">
-                <a:solidFill>
-                  <a:schemeClr val="tx1"/>
-                </a:solidFill>
-                <a:effectLst/>
-                <a:latin typeface="+mn-lt"/>
-                <a:ea typeface="+mn-ea"/>
-                <a:cs typeface="+mn-cs"/>
-              </a:rPr>
-              <a:t>modellers</a:t>
-            </a:r>
-            <a:r>
-              <a:rPr lang="en-US" sz="1200" kern="1200" dirty="0">
-                <a:solidFill>
-                  <a:schemeClr val="tx1"/>
-                </a:solidFill>
-                <a:effectLst/>
-                <a:latin typeface="+mn-lt"/>
-                <a:ea typeface="+mn-ea"/>
-                <a:cs typeface="+mn-cs"/>
-              </a:rPr>
-              <a:t> be more explicit with respect to their</a:t>
-            </a:r>
-          </a:p>
-          <a:p>
-            <a:r>
-              <a:rPr lang="en-US" sz="1200" kern="1200" dirty="0">
-                <a:solidFill>
-                  <a:schemeClr val="tx1"/>
-                </a:solidFill>
-                <a:effectLst/>
-                <a:latin typeface="+mn-lt"/>
-                <a:ea typeface="+mn-ea"/>
-                <a:cs typeface="+mn-cs"/>
-              </a:rPr>
-              <a:t>agent representations, why they chose specific spatial and temporal scales, and what</a:t>
-            </a:r>
-          </a:p>
-          <a:p>
-            <a:r>
-              <a:rPr lang="en-US" sz="1200" kern="1200" dirty="0">
-                <a:solidFill>
-                  <a:schemeClr val="tx1"/>
-                </a:solidFill>
-                <a:effectLst/>
-                <a:latin typeface="+mn-lt"/>
-                <a:ea typeface="+mn-ea"/>
-                <a:cs typeface="+mn-cs"/>
-              </a:rPr>
-              <a:t>data exists to support their assumptions and validate their outcomes.</a:t>
-            </a:r>
-          </a:p>
-          <a:p>
             <a:endParaRPr lang="en-US" dirty="0"/>
           </a:p>
         </p:txBody>
@@ -1198,7 +1055,7 @@
           <a:p>
             <a:fld id="{53326AB7-C146-8643-AC32-1D896C71A7F3}" type="datetimeFigureOut">
               <a:rPr lang="en-US" smtClean="0"/>
-              <a:t>11/29/18</a:t>
+              <a:t>1/11/19</a:t>
             </a:fld>
             <a:endParaRPr lang="en-US"/>
           </a:p>
@@ -1396,7 +1253,7 @@
           <a:p>
             <a:fld id="{53326AB7-C146-8643-AC32-1D896C71A7F3}" type="datetimeFigureOut">
               <a:rPr lang="en-US" smtClean="0"/>
-              <a:t>11/29/18</a:t>
+              <a:t>1/11/19</a:t>
             </a:fld>
             <a:endParaRPr lang="en-US"/>
           </a:p>
@@ -1604,7 +1461,7 @@
           <a:p>
             <a:fld id="{53326AB7-C146-8643-AC32-1D896C71A7F3}" type="datetimeFigureOut">
               <a:rPr lang="en-US" smtClean="0"/>
-              <a:t>11/29/18</a:t>
+              <a:t>1/11/19</a:t>
             </a:fld>
             <a:endParaRPr lang="en-US"/>
           </a:p>
@@ -1802,7 +1659,7 @@
           <a:p>
             <a:fld id="{53326AB7-C146-8643-AC32-1D896C71A7F3}" type="datetimeFigureOut">
               <a:rPr lang="en-US" smtClean="0"/>
-              <a:t>11/29/18</a:t>
+              <a:t>1/11/19</a:t>
             </a:fld>
             <a:endParaRPr lang="en-US"/>
           </a:p>
@@ -2077,7 +1934,7 @@
           <a:p>
             <a:fld id="{53326AB7-C146-8643-AC32-1D896C71A7F3}" type="datetimeFigureOut">
               <a:rPr lang="en-US" smtClean="0"/>
-              <a:t>11/29/18</a:t>
+              <a:t>1/11/19</a:t>
             </a:fld>
             <a:endParaRPr lang="en-US"/>
           </a:p>
@@ -2342,7 +2199,7 @@
           <a:p>
             <a:fld id="{53326AB7-C146-8643-AC32-1D896C71A7F3}" type="datetimeFigureOut">
               <a:rPr lang="en-US" smtClean="0"/>
-              <a:t>11/29/18</a:t>
+              <a:t>1/11/19</a:t>
             </a:fld>
             <a:endParaRPr lang="en-US"/>
           </a:p>
@@ -2754,7 +2611,7 @@
           <a:p>
             <a:fld id="{53326AB7-C146-8643-AC32-1D896C71A7F3}" type="datetimeFigureOut">
               <a:rPr lang="en-US" smtClean="0"/>
-              <a:t>11/29/18</a:t>
+              <a:t>1/11/19</a:t>
             </a:fld>
             <a:endParaRPr lang="en-US"/>
           </a:p>
@@ -2895,7 +2752,7 @@
           <a:p>
             <a:fld id="{53326AB7-C146-8643-AC32-1D896C71A7F3}" type="datetimeFigureOut">
               <a:rPr lang="en-US" smtClean="0"/>
-              <a:t>11/29/18</a:t>
+              <a:t>1/11/19</a:t>
             </a:fld>
             <a:endParaRPr lang="en-US"/>
           </a:p>
@@ -3008,7 +2865,7 @@
           <a:p>
             <a:fld id="{53326AB7-C146-8643-AC32-1D896C71A7F3}" type="datetimeFigureOut">
               <a:rPr lang="en-US" smtClean="0"/>
-              <a:t>11/29/18</a:t>
+              <a:t>1/11/19</a:t>
             </a:fld>
             <a:endParaRPr lang="en-US"/>
           </a:p>
@@ -3319,7 +3176,7 @@
           <a:p>
             <a:fld id="{53326AB7-C146-8643-AC32-1D896C71A7F3}" type="datetimeFigureOut">
               <a:rPr lang="en-US" smtClean="0"/>
-              <a:t>11/29/18</a:t>
+              <a:t>1/11/19</a:t>
             </a:fld>
             <a:endParaRPr lang="en-US"/>
           </a:p>
@@ -3607,7 +3464,7 @@
           <a:p>
             <a:fld id="{53326AB7-C146-8643-AC32-1D896C71A7F3}" type="datetimeFigureOut">
               <a:rPr lang="en-US" smtClean="0"/>
-              <a:t>11/29/18</a:t>
+              <a:t>1/11/19</a:t>
             </a:fld>
             <a:endParaRPr lang="en-US"/>
           </a:p>
@@ -3848,7 +3705,7 @@
           <a:p>
             <a:fld id="{53326AB7-C146-8643-AC32-1D896C71A7F3}" type="datetimeFigureOut">
               <a:rPr lang="en-US" smtClean="0"/>
-              <a:t>11/29/18</a:t>
+              <a:t>1/11/19</a:t>
             </a:fld>
             <a:endParaRPr lang="en-US"/>
           </a:p>
@@ -6550,15 +6407,7 @@
             <a:pPr lvl="1"/>
             <a:r>
               <a:rPr lang="en-US" dirty="0"/>
-              <a:t>E.g. Ebola, </a:t>
-            </a:r>
-            <a:r>
-              <a:rPr lang="en-US" dirty="0" err="1"/>
-              <a:t>Maleira</a:t>
-            </a:r>
-            <a:r>
-              <a:rPr lang="en-US" dirty="0"/>
-              <a:t>, </a:t>
+              <a:t>E.g. Ebola, Malaria, </a:t>
             </a:r>
           </a:p>
           <a:p>
